--- a/presentation Steinhaeuser 20_12_23.pptx
+++ b/presentation Steinhaeuser 20_12_23.pptx
@@ -8,9 +8,32 @@
     <p:sldId id="256" r:id="rId2"/>
     <p:sldId id="257" r:id="rId3"/>
     <p:sldId id="258" r:id="rId4"/>
-    <p:sldId id="259" r:id="rId5"/>
-    <p:sldId id="260" r:id="rId6"/>
-    <p:sldId id="261" r:id="rId7"/>
+    <p:sldId id="262" r:id="rId5"/>
+    <p:sldId id="263" r:id="rId6"/>
+    <p:sldId id="259" r:id="rId7"/>
+    <p:sldId id="260" r:id="rId8"/>
+    <p:sldId id="281" r:id="rId9"/>
+    <p:sldId id="261" r:id="rId10"/>
+    <p:sldId id="282" r:id="rId11"/>
+    <p:sldId id="280" r:id="rId12"/>
+    <p:sldId id="279" r:id="rId13"/>
+    <p:sldId id="278" r:id="rId14"/>
+    <p:sldId id="275" r:id="rId15"/>
+    <p:sldId id="267" r:id="rId16"/>
+    <p:sldId id="277" r:id="rId17"/>
+    <p:sldId id="276" r:id="rId18"/>
+    <p:sldId id="283" r:id="rId19"/>
+    <p:sldId id="264" r:id="rId20"/>
+    <p:sldId id="284" r:id="rId21"/>
+    <p:sldId id="274" r:id="rId22"/>
+    <p:sldId id="272" r:id="rId23"/>
+    <p:sldId id="273" r:id="rId24"/>
+    <p:sldId id="271" r:id="rId25"/>
+    <p:sldId id="265" r:id="rId26"/>
+    <p:sldId id="266" r:id="rId27"/>
+    <p:sldId id="268" r:id="rId28"/>
+    <p:sldId id="269" r:id="rId29"/>
+    <p:sldId id="270" r:id="rId30"/>
   </p:sldIdLst>
   <p:sldSz cx="12192000" cy="6858000"/>
   <p:notesSz cx="6858000" cy="9144000"/>
@@ -133,14 +156,15 @@
           <inkml:channelProperty channel="F" name="resolution" value="0" units="1/dev"/>
         </inkml:channelProperties>
       </inkml:inkSource>
-      <inkml:timestamp xml:id="ts0" timeString="2023-12-11T17:15:53.606"/>
+      <inkml:timestamp xml:id="ts0" timeString="2023-12-20T01:39:40.089"/>
     </inkml:context>
     <inkml:brush xml:id="br0">
       <inkml:brushProperty name="width" value="0.05" units="cm"/>
       <inkml:brushProperty name="height" value="0.05" units="cm"/>
+      <inkml:brushProperty name="color" value="#E71224"/>
     </inkml:brush>
   </inkml:definitions>
-  <inkml:trace contextRef="#ctx0" brushRef="#br0">124 22 24575,'0'-4'0,"0"-11"0,-1 12 0,-1 8 0,-11 49 0,-8 57 0,8-31 0,-17 95-273,8 1 0,7 1 0,8 1 0,33 352 0,-19-477-6553</inkml:trace>
+  <inkml:trace contextRef="#ctx0" brushRef="#br0">34 3 4537,'0'0'5130,"0"5"-4559,0 17 270,-1 0-1,-1-1 0,-1 1 1,-1-1-1,-7 24 1,8-37-692,0 1 1,1-1-1,1 1 1,-2 14 0,3-23 2,0-30 324,12-157-179,-12 363 1284,1-176-1555,0 0-1,0-1 1,0 1 0,0 0 0,0-1 0,0 1 0,0-1 0,0 1-1,-1-1 1,1 0 0,0 1 0,0-1 0,0 0 0,-1 1 0,1-1 0,0 0-1,-1 0 1,1 0 0,0-1 0,2-6-15,-1 0 1,0 1-1,-1-1 0,0 0 1,0-10-1,-1 18-159,-3 9-4202,-3 4 810</inkml:trace>
 </inkml:ink>
 </file>
 
@@ -160,14 +184,15 @@
           <inkml:channelProperty channel="F" name="resolution" value="0" units="1/dev"/>
         </inkml:channelProperties>
       </inkml:inkSource>
-      <inkml:timestamp xml:id="ts0" timeString="2023-12-11T17:15:53.998"/>
+      <inkml:timestamp xml:id="ts0" timeString="2023-12-20T01:39:46.733"/>
     </inkml:context>
     <inkml:brush xml:id="br0">
       <inkml:brushProperty name="width" value="0.05" units="cm"/>
       <inkml:brushProperty name="height" value="0.05" units="cm"/>
+      <inkml:brushProperty name="color" value="#E71224"/>
     </inkml:brush>
   </inkml:definitions>
-  <inkml:trace contextRef="#ctx0" brushRef="#br0">0 134 24575,'9'-3'0,"65"-21"0,0 3 0,80-13 0,156-5 0,122 27 0,-329 17 0,0 5 0,119 26 0,-160-21 0,119 43 0,-156-47 0,0 0 0,0 2 0,-2 1 0,1 0 0,-2 2 0,0 0 0,23 24 0,-36-31 0,-1 0 0,-1 1 0,0-1 0,0 1 0,-1 1 0,0-1 0,-1 1 0,0 0 0,-1 1 0,0-1 0,0 1 0,2 16 0,-5-11 0,1 0 0,-2 0 0,0 0 0,-1 0 0,-1 0 0,0 0 0,-2-1 0,-5 19 0,-2-3 0,-2 1 0,-1-2 0,-2 1 0,-1-2 0,-1-1 0,-2 0 0,0-1 0,-27 26 0,-1-4-54,-3-3-1,-2-2 1,-1-3 0,-3-2-1,-1-2 1,-66 31 0,50-33-23,-1-4 1,-2-3 0,-1-3 0,-148 28 0,161-44-131,-1-2 1,0-4 0,0-2-1,-1-3 1,-91-14-1,123 9-5984</inkml:trace>
+  <inkml:trace contextRef="#ctx0" brushRef="#br0">143 92 2032,'0'0'6467,"-9"-25"144,5 25-6475,-5 0 27,0 0 0,0 0 1,0 1-1,0 0 1,0 1-1,-12 3 1,18-4-166,1 0 1,0 1-1,0-1 1,-1 0-1,1 1 1,0-1-1,0 1 1,1 0-1,-1 0 1,0 0-1,0 0 1,1 0-1,-1 0 1,1 0-1,0 0 1,0 1-1,0-1 1,0 1-1,0-1 1,0 0-1,1 1 1,-1 0-1,1-1 1,-1 1-1,1-1 1,0 1-1,1 4 0,-1-6-11,0-1-1,0 1 0,0 0 0,0-1 1,0 1-1,1 0 0,-1-1 0,0 1 0,0-1 1,1 1-1,-1-1 0,1 1 0,-1-1 0,0 1 1,1-1-1,-1 1 0,1-1 0,-1 1 0,1-1 1,-1 0-1,1 1 0,-1-1 0,1 0 0,0 1 1,-1-1-1,1 0 0,0 0 0,-1 0 0,1 1 1,0-1-1,31 1 10,-24-2-21,0 0-1,0-1 0,0 0 0,0 0 0,12-5 0,-15 4 13,0 0 1,0 0-1,0 0 1,0 0-1,-1-1 0,0 0 1,1 1-1,-2-2 1,1 1-1,0 0 1,-1-1-1,1 0 1,-2 0-1,1 0 1,0 0-1,-1 0 1,0 0-1,0-1 1,0 1-1,-1-1 0,0 0 1,0 1-1,0-1 1,-1-11-1,0 16 21,-1 0 1,1 1-1,0-1 0,-1 0 0,1 0 0,-1 1 0,1-1 0,-1 1 0,0-1 0,1 0 1,-1 1-1,0-1 0,1 1 0,-1-1 0,0 1 0,1 0 0,-1-1 0,0 1 0,0 0 1,0-1-1,1 1 0,-1 0 0,0 0 0,0 0 0,0 0 0,0 0 0,1 0 0,-1 0 0,-2 0 1,-35 0-8,26 1 46,9-1-32,1 0-1,-1 0 1,1 0-1,0 0 1,-1 1-1,1-1 1,0 1-1,-1 0 1,1 0-1,0 0 1,0 0-1,0 0 1,0 0-1,0 0 0,0 0 1,0 1-1,0-1 1,0 1-1,1 0 1,-1 0-1,0-1 1,1 1-1,-2 3 1,0 0 5,1 0-1,1 0 1,-1 0 0,1 0 0,-1 0 0,1 0-1,1 0 1,-1 1 0,1 8 0,0-13-18,1 0 0,0 0-1,-1 0 1,1-1 0,0 1 0,-1 0 0,1 0 0,0 0 0,0-1-1,0 1 1,-1 0 0,1-1 0,0 1 0,0 0 0,0-1-1,0 1 1,0-1 0,0 0 0,1 1 0,-1-1 0,0 0 0,0 0-1,0 0 1,0 0 0,0 1 0,0-1 0,0-1 0,2 1 0,45 0 182,-36 0-193,-9 0 6,0 0 1,1 0-1,-1 0 0,0-1 1,0 1-1,0-1 0,1 0 0,5-2 1,-8 2 7,0 1 1,0-1 0,0 0 0,0 0 0,0 0-1,0 0 1,-1 0 0,1 0 0,0 0 0,0 0-1,-1 0 1,1 0 0,-1-1 0,1 1-1,-1 0 1,1 0 0,-1-1 0,0 1 0,0 0-1,0-1 1,0 1 0,0 0 0,0 0-1,0-2 1,0 2-1,-1 0 0,1 0 0,-1 1 0,0-1 0,1 0 0,-1 0 0,0 1 0,1-1 0,-1 1 0,0-1 0,0 0 0,0 1 0,1-1 0,-1 1 0,0 0 0,0-1 0,0 1 0,0 0 0,0 0 0,0-1 0,0 1 0,0 0 0,0 0 0,0 0 0,0 0 0,-2 1 0,-35-2 226,31 1-173,0 0-62,-3 0 17,-1 0-1,1 1 1,-1 0 0,-11 3 0,21-4-18,0 0 0,-1 0 0,1 1 0,0-1 0,-1 0 0,1 1 0,0-1 0,0 1 0,0-1 0,-1 1 0,1 0 0,0-1 0,0 1 0,0 0 0,0 0 0,0 0 0,0 0 0,0 0 0,1 0 0,-1 0 0,0 0 0,0 0 0,1 1 0,-1-1 0,1 0 0,-1 0 0,1 0 0,-1 1 0,1-1 0,0 0 0,0 1 0,0-1 0,-1 0 0,1 1 0,0-1 0,1 0 0,-1 1 1,0-1-1,0 0 0,1 1 0,-1-1 0,1 2 0,3-1 35,1 0 0,-1 0 0,1-1 1,-1 0-1,1 0 0,0 0 0,-1 0 0,1 0 1,0-1-1,0 0 0,4-1 0,-6 2-15,1-1 0,-1 0 1,0-1-1,0 1 0,1 0 0,-1-1 0,0 0 0,0 0 0,0 0 0,0 0 0,5-3 0,-7 3-8,0 0 0,0 0 0,0 0 0,0 0 0,-1 0 0,1-1 0,0 1 0,-1 0 0,1-1 1,-1 1-1,1 0 0,-1-1 0,0 1 0,1-1 0,-1 1 0,0-1 0,0 1 0,0-1 0,0 1 0,0 0 0,0-1 0,-1 1 0,1-1 0,0 1 0,-1 0 0,1-1 0,-1 1 0,0 0 0,0-2 0,0 2-9,0 0 0,0 0-1,0 0 1,0 0-1,-1 0 1,1 0-1,0 1 1,0-1 0,0 1-1,-1-1 1,1 1-1,0-1 1,0 1-1,-1 0 1,1-1 0,0 1-1,-1 0 1,1 0-1,-1 0 1,-1 0-1,-38 1 159,29-1-47,10 1-109,-1-1 0,1 0 0,-1 1-1,1 0 1,0-1 0,0 1 0,-1 0 0,1 0 0,0 0 0,0 0 0,0 1 0,0-1 0,0 0-1,0 1 1,1 0 0,-1-1 0,0 1 0,1 0 0,-1 0 0,1 0 0,0 0 0,-1 0 0,1 0 0,0 0-1,0 0 1,1 1 0,-1-1 0,0 0 0,1 1 0,-1-1 0,1 0 0,0 1 0,0-1 0,0 1-1,0-1 1,0 0 0,0 1 0,1-1 0,-1 0 0,1 1 0,1 3 0,-1-5 8,0 1 1,0-1-1,1 1 0,-1-1 1,0 0-1,1 0 1,-1 1-1,1-1 0,-1 0 1,1 0-1,0-1 1,-1 1-1,1 0 0,0 0 1,0-1-1,-1 1 1,1-1-1,0 0 0,0 1 1,0-1-1,2 0 1,50 0 199,-38 0-161,-13-1-41,0 1 0,-1-1 0,1 0-1,0 1 1,-1-1 0,1 0 0,-1-1 0,0 1 0,1 0 0,-1-1 0,0 1-1,0-1 1,0 0 0,0 0 0,0 1 0,0-2 0,-1 1 0,1 0 0,0 0 0,-1 0-1,0-1 1,1 1 0,-1 0 0,0-1 0,-1 0 0,1 1 0,0-1 0,-1 1-1,1-1 1,-1 0 0,0 1 0,0-1 0,0 0 0,0 1 0,0-1 0,0 0 0,-1 1-1,-1-6 1,1 7-8,0-1 0,0 1 0,1 0 0,-1 0 0,-1-1 0,1 1 0,0 0 0,0 0 0,0 0 0,0 0 0,-1 0 0,1 1 0,0-1 0,-1 0 0,1 1 0,-1-1 0,1 1 0,-1-1 0,1 1 0,-1 0 1,1-1-1,-1 1 0,1 0 0,-3 0 0,-46-1 139,35 2-87,14-1-59,-1 1 1,1-1 0,-1 1 0,1-1 0,-1 1 0,1 0-1,-1-1 1,1 1 0,0 0 0,0 0 0,-1 0-1,1 0 1,0 0 0,0 0 0,0 0 0,0 1-1,0-1 1,0 0 0,0 1 0,1-1 0,-1 0-1,0 1 1,1-1 0,-1 1 0,1-1 0,0 1-1,-1-1 1,1 1 0,0-1 0,0 1 0,0 0 0,0-1-1,0 1 1,0-1 0,0 1 0,1-1 0,-1 1-1,1-1 1,-1 1 0,1-1 0,-1 1 0,1-1-1,0 0 1,0 1 0,0-1 0,-1 0 0,1 1-1,1-1 1,-1 0 0,0 0 0,0 0 0,0 0 0,0 0-1,1 0 1,1 1 0,5 0 31,-1-1 0,1 0 0,-1 0 0,1 0-1,-1-1 1,11 0 0,-17 0-19,1 0 0,0 0 1,-1 0-1,1 0 0,-1-1 0,1 1 0,0 0 0,-1-1 0,1 1 0,-1-1 0,1 1 0,-1-1 0,0 0 0,1 0 0,-1 0 0,0 1 0,1-1 1,-1-1-1,0 1 0,0 0 0,0 0 0,0 0 0,0 0 0,0-1 0,0 1 0,0 0 0,-1-1 0,1 1 0,0-1 0,-1 1 0,1-1 0,-1 1 1,0-1-1,1-1 0,-4 1 17,1 1 0,0 0 1,-1 0-1,0 0 0,1 0 1,-1 1-1,1-1 0,-1 1 1,0-1-1,0 1 0,1 0 1,-1 0-1,-5 1 0,7-1-3,-3 0-3,-1 0 0,0 0 0,0 1 0,1-1 0,-1 1 0,0 0 0,-4 2 0,8-2-21,0-1 1,0 1-1,0-1 0,1 1 1,-1-1-1,0 1 1,0-1-1,1 1 1,-1 0-1,0 0 0,1-1 1,-1 1-1,0 0 1,1 0-1,-1 0 0,1 0 1,-1-1-1,1 1 1,0 0-1,-1 0 1,1 0-1,0 0 0,0 0 1,0 0-1,0 0 1,0 0-1,0 0 0,0 0 1,0 0-1,0 0 1,0 0-1,0 0 1,1 0-1,-1 0 0,0 0 1,1 0-1,-1 0 1,1 0-1,-1-1 0,1 1 1,-1 0-1,2 1 1,0-1 9,-1 0 1,1 0 0,0 0 0,0 0 0,-1 0 0,1-1-1,0 1 1,0-1 0,0 1 0,0-1 0,0 0-1,0 0 1,0 0 0,-1 0 0,4 0 0,38-2 179,-38 1-167,-2 1-8,-1 0 0,1-1 0,-1 1 0,1-1 0,-1 0-1,1 1 1,-1-1 0,0 0 0,1 0 0,-1-1 0,0 1-1,0 0 1,0-1 0,0 0 0,0 1 0,0-1 0,0 0-1,-1 0 1,1 0 0,0 0 0,-1 0 0,0 0 0,0-1-1,1 1 1,-1 0 0,0-1 0,-1 1 0,1 0 0,0-1-1,-1 1 1,0-1 0,1 0 0,-1 1 0,0-1-1,0 1 1,-1-4 0,0 5 1,0 0-1,0 0 0,0 0 1,0 0-1,0 0 1,0 1-1,-1-1 1,1 0-1,0 1 1,-1-1-1,1 1 1,0 0-1,-1-1 0,1 1 1,0 0-1,-1 0 1,1 0-1,-1 0 1,1 0-1,0 0 1,-3 1-1,-37 0 189,40-1-194,-1 0-3,-1 0 0,1 1 1,-1-1-1,1 1 0,-1-1 1,1 1-1,0 0 0,-1 0 1,1 0-1,0 0 0,0 1 1,0-1-1,0 0 0,0 1 1,0 0-1,0-1 0,0 1 1,1 0-1,-1 0 0,1 0 1,-3 4-1,2-2-1,0 1-1,0-1 1,0 1 0,1 0 0,0 0-1,0 0 1,0 0 0,0 0-1,1 8 1,0-12 4,0 0 0,1 0 0,-1 0 0,0 0 0,1 0 0,-1 0 0,0-1 0,1 1 0,-1 0 0,1 0 0,-1 0 0,1-1 0,0 1 0,-1 0 0,1-1 0,0 1 0,-1 0 0,1-1 0,0 1 0,0-1 0,0 1 0,0-1 0,-1 0 0,1 1 0,0-1 0,0 0 0,0 1 0,0-1 0,0 0 0,0 0 0,0 0 0,1 0 0,37 1 201,-29-1-170,-9-1-30,0 1 0,0 0 0,0-1 0,0 1-1,0 0 1,0-1 0,0 1 0,0-1 0,-1 0 0,1 1-1,0-1 1,0 0 0,-1 1 0,1-1 0,0 0-1,-1 0 1,1 0 0,-1 1 0,1-1 0,-1 0 0,1 0-1,-1 0 1,0 0 0,1 0 0,-1 0 0,0 0 0,0 0-1,0 0 1,0 0 0,1 0 0,-2-1 0,2-42 94,-1 34-85,-1 8-6,1 1-1,-1-1 0,0 0 1,0 1-1,0-1 0,0 1 0,0-1 1,0 1-1,-1-1 0,1 1 1,0 0-1,-1 0 0,1 0 1,-1-1-1,1 1 0,-1 1 1,0-1-1,1 0 0,-1 0 0,0 1 1,0-1-1,1 1 0,-1-1 1,0 1-1,0 0 0,0-1 1,0 1-1,1 0 0,-1 0 0,-2 1 1,2-1-7,1-1 0,-1 1 0,0 0 0,1 0 0,-1 0 0,0 0 0,1 0 0,-1 0 0,0 0 0,1 0 0,-1 1 0,1-1 0,-1 1 0,0-1 0,1 1 0,-1 0 0,1 0 0,0-1 0,-1 1 0,1 0 0,0 0 0,-1 0 0,1 1 0,0-1 0,0 0 0,0 0 0,0 1 0,0-1 0,0 1 0,0-1 0,0 0 0,1 1 0,-1 0 0,0 1 0,1-1-9,-1 0 0,1-1 0,0 1 0,0 0 1,0 0-1,0 0 0,0-1 0,1 1 0,-1 0 0,0 0 0,1-1 1,0 1-1,-1 0 0,1-1 0,0 1 0,0-1 0,0 1 1,0-1-1,0 1 0,0-1 0,2 3 0,1-3 23,-1 0 0,1 0 0,-1-1 0,1 1 0,0-1 0,-1 0 0,1 0 0,0 0 0,-1 0 0,6-2 0,-7 1-19,1 0 0,-1 0 0,0 0 1,1 0-1,-1-1 0,0 1 0,0-1 1,0 1-1,0-1 0,0 0 0,-1 1 0,1-1 1,0 0-1,-1-1 0,0 1 0,1 0 1,-1 0-1,0 0 0,0-1 0,0 1 0,0-1 1,-1 1-1,1 0 0,-1-1 0,1 0 0,-1 1 1,0-1-1,0 1 0,0-4 0,-31 10-217,26-1 227,1-1 1,-1 1-1,1-1 0,-1 2 1,1-1-1,0 0 0,0 1 1,0-1-1,1 1 0,0 0 1,-1 0-1,1 1 0,0-1 1,1 1-1,-1-1 0,1 1 1,0 0-1,0 0 0,1 0 1,-1 0-1,1 0 0,0 0 1,0 7-1,4-10 6,-1-1 0,1 0 0,0 0-1,0 0 1,-1 0 0,1-1 0,0 1 0,0-1 0,0 0 0,0 0 0,0 0-1,0 0 1,0 0 0,4-1 0,1 0 19,-2 1-27,0-1 0,-1 0 0,1 0 0,0-1 0,-1 1-1,1-1 1,-1-1 0,0 1 0,0-1 0,0 0-1,0 0 1,0 0 0,0 0 0,-1-1 0,0 0 0,0 0-1,0 0 1,0-1 0,0 0 0,-1 1 0,0-1 0,0 0-1,0 0 1,-1-1 0,0 1 0,0 0 0,0-1-1,0 1 1,1-10 0,-5 13-12,0 1 1,0 0-1,1 1 0,-1-1 1,0 0-1,0 0 0,0 1 1,0-1-1,0 1 0,0 0 1,0 0-1,0-1 0,0 1 1,0 0-1,1 1 0,-1-1 1,-3 1-1,2-1 15,-7 0 11,0 0-1,0 1 0,0 0 0,1 0 0,-1 1 0,0 1 0,1 0 0,-14 6 0,19-8-15,1 1 0,0 0 1,0 0-1,0 0 0,0 1 0,0-1 0,0 1 0,0 0 0,1 0 0,0 0 0,-1 0 0,1 0 0,0 0 0,0 1 0,1-1 0,-1 0 0,1 1 0,0 0 0,0-1 1,0 1-1,0 0 0,0-1 0,1 1 0,0 7 0,0-10-3,0 0 0,1-1 0,-1 1 0,0-1 1,1 1-1,-1-1 0,1 1 0,-1-1 0,1 1 0,-1-1 0,1 1 1,-1-1-1,1 0 0,-1 1 0,1-1 0,0 0 0,-1 1 0,1-1 1,-1 0-1,1 0 0,0 1 0,-1-1 0,1 0 0,0 0 0,-1 0 1,1 0-1,0 0 0,-1 0 0,2 0 0,28 0 158,-22-1-98,-4 1-57,1 0 0,0 0-1,-1-1 1,1 0 0,-1 0-1,1 0 1,-1-1 0,0 1-1,1-1 1,-1 0 0,0-1-1,0 1 1,0 0-1,0-1 1,-1 0 0,1 0-1,-1 0 1,0-1 0,0 1-1,0-1 1,0 1 0,0-1-1,-1 0 1,0 0 0,0 0-1,0-1 1,0 1-1,-1 0 1,1-1 0,-1 1-1,0-1 1,0 1 0,-1-1-1,0 1 1,0-1 0,0 0-1,0 1 1,-2-9 0,1 11 2,0 1 1,0-1-1,0 0 1,0 1-1,0 0 1,0-1-1,-1 1 1,1 0-1,-1-1 1,1 1-1,-1 0 1,1 0-1,-1 0 1,1 0-1,-1 1 1,0-1-1,0 0 1,0 1-1,1-1 1,-1 1-1,0 0 1,0-1-1,0 1 1,-2 0-1,-56-1 558,46 1-459,12 0-99,-1 1-1,1-1 1,0 1 0,-1-1-1,1 1 1,0 0 0,-1 0-1,1 0 1,0 0 0,0 1 0,0-1-1,0 1 1,0-1 0,0 1-1,1 0 1,-1-1 0,0 1-1,1 0 1,-1 0 0,1 0-1,0 0 1,0 1 0,-1-1-1,2 0 1,-1 0 0,0 1-1,0-1 1,1 0 0,-1 1-1,1 3 1,-3 10 5,1 0 0,0 1 0,2 20 0,0-30-30,0-5 19,0-1 1,0 0-1,0 0 0,1 0 0,-1 0 0,0 0 0,1 0 0,-1 0 0,0 0 0,1 0 1,0-1-1,-1 1 0,1 0 0,-1 0 0,1 0 0,0 0 0,0-1 0,-1 1 0,1 0 1,0-1-1,0 1 0,0-1 0,0 1 0,1 0 0,33 7 78,-30-8-65,0 1-1,0-1 1,-1-1 0,1 1-1,0-1 1,0 1-1,-1-1 1,1-1 0,-1 1-1,1-1 1,-1 1-1,7-5 1,-8 3-17,0-1-1,0 0 1,0 1 0,-1-1-1,1 0 1,-1 0 0,0-1-1,-1 1 1,1 0 0,-1-1-1,1 1 1,-1 0 0,-1-1-1,1 0 1,-1 1-1,1-1 1,-1 1 0,-1-1-1,1 0 1,-1-4 0,-1 7 6,1 1 1,0-1 0,-1 0-1,1 1 1,-1-1 0,0 1 0,1 0-1,-1 0 1,0-1 0,0 1-1,0 0 1,0 1 0,0-1-1,0 0 1,0 0 0,0 1 0,0-1-1,0 1 1,0 0 0,0 0-1,0 0 1,-5 0 0,0-1 1,0 1 0,0 0 1,0 0-1,0 0 0,0 1 0,-9 2 1,13-2-12,1 1 0,0-1 0,0 1 1,0-1-1,0 1 0,0 0 1,0 0-1,0 0 0,1 0 0,-1 0 1,1 0-1,-1 0 0,1 1 0,0-1 1,0 0-1,0 1 0,-1 3 0,2-5 7,-1 0-1,1 0 1,0-1-1,0 1 0,-1 0 1,1 0-1,0 0 0,0 0 1,0 0-1,0 0 1,0 0-1,0 0 0,1 0 1,-1 0-1,0 0 1,0 0-1,1 0 0,-1 0 1,1 0-1,-1 0 1,0-1-1,1 1 0,0 0 1,-1 0-1,1-1 0,-1 1 1,1 0-1,0 0 1,0-1-1,-1 1 0,1-1 1,0 1-1,0-1 1,0 1-1,0-1 0,-1 1 1,1-1-1,0 0 1,0 0-1,0 1 0,0-1 1,0 0-1,0 0 0,0 0 1,0 0-1,0 0 1,2 0-1,14 0 79,-11 1-57,1-1 0,0 0 0,-1-1-1,1 1 1,-1-1 0,0 0 0,7-3-1,-11 3-17,0 0-1,0 0 1,0 0 0,-1 0-1,1 0 1,-1 0-1,1-1 1,-1 1 0,0-1-1,1 1 1,-1-1-1,0 0 1,0 1 0,0-1-1,0 0 1,0 0-1,0 0 1,-1 0-1,1 0 1,-1 0 0,1 0-1,-1 0 1,0 0-1,0 0 1,0 0 0,0 0-1,0-3 1,0 4-7,0 0 0,-1 1 0,1-1 1,0 0-1,0 0 0,-1 0 0,1 0 1,-1 1-1,1-1 0,-1 0 0,1 0 1,-1 1-1,1-1 0,-1 0 0,1 1 1,-1-1-1,0 0 0,0 1 0,1-1 1,-1 1-1,0-1 0,0 1 0,0 0 1,1-1-1,-1 1 0,-1 0 0,-35-8-3,24 8 50,0 0 0,0 0 0,-24 5-1,36-5-41,0 1 0,-1-1 0,1 1 0,0-1 0,-1 1 0,1 0-1,0 0 1,0-1 0,-1 1 0,1 0 0,0 0 0,0 0 0,0 0-1,0 0 1,0 1 0,1-1 0,-1 0 0,0 0 0,0 1 0,1-1-1,-1 0 1,1 1 0,-1-1 0,1 0 0,0 1 0,-1-1 0,1 1-1,0-1 1,0 1 0,0-1 0,0 1 0,0-1 0,0 0 0,1 1-1,-1-1 1,0 1 0,1-1 0,-1 0 0,1 1 0,-1-1 0,1 0-1,0 1 1,0-1 0,0 0 0,-1 0 0,1 0 0,0 0 0,0 0-1,0 0 1,1 0 0,-1 0 0,0 0 0,0 0 0,0 0 0,3 0-1,6 3 28,0-1-1,0 0 1,0 0-1,0-1 1,0-1-1,1 0 1,-1 0-1,0-1 0,1 0 1,-1-1-1,19-3 1,-28 3-28,0 1 1,0 0-1,0-1 1,1 1-1,-1-1 1,0 1-1,0-1 0,0 0 1,0 1-1,0-1 1,0 0-1,0 0 1,0 0-1,0 0 1,0 0-1,0 0 1,-1 0-1,1 0 0,0 0 1,-1 0-1,1 0 1,-1-1-1,1 1 1,-1 0-1,1 0 1,-1 0-1,0-1 1,0 1-1,0 0 1,0-1-1,1 1 0,-2 0 1,1 0-1,0-1 1,0 1-1,-1-2 1,0 1-3,1 0 1,-1 0 0,0 0-1,0 0 1,0 0-1,0 0 1,0 1-1,-1-1 1,1 0 0,-1 1-1,1-1 1,-1 1-1,1 0 1,-1-1 0,0 1-1,1 0 1,-1 0-1,0 0 1,0 0 0,0 0-1,-3 0 1,-13-2 29,0 0-1,0 1 1,-1 2 0,1 0 0,-22 2-1,38-1-27,0-1-1,-1 0 0,1 1 1,0 0-1,0-1 0,0 1 1,1 0-1,-1 0 0,0 0 1,0 0-1,0 0 0,1 1 0,-1-1 1,0 1-1,1-1 0,-1 1 1,1-1-1,0 1 0,-1 0 1,1-1-1,0 1 0,0 0 1,0 0-1,1 0 0,-1 0 1,0 0-1,1 0 0,-1 3 0,1-4 1,-1 1-1,1-1 1,0 1-1,0 0 0,1-1 1,-1 1-1,0-1 1,1 1-1,-1-1 0,0 1 1,1-1-1,0 1 0,-1-1 1,1 1-1,0-1 1,0 0-1,0 0 0,0 1 1,0-1-1,0 0 1,0 0-1,0 0 0,0 0 1,0 0-1,1 0 0,-1 0 1,0 0-1,1-1 1,-1 1-1,1 0 0,-1-1 1,1 1-1,-1-1 1,1 0-1,-1 1 0,1-1 1,2 0-1,3 1 29,4 0 9,0 0 1,0 0-1,0-1 0,13-1 1,-23 0-31,1 1 0,0 0 0,-1 0 0,1-1 1,0 1-1,-1 0 0,1-1 0,-1 0 1,1 1-1,-1-1 0,1 0 0,-1 0 0,0 0 1,1 0-1,-1 0 0,0 0 0,0 0 1,0 0-1,0-1 0,0 1 0,0 0 1,0-1-1,0 1 0,0-1 0,0 1 0,-1-1 1,1 1-1,-1-1 0,1 1 0,-1-1 1,0 0-1,1 1 0,-1-1 0,0-1 0,-1 2-6,1 0 0,0 0 0,-1 0 0,1 1 0,-1-1 0,0 0 0,1 0-1,-1 1 1,1-1 0,-1 0 0,0 1 0,0-1 0,1 1 0,-1-1 0,0 1-1,0-1 1,0 1 0,1 0 0,-1-1 0,0 1 0,0 0 0,0 0 0,0-1-1,0 1 1,0 0 0,0 0 0,1 0 0,-3 0 0,-30-1 77,29 1-41,-26 0 153,30 0-189,-1 0 0,1 0-1,0 0 1,-1 0-1,1 0 1,0 0 0,0 0-1,-1 0 1,1 0 0,0 0-1,-1 0 1,1 0 0,0 0-1,-1 0 1,1 1 0,0-1-1,0 0 1,-1 0 0,1 0-1,0 0 1,0 1 0,-1-1-1,1 0 1,0 0 0,0 0-1,0 1 1,-1-1 0,1 0-1,0 0 1,0 1 0,0-1-1,0 0 1,0 1 0,-1-1-1,1 0 1,0 0-1,0 1 1,0-1 0,0 0-1,0 1 1,0-1 0,0 0-1,0 1 1,0-1 0,0 0-1,0 0 1,0 1 0,0-1-1,1 0 1,-1 1 0,0-1-1,0 0 1,0 0 0,0 1-1,0-1 1,1 0 0,-1 0-1,0 1 1,0-1 0,0 0-1,1 0 1,-1 0 0,0 1-1,0-1 1,1 0 0,-1 0-1,13 14-57,5 0-536,-12 2-5554</inkml:trace>
 </inkml:ink>
 </file>
 
@@ -187,14 +212,15 @@
           <inkml:channelProperty channel="F" name="resolution" value="0" units="1/dev"/>
         </inkml:channelProperties>
       </inkml:inkSource>
-      <inkml:timestamp xml:id="ts0" timeString="2023-12-11T17:15:54.516"/>
+      <inkml:timestamp xml:id="ts0" timeString="2023-12-20T01:40:09.934"/>
     </inkml:context>
     <inkml:brush xml:id="br0">
       <inkml:brushProperty name="width" value="0.05" units="cm"/>
       <inkml:brushProperty name="height" value="0.05" units="cm"/>
+      <inkml:brushProperty name="color" value="#E71224"/>
     </inkml:brush>
   </inkml:definitions>
-  <inkml:trace contextRef="#ctx0" brushRef="#br0">1116 0 24575,'-152'444'55,"84"-239"-586,-532 1342-1852,480-1283 2383,21-50-889,22-51-3554</inkml:trace>
+  <inkml:trace contextRef="#ctx0" brushRef="#br0">18 25 5769,'0'0'5052,"3"43"-1443,-3-37-3364,-1 0 0,0 1 0,0-1 0,-1 0 0,-4 11 0,-4 27 491,10-43-622,6-26-67,21-102-561,-27 124 516,0 3 138,0 32 735,-6 37 338,4-42-680,3-24-195,0-10 81,4-15-369,0-2-40,-1-1 1,1-33-1,-5 57-72,-19 39-85,17-33 104,0 1-1,1-1 1,-1 1 0,1-1-1,0 1 1,1 0 0,-1-1-1,1 1 1,1 9 0,-1 2-2259</inkml:trace>
 </inkml:ink>
 </file>
 
@@ -214,14 +240,15 @@
           <inkml:channelProperty channel="F" name="resolution" value="0" units="1/dev"/>
         </inkml:channelProperties>
       </inkml:inkSource>
-      <inkml:timestamp xml:id="ts0" timeString="2023-12-11T17:15:54.930"/>
+      <inkml:timestamp xml:id="ts0" timeString="2023-12-20T01:40:15.352"/>
     </inkml:context>
     <inkml:brush xml:id="br0">
       <inkml:brushProperty name="width" value="0.05" units="cm"/>
       <inkml:brushProperty name="height" value="0.05" units="cm"/>
+      <inkml:brushProperty name="color" value="#E71224"/>
     </inkml:brush>
   </inkml:definitions>
-  <inkml:trace contextRef="#ctx0" brushRef="#br0">2245 0 24575,'-14'5'0,"6"-1"0,-131 72 0,-775 505-1015,39 62-191,826-606 1189,21-16-35,-133 110 25,155-126 21,1 1 0,-1-1-1,2 1 1,-1 0 0,0 1 0,1-1-1,0 1 1,1-1 0,0 1 0,0 0-1,-4 14 1,6-16 30,1 1-1,-1 0 0,1 0 1,0 0-1,1 0 1,0 0-1,0 0 1,0 0-1,0 0 0,1 0 1,0-1-1,1 1 1,-1-1-1,1 1 1,4 6-1,6 7 192,0 1 0,2-2 0,0 0-1,1 0 1,1-2 0,21 17 0,4-1-217,83 47 0,-41-35-64,3-3 1,117 39-1,189 29-1357,-229-73-4631</inkml:trace>
+  <inkml:trace contextRef="#ctx0" brushRef="#br0">164 58 1568,'0'0'11695,"-1"-6"-10811,1 4-837,0 1 1,0 0-1,0-1 0,0 1 1,0 0-1,-1-1 0,1 1 1,-1 0-1,1-1 0,-1 1 0,1 0 1,-1 0-1,0-1 0,1 1 1,-1 0-1,0 0 0,0 0 1,0 0-1,0 0 0,0 0 1,0 0-1,0 1 0,0-1 1,-2-1-1,0 2 0,1-1 1,0 1 0,0 0-1,-1 0 1,1 0 0,0 0-1,0 1 1,-1-1-1,1 0 1,0 1 0,0 0-1,0-1 1,0 1-1,0 0 1,0 0 0,0 0-1,0 0 1,0 1 0,-3 1-1,2 0 8,-1-1 1,0 1-1,1 0 0,0 0 1,0 0-1,0 0 0,0 1 1,0-1-1,1 1 0,-1 0 1,1 0-1,0 0 0,0 0 1,0 0-1,1 0 0,0 1 1,-1-1-1,2 0 0,-1 1 1,0-1-1,1 1 0,0-1 0,0 1 1,1 7-1,0-10-42,0-1-1,0 0 1,0 1-1,0-1 1,0 0-1,0 0 1,0 0-1,1 0 1,-1 0-1,0 0 1,1 0-1,-1 0 1,1 0-1,-1-1 1,1 1-1,-1 0 1,1-1-1,-1 0 1,1 1-1,0-1 1,-1 0-1,1 0 1,3 0 0,49 1 228,-39-2-189,-12 1-48,1 0 1,-1 0-1,1 0 0,-1 0 1,0-1-1,1 0 1,-1 0-1,0 0 1,0 0-1,0 0 1,1 0-1,-1-1 1,0 0-1,-1 1 1,1-1-1,0 0 1,0-1-1,-1 1 1,5-5-1,-5 3-4,0 0 0,0 0 0,0 0 0,0 0 0,-1 0 0,1 0 0,-1 0 0,0-1 0,-1 1 0,1 0 0,-1-1 0,1 1 0,-1 0 0,-1-1 0,0-5 0,1 9-13,-1-1 1,1 0 0,-1 0-1,0 1 1,0-1-1,0 0 1,0 1-1,0-1 1,0 1-1,0-1 1,0 1-1,-1 0 1,1-1-1,0 1 1,-1 0 0,1 0-1,-1 0 1,1 0-1,-1 0 1,0 0-1,1 1 1,-1-1-1,0 0 1,0 1-1,0-1 1,1 1-1,-1 0 1,-3-1 0,-60-1-203,51 2 264,8 0-42,0 0-1,-1 1 1,1 0-1,0 0 1,0 0-1,0 1 1,0 0-1,0 0 1,0 0-1,0 1 1,-8 5-1,11-6-5,0 0 0,0 1 0,1-1-1,-1 1 1,1 0 0,-1-1 0,1 1-1,0 0 1,0 0 0,0 1 0,0-1-1,1 0 1,-1 0 0,1 1 0,0-1-1,0 1 1,0 0 0,1-1 0,-1 1-1,1-1 1,0 5 0,0-7 8,0 0 0,0 1 0,1-1 0,-1 0 0,1 0 0,-1 0 1,1 1-1,-1-1 0,1 0 0,0 0 0,0 0 0,0 0 0,-1 0 0,1 0 0,0-1 0,0 1 1,0 0-1,0 0 0,0-1 0,0 1 0,1 0 0,-1-1 0,0 1 0,0-1 0,0 1 0,1-1 1,-1 0-1,0 0 0,0 1 0,1-1 0,-1 0 0,2 0 0,51 0 232,-40 0-167,-5 0-41,1 0-21,1 0-1,-1 0 1,0-1 0,1-1-1,14-3 1,-22 4-15,-1 0 1,0 0-1,0 0 0,0 0 1,0 0-1,0 0 1,0-1-1,0 1 0,0-1 1,0 1-1,-1-1 1,1 0-1,-1 0 0,1 0 1,-1 1-1,0-2 1,0 1-1,0 0 1,0 0-1,0 0 0,0 0 1,0-1-1,-1 1 1,1 0-1,-1-1 0,0 1 1,1 0-1,-1-1 1,-1-2-1,1 4-4,0 0 0,0 0 1,0 0-1,0 0 0,-1 0 0,1 0 0,0 0 1,-1 0-1,1 0 0,-1 0 0,1 0 0,-1 0 1,1 1-1,-1-1 0,0 0 0,0 0 0,1 0 1,-1 1-1,0-1 0,0 1 0,0-1 0,1 0 1,-1 1-1,-1-1 0,-33-8-46,26 8 52,-1 1-1,1 0 1,0 0-1,0 1 0,-17 3 1,23-2 0,0 0 0,-1 0-1,1 0 1,0 0 0,0 0 0,0 1 0,0 0 0,1-1 0,-1 1-1,1 0 1,-1 0 0,1 1 0,-2 3 0,3-5-7,0-1 0,-1 1 0,1 0 0,0 0 0,0 1 0,0-1 0,1 0 0,-1 0 0,1 0 0,-1 1 0,1-1 0,0 0 0,-1 0 0,1 1 0,0-1 0,1 0 0,-1 1 0,0-1 0,1 0 0,-1 0 0,1 0 0,0 1 0,1 2 0,2-3 23,0 0 1,-1 0-1,1-1 0,0 0 1,1 1-1,-1-2 0,0 1 1,0 0-1,0-1 1,0 0-1,1 0 0,-1 0 1,0 0-1,6-2 0,6 1 58,-9 2-64,-1-1 0,0-1 0,1 1 0,-1-1 0,0 0 0,1-1 0,-1 1 0,8-4 0,-12 4-4,0 0 0,0-1 0,0 1 0,-1-1 0,1 1 0,0-1-1,0 0 1,-1 0 0,1 1 0,-1-1 0,0 0 0,1 0 0,-1 0-1,0-1 1,0 1 0,0 0 0,-1 0 0,1-1 0,0 1 0,-1 0-1,0-1 1,1 1 0,-1 0 0,0-1 0,0-2 0,-1 4 1,0 0 1,1 0 0,-1 0 0,0 0 0,1 0-1,-1 0 1,0 1 0,0-1 0,0 0 0,0 1-1,0-1 1,0 1 0,0-1 0,0 1 0,0-1-1,0 1 1,0 0 0,0-1 0,0 1 0,0 0-1,0 0 1,0 0 0,0 0 0,0 0 0,-2 0-1,-35-2 182,35 2-200,1 0 9,0 0 0,-1 0 0,1 0-1,0 0 1,0 0 0,0 1 0,0-1 0,0 1 0,-1-1 0,1 1 0,0 0 0,0 0 0,0 0 0,1 0 0,-1 0 0,0 0 0,0 0 0,-2 3 0,2-1-19,1-1 1,-1 1-1,1 0 1,0-1-1,0 1 1,0 0-1,1 0 1,-1 0-1,1-1 1,-1 1-1,1 0 1,0 0-1,1 4 1,-1-6 24,1 0 1,-1-1-1,1 1 0,0 0 1,-1-1-1,1 1 0,0-1 1,-1 1-1,1 0 0,0-1 1,0 0-1,0 1 0,-1-1 1,1 0-1,0 1 1,0-1-1,0 0 0,0 0 1,0 0-1,0 0 0,0 1 1,0-1-1,0-1 0,-1 1 1,2 0-1,35 0 159,-28 0-107,-3 0-1,55-4-16,-60 4-32,0 0 0,0 0 0,0 0 0,0 0 0,0 0 1,0 0-1,-1 0 0,1 0 0,0-1 0,0 1 0,0 0 0,0-1 0,0 1 0,0-1 0,-1 1 1,1-1-1,0 1 0,0-1 0,-1 0 0,1 1 0,0-1 0,-1 0 0,1 1 0,0-1 0,-1 0 1,1 0-1,-1 0 0,0 0 0,1 1 0,-1-1 0,0 0 0,1 0 0,-1 0 0,0 0 0,0 0 1,0 0-1,0 0 0,0 0 0,0 0 0,0 0 0,0 0 0,0 0 0,0 0 0,0 0 1,-1 1-1,1-1 0,0 0 0,-1 0 0,1 0 0,-1 0 0,1 0 0,-1 1 0,-1-3 0,-1 2 16,-1-1-1,1 0 0,-1 1 0,0 0 1,0 0-1,0 0 0,0 0 0,0 1 1,0-1-1,1 1 0,-1 0 0,0 0 1,0 1-1,-6 0 0,-4 0 39,7-1-43,-2-1 3,-1 2 0,0-1 0,1 1 1,-1 0-1,-9 3 0,17-3-14,1-1 1,-1 1-1,0 0 0,0 0 1,0 0-1,0 0 0,1 0 1,-1 0-1,0 0 0,1 0 1,-1 1-1,1-1 0,0 1 1,-1-1-1,1 1 0,0-1 1,0 1-1,0 0 0,0 0 1,0 0-1,0-1 1,1 1-1,-1 0 0,0 0 1,1 0-1,0 0 0,-1 0 1,1 0-1,0 4 0,0-5-4,1-1-1,-1 1 1,0-1-1,0 1 1,1 0-1,-1-1 1,1 1-1,-1-1 1,0 1-1,1 0 1,-1-1-1,1 1 1,-1-1 0,1 0-1,-1 1 1,1-1-1,0 1 1,-1-1-1,1 0 1,0 1-1,-1-1 1,1 0-1,0 0 1,-1 0-1,1 1 1,0-1-1,-1 0 1,1 0-1,0 0 1,-1 0-1,2 0 1,29 0 155,-22-1-68,19 3 63,-20-1-134,-1 0 0,1-1 0,0 0 1,-1 0-1,1 0 0,0-1 0,12-3 0,-19 3-10,0 0-1,-1 0 1,1 0-1,0 0 0,0 0 1,0 0-1,-1 0 1,1-1-1,-1 1 1,1 0-1,-1 0 0,1-1 1,-1 1-1,0 0 1,1-1-1,-1 1 0,0 0 1,0 0-1,0-1 1,0 1-1,0 0 0,-1-1 1,1 1-1,0 0 1,-1-3-1,0 1-2,1 0-1,-1-1 1,0 1-1,0 0 1,0 0 0,0 1-1,-1-1 1,1 0 0,-4-5-1,0 4-3,-1 0-1,1 1 1,0-1-1,-1 1 1,0 0-1,0 0 1,1 1-1,-2 0 1,1 0-1,0 0 1,0 1 0,-1 0-1,1 0 1,0 0-1,-1 1 1,1 0-1,-1 1 1,1-1-1,-9 3 1,14-2-7,-1 0 0,1 1 0,0-1 0,0 1 0,0-1 0,0 1 1,1 0-1,-1-1 0,0 1 0,1 0 0,-1 0 0,1-1 0,-1 1 0,1 0 0,0 0 1,0 0-1,0-1 0,0 1 0,0 0 0,0 2 0,0 1 1,0-1 0,1 0 0,-1 1 1,1-1-1,0 1 0,0-1 0,3 8 0,-2-9 16,1 0-1,-1 0 1,1 0 0,0 0-1,0-1 1,0 0 0,0 1-1,0-1 1,1 0-1,-1-1 1,1 1 0,-1-1-1,1 1 1,0-1 0,-1 0-1,5 0 1,3 1 39,-1-1 1,0 0-1,1 0 1,19-3 0,-28 2-48,-1-1 1,0 0 0,1 0-1,-1 1 1,1-1 0,-1 0-1,0 0 1,0 0 0,1 0 0,-1 0-1,0-1 1,0 1 0,0 0-1,0 0 1,0-1 0,-1 1 0,1-1-1,0 1 1,-1 0 0,1-1-1,-1 0 1,1 1 0,-1-1 0,0 1-1,1-1 1,-1 1 0,0-1-1,0 0 1,0 1 0,0-1 0,-1-2-1,1 0 0,0 1 0,0-1 0,-1 0-1,1 1 1,-1-1 0,0 0 0,0 1-1,0-1 1,-1 1 0,1-1 0,-1 1-1,1-1 1,-4-3 0,-1 2-17,1 1 0,-1 0-1,0 0 1,0 0 0,0 1 0,0 0 0,-1 0-1,1 0 1,-1 1 0,0 0 0,1 0 0,-1 1 0,0 0-1,0 0 1,0 1 0,0 0 0,0 0 0,-8 1 0,14 0 11,0-1 0,0 1 1,0 0-1,0 0 0,0-1 1,0 1-1,0 0 0,1 0 1,-1 0-1,0 0 0,0 0 1,1 0-1,-1 0 0,0 1 1,1-1-1,-1 0 0,1 0 1,0 0-1,-1 1 0,1-1 1,0 0-1,0 0 1,0 1-1,0-1 0,0 2 1,-1 41-92,1-36 72,0-5 24,1 0-1,-1 0 1,1 0-1,-1 0 1,1-1 0,0 1-1,0 0 1,0 0-1,0-1 1,1 1-1,-1 0 1,1-1-1,-1 1 1,1-1-1,0 0 1,0 0-1,0 0 1,0 0-1,1 0 1,-1 0-1,1 0 1,-1-1-1,1 1 1,-1-1-1,1 1 1,0-1-1,-1 0 1,7 1-1,1 1 25,1-1-1,-1 0 0,1-1 1,0 0-1,-1 0 0,21-3 1,-30 2-30,1-1 0,0 0 0,-1 0 0,1 0 0,0 0 1,-1 0-1,0-1 0,1 1 0,-1 0 0,0-1 0,1 1 0,-1-1 1,0 1-1,0-1 0,0 0 0,0 1 0,-1-1 0,1 0 0,0 0 0,-1 1 1,1-1-1,-1 0 0,0 0 0,1 0 0,-1 0 0,0 0 0,0 0 0,0 1 1,-1-4-1,1 0-15,0 1 0,0-1 1,0 1-1,-1-1 0,1 1 1,-1 0-1,0-1 0,-1 1 1,1 0-1,-1 0 0,1 0 1,-5-6-1,3 6 5,-1 1 0,0 0 1,0 1-1,0-1 0,0 1 0,0-1 0,0 1 1,-1 0-1,1 1 0,-1-1 0,1 1 0,-1 0 1,0 0-1,1 0 0,-1 1 0,0 0 0,0 0 1,-6 1-1,9-1 10,-1 0-1,0 0 1,1 0 0,-1 1-1,1 0 1,-1-1 0,1 1-1,0 0 1,-1 0 0,1 0-1,0 0 1,0 1 0,-1-1-1,1 1 1,0-1 0,0 1-1,1 0 1,-1 0 0,0-1-1,1 1 1,-1 1 0,1-1 0,-1 0-1,1 0 1,0 0 0,0 1-1,0-1 1,0 1 0,0-1-1,1 1 1,-1-1 0,1 1-1,0-1 1,-1 4 0,2-5 4,-1 0 0,0-1 0,0 1 0,0 0 1,1 0-1,-1 0 0,1 0 0,-1 0 0,0-1 0,1 1 1,-1 0-1,1 0 0,0-1 0,-1 1 0,1 0 0,0-1 1,-1 1-1,1 0 0,0-1 0,0 1 0,-1-1 0,1 1 1,0-1-1,0 0 0,0 1 0,1-1 0,36 7 127,-29-7-104,-1 0 0,1 0 1,-1-1-1,0 0 0,1 0 0,15-6 0,-21 6-35,-1-1 0,0 1 0,1-1 1,-1 0-1,0 0 0,0 0 0,0 0 0,0 0 0,0-1 0,0 1 1,-1 0-1,1-1 0,-1 1 0,0-1 0,0 0 0,0 1 0,0-1 1,0 0-1,0 0 0,-1 0 0,1-4 0,-1 5-4,1 0-1,-1 0 0,0 0 1,-1 0-1,1 0 1,0-1-1,-1 1 1,1 0-1,-1 0 1,1 0-1,-1 0 1,0 0-1,0 1 0,0-1 1,0 0-1,0 0 1,-1 0-1,1 1 1,0-1-1,-1 1 1,1-1-1,-1 1 0,0 0 1,1-1-1,-1 1 1,0 0-1,0 0 1,0 0-1,-3-1 1,-7-2-1,0 1 0,-1 1 0,1 0 0,-1 0 0,0 1 0,1 1 0,-25 2 0,34-2 22,-1 0 0,1 1 0,0-1-1,-1 1 1,1 0 0,0-1 0,0 2-1,-1-1 1,1 0 0,0 1 0,0-1-1,1 1 1,-1 0 0,0 0 0,0 0-1,1 0 1,-1 0 0,1 1 0,0-1 0,0 1-1,0 0 1,0-1 0,0 1 0,1 0-1,-1 0 1,1 0 0,0 1 0,-1-1-1,1 0 1,1 0 0,-1 0 0,1 1-1,-1 5 1,1-4 28,-1-1 1,1 0-1,1 1 0,-1-1 0,1 0 0,0 1 0,-1-1 1,2 0-1,-1 0 0,1 0 0,-1 0 0,4 6 0,-2-7-16,-1-1 0,1 0 0,0 1 0,0-1 0,0 0 0,0 0 0,0-1 0,0 1 0,0-1 0,0 1 0,1-1-1,-1 0 1,1 0 0,-1-1 0,1 1 0,3 0 0,3 0 21,-1 1-1,1-1 1,0-1 0,0 1-1,-1-2 1,14-1 0,-21 1-41,0 1-1,1-1 1,-1 1 0,0-1 0,0 0 0,0 0 0,0 0 0,0 0-1,0-1 1,0 1 0,-1 0 0,1-1 0,0 1 0,-1-1 0,1 0-1,-1 1 1,0-1 0,1 0 0,-1 0 0,0 0 0,0 0 0,0 0 0,0 0-1,-1 0 1,1 0 0,0 0 0,-1-1 0,0 1 0,1 0 0,-1 0-1,0 0 1,0-4 0,0 4-5,0 0-1,0 0 1,0 0-1,0 0 1,0 0-1,0 0 1,0 0-1,-1 0 1,1 0-1,-1 1 1,1-1-1,-1 0 1,0 0-1,1 0 1,-1 1-1,0-1 1,0 0-1,-1 1 1,1-1-1,0 1 1,0-1-1,-1 1 1,1 0-1,-1 0 1,-1-2-1,-2 2-5,-1-1 0,1 1 0,-1 0 0,0 0-1,1 1 1,-1-1 0,-10 2 0,14-1 19,0 0-5,0-1-1,1 1 1,-1 0 0,0 1 0,0-1 0,0 0-1,0 0 1,0 1 0,0-1 0,0 1 0,0 0 0,1-1-1,-1 1 1,0 0 0,0 0 0,1 0 0,-1 0 0,1 1-1,-1-1 1,1 0 0,-1 1 0,1-1 0,0 0 0,0 1-1,0 0 1,-2 3 0,1 1 16,0 1 0,1-1 0,0 1 0,0 0 1,0 0-1,1 13 0,0-18-9,0 1 1,1 0 0,-1-1 0,0 1-1,1 0 1,0-1 0,-1 1 0,1 0-1,0-1 1,0 0 0,0 1 0,1-1-1,-1 1 1,1-1 0,-1 0 0,1 0-1,0 0 1,0 0 0,0 0 0,0 0-1,0-1 1,0 1 0,0-1 0,0 1-1,5 1 1,1 0 23,-1 0 0,1-1 0,0 0 0,0-1 0,0 0 0,0 0 0,14 0 0,-20-2-35,0 0 0,-1 1 0,1-1 0,0 0 1,-1 0-1,1 0 0,-1 0 0,0-1 0,1 1 0,-1 0 0,0-1 0,0 1 0,0-1 0,0 1 0,0-1 0,0 1 0,0-1 1,0 0-1,-1 1 0,1-1 0,-1 0 0,1 0 0,-1 1 0,0-1 0,1 0 0,-1 0 0,0 0 0,-1-2 0,2-3-91,0 0 0,-1-1 0,0 1 0,0-1-1,-1 1 1,-1-8 0,0 12 69,1 1 0,-1 0 0,0 0 0,0-1 0,0 1 0,0 1 0,-1-1 0,1 0 1,0 0-1,-1 1 0,0 0 0,1-1 0,-1 1 0,0 0 0,1 0 0,-1 0 0,0 1 0,0-1 0,0 1 0,0-1 0,0 1 0,-3 0 0,-7-1 9,-1 0-1,1 1 1,-21 3-1,33-3 26,0 1 0,0 0-1,0 0 1,0-1 0,-1 1-1,1 0 1,0 0 0,0 0-1,1 0 1,-1 0 0,0 1 0,0-1-1,0 0 1,1 0 0,-1 0-1,1 1 1,-1-1 0,1 0 0,-1 1-1,1-1 1,0 0 0,0 1-1,-1-1 1,1 1 0,0-1-1,0 0 1,0 1 0,1 1 0,-1-1 30,0 1 0,0-1 0,0 1 1,0-1-1,0 0 0,1 1 1,-1-1-1,1 0 0,0 1 1,0-1-1,-1 0 0,1 0 0,1 0 1,-1 0-1,3 4 0,3-2 6,1-1 0,-1-1 0,1 1 0,0-1 0,0 0-1,-1-1 1,1 0 0,0 0 0,0-1 0,1 0 0,11-2-1,2 2 11,-20 0-56,0-1 0,-1 1-1,1 0 1,0-1 0,0 0-1,0 1 1,0-1 0,0 0-1,0 0 1,-1 0-1,1 0 1,0 0 0,-1-1-1,1 1 1,-1 0 0,0-1-1,1 1 1,-1-1 0,0 1-1,0-1 1,0 0-1,0 0 1,0 1 0,0-1-1,0 0 1,-1 0 0,1 0-1,-1 0 1,1 0-1,-1 0 1,1-3 0,-1 3-12,0 0 1,1 0-1,-1-1 1,0 1-1,0 0 1,0 0-1,-1 0 1,1 0 0,0 0-1,-1 0 1,1 0-1,-1 0 1,0 1-1,0-1 1,1 0-1,-1 0 1,0 0-1,-1 1 1,1-1-1,0 0 1,0 1-1,-1-1 1,1 1-1,-1 0 1,1-1 0,-1 1-1,0 0 1,1 0-1,-1 0 1,0 0-1,-2-1 1,-8 0-33,0 0 0,0 0 0,0 1 0,0 1 0,-13 1 0,21-2 50,1 2 1,-1-1-1,1 0 1,-1 1-1,1-1 1,-1 1 0,1 0-1,0 0 1,0 0-1,-1 1 1,1-1-1,0 1 1,0 0-1,0 0 1,0 0-1,1 0 1,-1 0 0,0 0-1,1 1 1,0 0-1,-4 4 1,6-7 0,0 0 0,0 1 0,0-1 0,-1 1 1,1-1-1,0 1 0,0-1 0,0 0 1,0 1-1,0-1 0,0 1 0,0-1 0,0 1 1,0-1-1,0 0 0,0 1 0,0-1 0,0 1 1,0-1-1,1 0 0,-1 1 0,0-1 0,0 1 1,0-1-1,1 0 0,-1 1 0,0-1 0,0 0 1,1 1-1,-1-1 0,0 0 0,1 1 0,0-1 1,19 6 162,32-5 88,-41-2-211,-8 1-36,0 0 0,1 0-1,-1 0 1,1-1-1,-1 0 1,0 1-1,0-1 1,1 0-1,-1-1 1,0 1-1,6-4 1,-8 4-10,1 0 0,-1 0 1,0-1-1,0 1 0,0 0 0,0-1 1,0 1-1,0 0 0,0-1 0,0 0 1,0 1-1,-1-1 0,1 1 0,0-1 1,-1 0-1,0 1 0,1-1 1,-1 0-1,0 0 0,0 1 0,0-1 1,0 0-1,0 0 0,-1-3 0,0 4-15,1 0-1,-1 0 0,0-1 0,0 1 0,1 0 0,-1 0 1,0 0-1,0 0 0,0 1 0,-1-1 0,1 0 0,0 0 1,0 0-1,0 1 0,0-1 0,-1 1 0,1-1 0,0 1 0,-1-1 1,1 1-1,0 0 0,-1 0 0,1 0 0,0-1 0,-2 2 1,-42-3-106,39 2 121,-12-1 1,-20 3 8,37-2-8,0 1 0,0-1-1,0 1 1,0-1 0,0 1-1,0 0 1,0 0 0,0-1-1,1 1 1,-1 0 0,0 0 0,0 0-1,1 0 1,-1 0 0,0 0-1,1 0 1,-1 0 0,1 0-1,-1 0 1,1 0 0,0 0-1,-1 0 1,1 1 0,0-1 0,0 0-1,0 0 1,0 0 0,0 0-1,0 2 1,0 2-163,1 0 0,-1 0 0,1-1 0,0 1 1,0 0-1,0 0 0,1-1 0,-1 1 0,1-1 0,0 0 0,1 1 0,-1-1 0,1 0 0,0 0 1,0 0-1,4 3 0,8 14-4424,-2-4-6260</inkml:trace>
 </inkml:ink>
 </file>
 
@@ -241,14 +268,15 @@
           <inkml:channelProperty channel="F" name="resolution" value="0" units="1/dev"/>
         </inkml:channelProperties>
       </inkml:inkSource>
-      <inkml:timestamp xml:id="ts0" timeString="2023-12-11T17:15:55.408"/>
+      <inkml:timestamp xml:id="ts0" timeString="2023-12-20T01:40:26.138"/>
     </inkml:context>
     <inkml:brush xml:id="br0">
       <inkml:brushProperty name="width" value="0.05" units="cm"/>
       <inkml:brushProperty name="height" value="0.05" units="cm"/>
+      <inkml:brushProperty name="color" value="#E71224"/>
     </inkml:brush>
   </inkml:definitions>
-  <inkml:trace contextRef="#ctx0" brushRef="#br0">39 352 24575,'0'0'0,"0"0"0,-1 9 0,-5 104 0,-23 513-629,27 7-1,16-388 630,-8-191 0,2 0 0,22 73 0,-26-114 61,0 0 1,1 0-1,0-1 0,1 0 0,8 13 0,-11-21-21,0 0 1,0 0-1,0 0 0,1-1 0,0 1 0,-1-1 0,1 0 0,0 0 0,1 0 1,-1-1-1,0 1 0,1-1 0,0 0 0,-1 0 0,1-1 0,9 3 0,-2-3-13,0 0-1,0 0 0,1-2 0,-1 1 1,0-1-1,0-1 0,0 0 0,-1-1 0,18-6 1,5-4-54,64-35 1,-27 7-147,-3-3 1,74-61-1,114-122-790,380-406-398,-235 226 429,11 19 515,-324 312 91,2 3 0,4 4 1,159-88-1,-139 101-2371</inkml:trace>
+  <inkml:trace contextRef="#ctx0" brushRef="#br0">33 1 2761,'0'0'13843,"-16"35"-12080,10-5-1148,1 1 0,2 0 1,1 0-1,2 0 0,0 0 1,8 43-1,50 215 600,53 373 2506,-21-130-2858,-89-531-861,71 498 1232,-63-448-1170,2 0 1,2-1-1,23 57 0,-11-34-22,-11-21-28,12 82 1,-14-64 355,61 214-20,-40-170 1447,-20-77-1756,1-1 1,30 56 0,-28-62-25,-1 0 1,-2 1 0,-1 0-1,9 39 1,27 109-18,-44-164 0,0 0-1,1-1 1,0 1 0,1-1 0,0 0-1,2 0 1,13 19 0,7 6-3,38 37 0,17 24-4,-54-64-136,57 57-1,-1-2 43,-31-31 54,79 71 0,-127-126 85,0 0 0,1 0 0,-1-1 1,1 1-1,0-2 0,0 1 0,1-1 1,-1 0-1,0 0 0,1-1 0,0 0 1,10 1-1,56 14-38,0 4 0,-1 3 0,107 50 0,-144-58 0,0-2 0,1-2 0,0-1 0,44 6 0,12-6 0,-66-10 0,0 2 0,0 1 0,27 8 0,35 16 0,2-4 0,127 16 0,158 10-56,111 39-161,-255-45 204,96 13-5,-188-33 23,-79-12 1,102 7-1,206 19-584,-68-3 328,27-9 243,359 18 84,67-40 24,-484-4-58,-259-3 61</inkml:trace>
 </inkml:ink>
 </file>
 
@@ -268,14 +296,15 @@
           <inkml:channelProperty channel="F" name="resolution" value="0" units="1/dev"/>
         </inkml:channelProperties>
       </inkml:inkSource>
-      <inkml:timestamp xml:id="ts0" timeString="2023-12-11T17:16:00.969"/>
+      <inkml:timestamp xml:id="ts0" timeString="2023-12-20T01:40:42.726"/>
     </inkml:context>
     <inkml:brush xml:id="br0">
       <inkml:brushProperty name="width" value="0.05" units="cm"/>
       <inkml:brushProperty name="height" value="0.05" units="cm"/>
+      <inkml:brushProperty name="color" value="#E71224"/>
     </inkml:brush>
   </inkml:definitions>
-  <inkml:trace contextRef="#ctx0" brushRef="#br0">913 1 24575,'0'0'0,"-1"0"0,-1 0 0,1 1 0,0-1 0,0 0 0,0 1 0,0-1 0,0 1 0,0-1 0,0 1 0,0 0 0,0-1 0,0 1 0,0 0 0,0 0 0,0 0 0,0-1 0,-1 3 0,-13 21 0,9-14 0,-160 292 0,69-118 0,85-161 0,-275 509-363,34 12-1692,197-399-3718</inkml:trace>
+  <inkml:trace contextRef="#ctx0" brushRef="#br0">128 23 2697,'0'0'7182,"-11"0"-1330,-33-3-5720,42 4-110,-1-1-1,0 0 1,1 1-1,-1 0 1,1 0-1,-1-1 1,1 1-1,0 1 1,-1-1-1,1 0 1,0 1-1,0-1 0,0 1 1,0-1-1,0 1 1,0 0-1,0 0 1,0 0-1,1 0 1,-1 0-1,1 0 1,0 1-1,-1-1 1,1 0-1,0 1 1,0-1-1,1 1 0,-1-1 1,0 1-1,0 4 1,-2 11 162,1 0-1,0 0 1,2 26 0,0-36-175,0-6-14,2-1 38,0 0 0,0 0 0,0 0 0,1 0 0,-1-1 0,0 1-1,0-1 1,1 0 0,-1 1 0,1-1 0,-1 0 0,0 0 0,1 0 0,-1-1 0,3 0 0,-1 1 73,11 1 148,-9 0-217,-1-1-1,0 0 1,0 0-1,0 0 1,1 0 0,-1-1-1,0 0 1,0 0-1,0-1 1,9-2-1,13-8 7,-24 12-36,0-1 0,0 0 0,0 0 0,0-1 0,0 1 0,0-1 0,0 1 0,0-1 0,-1 0 0,1 0 0,4-5 0,-3 2 16,-1 0 1,1-1-1,-1 0 1,-1 0-1,1 0 1,-1 0-1,0 0 1,0-1-1,-1 1 1,1 0-1,-1-1 1,-1 1-1,1-1 1,-1 1-1,-1-1 1,0-7-1,1-7 25,-1 20-41,1 0 0,-1 0 0,1 0 0,-1 0 0,0 1 1,1-1-1,-1 0 0,0 1 0,1-1 0,-1 0 0,0 1 0,0-1 1,0 1-1,0-1 0,1 1 0,-1 0 0,0-1 0,0 1 0,0 0 1,0-1-1,0 1 0,0 0 0,0 0 0,0 0 0,0 0 0,0 0 1,-1 0-1,-35-1 341,32 1-255,-8 0-76,1 0-1,0 0 0,0 1 0,0 1 1,0 0-1,-12 4 0,-16 13-2861,28-11-581,0 1-4052</inkml:trace>
 </inkml:ink>
 </file>
 
@@ -295,14 +324,71 @@
           <inkml:channelProperty channel="F" name="resolution" value="0" units="1/dev"/>
         </inkml:channelProperties>
       </inkml:inkSource>
-      <inkml:timestamp xml:id="ts0" timeString="2023-12-11T17:16:01.315"/>
+      <inkml:timestamp xml:id="ts0" timeString="2023-12-20T01:40:47.571"/>
     </inkml:context>
     <inkml:brush xml:id="br0">
       <inkml:brushProperty name="width" value="0.05" units="cm"/>
       <inkml:brushProperty name="height" value="0.05" units="cm"/>
+      <inkml:brushProperty name="color" value="#E71224"/>
     </inkml:brush>
   </inkml:definitions>
-  <inkml:trace contextRef="#ctx0" brushRef="#br0">0 5 24575,'0'0'0,"0"0"0,0-2 0,2 0 0</inkml:trace>
+  <inkml:trace contextRef="#ctx0" brushRef="#br0">17 59 1672,'-2'0'10991,"-12"-3"-5605,32-2-5094,1 0 0,31-3 0,16-3 417,-22 3-522,1 3 1,0 1 0,60 4 0,-69 0-153,580-8-660,-511 7 626,63 0-1,198 25-1,-261-16 3,161-6 0,-19-2 3,1206 28-422,-1024-47-3016,-147 5 3436,886-13 1265,-1012 25-45,172 5-499,-160 15-723,22 0 7,125-17 932,14-1 81,-238 8-988,-9 0 125,-11 0-260,-54-3-304,-47-1-239,-11-2-902,-6-2-1187</inkml:trace>
+</inkml:ink>
+</file>
+
+<file path=ppt/ink/ink8.xml><?xml version="1.0" encoding="utf-8"?>
+<inkml:ink xmlns:inkml="http://www.w3.org/2003/InkML">
+  <inkml:definitions>
+    <inkml:context xml:id="ctx0">
+      <inkml:inkSource xml:id="inkSrc0">
+        <inkml:traceFormat>
+          <inkml:channel name="X" type="integer" min="-2.14748E9" max="2.14748E9" units="cm"/>
+          <inkml:channel name="Y" type="integer" min="-2.14748E9" max="2.14748E9" units="cm"/>
+          <inkml:channel name="F" type="integer" max="32767" units="dev"/>
+        </inkml:traceFormat>
+        <inkml:channelProperties>
+          <inkml:channelProperty channel="X" name="resolution" value="1000" units="1/cm"/>
+          <inkml:channelProperty channel="Y" name="resolution" value="1000" units="1/cm"/>
+          <inkml:channelProperty channel="F" name="resolution" value="0" units="1/dev"/>
+        </inkml:channelProperties>
+      </inkml:inkSource>
+      <inkml:timestamp xml:id="ts0" timeString="2023-12-20T01:42:13.740"/>
+    </inkml:context>
+    <inkml:brush xml:id="br0">
+      <inkml:brushProperty name="width" value="0.05" units="cm"/>
+      <inkml:brushProperty name="height" value="0.05" units="cm"/>
+      <inkml:brushProperty name="color" value="#E71224"/>
+    </inkml:brush>
+  </inkml:definitions>
+  <inkml:trace contextRef="#ctx0" brushRef="#br0">86 72 2961,'0'0'5490,"-9"-16"-4246,6 16-1140,-1 1 0,1 0 0,0 0 0,-1 1 0,1-1 0,0 1 0,0-1 0,0 1 0,0 0 0,1 0 0,-1 0-1,0 1 1,1-1 0,0 1 0,-1-1 0,1 1 0,0 0 0,0 0 0,0-1 0,1 2 0,-1-1 0,1 0 0,-2 6 0,0-3-110,1 0 0,0 0 0,0 1 0,0-1 1,1 1-1,0-1 0,0 1 0,0 0 0,1-1 1,0 1-1,2 11 0,2-17 86,0 0 1,0 0-1,1 0 0,-1 0 1,0-1-1,0 0 1,0 0-1,1 0 0,7-1 1,-4 1-18,-4-1-31,1 1 0,0-1 0,-1 0 1,1-1-1,-1 1 0,1-1 0,-1 0 0,0 0 1,1 0-1,-1 0 0,0-1 0,-1 1 1,1-1-1,0 0 0,-1-1 0,0 1 0,1-1 1,-1 1-1,-1-1 0,1 0 0,3-6 0,-1 1 266,0 1 0,-1-1 0,-1 1 0,1-1 1,-2 0-1,1 0 0,-1-1 0,0 1 0,0-19 0,-2 27-270,-1-1 0,1 0 0,-1 0 0,1 1 0,-1-1 0,0 0 0,0 1 1,0-1-1,0 1 0,0-1 0,0 1 0,0 0 0,-1-1 0,1 1 0,0 0 1,-1 0-1,1 0 0,-1 0 0,0 0 0,1 0 0,-1 0 0,1 0 1,-1 1-1,0-1 0,0 1 0,-2-1 0,0 0-105,0 0-1,0 0 1,0 0 0,0 0 0,0 1-1,0 0 1,0 0 0,0 0-1,0 0 1,0 1 0,-4 0 0,4 1-184,1 1 1,0-1-1,0 1 1,1-1 0,-1 1-1,0 0 1,1 0 0,0 0-1,0 1 1,0-1-1,0 0 1,0 1 0,1 0-1,-1-1 1,1 1 0,-1 4-1,-1 1-1580,-7 19-6767</inkml:trace>
+</inkml:ink>
+</file>
+
+<file path=ppt/ink/ink9.xml><?xml version="1.0" encoding="utf-8"?>
+<inkml:ink xmlns:inkml="http://www.w3.org/2003/InkML">
+  <inkml:definitions>
+    <inkml:context xml:id="ctx0">
+      <inkml:inkSource xml:id="inkSrc0">
+        <inkml:traceFormat>
+          <inkml:channel name="X" type="integer" min="-2.14748E9" max="2.14748E9" units="cm"/>
+          <inkml:channel name="Y" type="integer" min="-2.14748E9" max="2.14748E9" units="cm"/>
+          <inkml:channel name="F" type="integer" max="32767" units="dev"/>
+        </inkml:traceFormat>
+        <inkml:channelProperties>
+          <inkml:channelProperty channel="X" name="resolution" value="1000" units="1/cm"/>
+          <inkml:channelProperty channel="Y" name="resolution" value="1000" units="1/cm"/>
+          <inkml:channelProperty channel="F" name="resolution" value="0" units="1/dev"/>
+        </inkml:channelProperties>
+      </inkml:inkSource>
+      <inkml:timestamp xml:id="ts0" timeString="2023-12-20T01:42:16.212"/>
+    </inkml:context>
+    <inkml:brush xml:id="br0">
+      <inkml:brushProperty name="width" value="0.05" units="cm"/>
+      <inkml:brushProperty name="height" value="0.05" units="cm"/>
+      <inkml:brushProperty name="color" value="#E71224"/>
+    </inkml:brush>
+  </inkml:definitions>
+  <inkml:trace contextRef="#ctx0" brushRef="#br0">155 9 3593,'0'0'6832,"2"-6"-2402,-9 7-4297,0 0 0,0 0-1,0 0 1,0 1 0,1 0-1,-1 1 1,1-1 0,-1 1-1,1 1 1,0-1 0,0 1 0,0 0-1,1 0 1,-1 1 0,1-1-1,-7 10 1,7-9-121,1-1 0,0 2 0,0-1 0,0 0 0,1 1 0,0 0 0,0 0 0,0 0 0,1 0 0,0 0 0,0 0 0,1 1 0,0-1 0,0 1-1,0-1 1,1 1 0,0 12 0,1-18-7,-1 0-1,1 0 0,0 0 0,0 0 0,0 0 1,0 0-1,0-1 0,0 1 0,0 0 0,0 0 1,0-1-1,0 1 0,0-1 0,0 1 0,1-1 1,-1 1-1,0-1 0,0 0 0,1 1 0,-1-1 1,0 0-1,0 0 0,1 0 0,1 0 0,42 0 58,-35 0-27,6-1 146,1 0 1,-1-1-1,0-1 1,0 0-1,-1-1 1,1-1-1,-1-1 1,0 0-1,0 0 1,24-17-1,-36 21-101,-1-1 0,0 0 0,0 0 0,0 0 0,0-1 0,-1 1 0,1 0 0,-1-1 0,0 1 0,0-1 0,0 1 0,0-1 0,-1 1 0,1-1 0,-1 0 0,0 1 0,0-1 0,0 1 0,-1-1 1,1 0-1,-1 1 0,0-1 0,0 1 0,0-1 0,-1 1 0,1 0 0,-1-1 0,1 1 0,-1 0 0,0 0 0,-1 0 0,-4-5 0,2 6-74,0-1 1,0 1 0,0-1 0,-1 2-1,1-1 1,-1 0 0,1 1-1,-1 0 1,0 1 0,1-1 0,-1 1-1,0 0 1,0 0 0,1 1-1,-1 0 1,0 0 0,-7 2-1,2 1-465,1 0 0,0 0 1,1 1-1,-1 0 0,1 1 0,0 0 0,0 1 0,-8 7 0,-8 9-4587,4-1-3726</inkml:trace>
 </inkml:ink>
 </file>
 
@@ -507,7 +593,7 @@
           <a:p>
             <a:fld id="{198C50A6-AF85-45B9-9072-8483994B30B8}" type="slidenum">
               <a:rPr lang="de-DE" smtClean="0"/>
-              <a:t>‹Nr.›</a:t>
+              <a:t>‹#›</a:t>
             </a:fld>
             <a:endParaRPr lang="de-DE"/>
           </a:p>
@@ -705,7 +791,7 @@
           <a:p>
             <a:fld id="{198C50A6-AF85-45B9-9072-8483994B30B8}" type="slidenum">
               <a:rPr lang="de-DE" smtClean="0"/>
-              <a:t>‹Nr.›</a:t>
+              <a:t>‹#›</a:t>
             </a:fld>
             <a:endParaRPr lang="de-DE"/>
           </a:p>
@@ -913,7 +999,7 @@
           <a:p>
             <a:fld id="{198C50A6-AF85-45B9-9072-8483994B30B8}" type="slidenum">
               <a:rPr lang="de-DE" smtClean="0"/>
-              <a:t>‹Nr.›</a:t>
+              <a:t>‹#›</a:t>
             </a:fld>
             <a:endParaRPr lang="de-DE"/>
           </a:p>
@@ -1111,7 +1197,7 @@
           <a:p>
             <a:fld id="{198C50A6-AF85-45B9-9072-8483994B30B8}" type="slidenum">
               <a:rPr lang="de-DE" smtClean="0"/>
-              <a:t>‹Nr.›</a:t>
+              <a:t>‹#›</a:t>
             </a:fld>
             <a:endParaRPr lang="de-DE"/>
           </a:p>
@@ -1386,7 +1472,7 @@
           <a:p>
             <a:fld id="{198C50A6-AF85-45B9-9072-8483994B30B8}" type="slidenum">
               <a:rPr lang="de-DE" smtClean="0"/>
-              <a:t>‹Nr.›</a:t>
+              <a:t>‹#›</a:t>
             </a:fld>
             <a:endParaRPr lang="de-DE"/>
           </a:p>
@@ -1651,7 +1737,7 @@
           <a:p>
             <a:fld id="{198C50A6-AF85-45B9-9072-8483994B30B8}" type="slidenum">
               <a:rPr lang="de-DE" smtClean="0"/>
-              <a:t>‹Nr.›</a:t>
+              <a:t>‹#›</a:t>
             </a:fld>
             <a:endParaRPr lang="de-DE"/>
           </a:p>
@@ -2063,7 +2149,7 @@
           <a:p>
             <a:fld id="{198C50A6-AF85-45B9-9072-8483994B30B8}" type="slidenum">
               <a:rPr lang="de-DE" smtClean="0"/>
-              <a:t>‹Nr.›</a:t>
+              <a:t>‹#›</a:t>
             </a:fld>
             <a:endParaRPr lang="de-DE"/>
           </a:p>
@@ -2204,7 +2290,7 @@
           <a:p>
             <a:fld id="{198C50A6-AF85-45B9-9072-8483994B30B8}" type="slidenum">
               <a:rPr lang="de-DE" smtClean="0"/>
-              <a:t>‹Nr.›</a:t>
+              <a:t>‹#›</a:t>
             </a:fld>
             <a:endParaRPr lang="de-DE"/>
           </a:p>
@@ -2317,7 +2403,7 @@
           <a:p>
             <a:fld id="{198C50A6-AF85-45B9-9072-8483994B30B8}" type="slidenum">
               <a:rPr lang="de-DE" smtClean="0"/>
-              <a:t>‹Nr.›</a:t>
+              <a:t>‹#›</a:t>
             </a:fld>
             <a:endParaRPr lang="de-DE"/>
           </a:p>
@@ -2628,7 +2714,7 @@
           <a:p>
             <a:fld id="{198C50A6-AF85-45B9-9072-8483994B30B8}" type="slidenum">
               <a:rPr lang="de-DE" smtClean="0"/>
-              <a:t>‹Nr.›</a:t>
+              <a:t>‹#›</a:t>
             </a:fld>
             <a:endParaRPr lang="de-DE"/>
           </a:p>
@@ -2916,7 +3002,7 @@
           <a:p>
             <a:fld id="{198C50A6-AF85-45B9-9072-8483994B30B8}" type="slidenum">
               <a:rPr lang="de-DE" smtClean="0"/>
-              <a:t>‹Nr.›</a:t>
+              <a:t>‹#›</a:t>
             </a:fld>
             <a:endParaRPr lang="de-DE"/>
           </a:p>
@@ -3193,7 +3279,7 @@
           <a:p>
             <a:fld id="{198C50A6-AF85-45B9-9072-8483994B30B8}" type="slidenum">
               <a:rPr lang="de-DE" smtClean="0"/>
-              <a:t>‹Nr.›</a:t>
+              <a:t>‹#›</a:t>
             </a:fld>
             <a:endParaRPr lang="de-DE"/>
           </a:p>
@@ -3598,6 +3684,1768 @@
 </p:sld>
 </file>
 
+<file path=ppt/slides/slide10.xml><?xml version="1.0" encoding="utf-8"?>
+<p:sld xmlns:a="http://schemas.openxmlformats.org/drawingml/2006/main" xmlns:r="http://schemas.openxmlformats.org/officeDocument/2006/relationships" xmlns:p="http://schemas.openxmlformats.org/presentationml/2006/main">
+  <p:cSld>
+    <p:spTree>
+      <p:nvGrpSpPr>
+        <p:cNvPr id="1" name=""/>
+        <p:cNvGrpSpPr/>
+        <p:nvPr/>
+      </p:nvGrpSpPr>
+      <p:grpSpPr>
+        <a:xfrm>
+          <a:off x="0" y="0"/>
+          <a:ext cx="0" cy="0"/>
+          <a:chOff x="0" y="0"/>
+          <a:chExt cx="0" cy="0"/>
+        </a:xfrm>
+      </p:grpSpPr>
+      <p:sp>
+        <p:nvSpPr>
+          <p:cNvPr id="2" name="Title 1">
+            <a:extLst>
+              <a:ext uri="{FF2B5EF4-FFF2-40B4-BE49-F238E27FC236}">
+                <a16:creationId xmlns:a16="http://schemas.microsoft.com/office/drawing/2014/main" id="{E5D27D76-E98A-5C34-2C6B-FD96B928ABDF}"/>
+              </a:ext>
+            </a:extLst>
+          </p:cNvPr>
+          <p:cNvSpPr>
+            <a:spLocks noGrp="1"/>
+          </p:cNvSpPr>
+          <p:nvPr>
+            <p:ph type="title"/>
+          </p:nvPr>
+        </p:nvSpPr>
+        <p:spPr/>
+        <p:txBody>
+          <a:bodyPr/>
+          <a:lstStyle/>
+          <a:p>
+            <a:r>
+              <a:rPr lang="en-GB" dirty="0" err="1"/>
+              <a:t>Diagnosen</a:t>
+            </a:r>
+            <a:endParaRPr lang="LID4096" dirty="0"/>
+          </a:p>
+        </p:txBody>
+      </p:sp>
+      <p:sp>
+        <p:nvSpPr>
+          <p:cNvPr id="3" name="Text Placeholder 2">
+            <a:extLst>
+              <a:ext uri="{FF2B5EF4-FFF2-40B4-BE49-F238E27FC236}">
+                <a16:creationId xmlns:a16="http://schemas.microsoft.com/office/drawing/2014/main" id="{7EE27A5E-D3AF-DB15-23B0-CAFCF87B28E3}"/>
+              </a:ext>
+            </a:extLst>
+          </p:cNvPr>
+          <p:cNvSpPr>
+            <a:spLocks noGrp="1"/>
+          </p:cNvSpPr>
+          <p:nvPr>
+            <p:ph type="body" idx="1"/>
+          </p:nvPr>
+        </p:nvSpPr>
+        <p:spPr/>
+        <p:txBody>
+          <a:bodyPr/>
+          <a:lstStyle/>
+          <a:p>
+            <a:endParaRPr lang="LID4096"/>
+          </a:p>
+        </p:txBody>
+      </p:sp>
+    </p:spTree>
+    <p:extLst>
+      <p:ext uri="{BB962C8B-B14F-4D97-AF65-F5344CB8AC3E}">
+        <p14:creationId xmlns:p14="http://schemas.microsoft.com/office/powerpoint/2010/main" val="865538287"/>
+      </p:ext>
+    </p:extLst>
+  </p:cSld>
+  <p:clrMapOvr>
+    <a:masterClrMapping/>
+  </p:clrMapOvr>
+</p:sld>
+</file>
+
+<file path=ppt/slides/slide11.xml><?xml version="1.0" encoding="utf-8"?>
+<p:sld xmlns:a="http://schemas.openxmlformats.org/drawingml/2006/main" xmlns:r="http://schemas.openxmlformats.org/officeDocument/2006/relationships" xmlns:p="http://schemas.openxmlformats.org/presentationml/2006/main">
+  <p:cSld>
+    <p:spTree>
+      <p:nvGrpSpPr>
+        <p:cNvPr id="1" name=""/>
+        <p:cNvGrpSpPr/>
+        <p:nvPr/>
+      </p:nvGrpSpPr>
+      <p:grpSpPr>
+        <a:xfrm>
+          <a:off x="0" y="0"/>
+          <a:ext cx="0" cy="0"/>
+          <a:chOff x="0" y="0"/>
+          <a:chExt cx="0" cy="0"/>
+        </a:xfrm>
+      </p:grpSpPr>
+      <p:sp>
+        <p:nvSpPr>
+          <p:cNvPr id="2" name="Title 1">
+            <a:extLst>
+              <a:ext uri="{FF2B5EF4-FFF2-40B4-BE49-F238E27FC236}">
+                <a16:creationId xmlns:a16="http://schemas.microsoft.com/office/drawing/2014/main" id="{199B99E8-ABED-4AC7-3E10-8FA6FCCC9A41}"/>
+              </a:ext>
+            </a:extLst>
+          </p:cNvPr>
+          <p:cNvSpPr>
+            <a:spLocks noGrp="1"/>
+          </p:cNvSpPr>
+          <p:nvPr>
+            <p:ph type="title"/>
+          </p:nvPr>
+        </p:nvSpPr>
+        <p:spPr/>
+        <p:txBody>
+          <a:bodyPr/>
+          <a:lstStyle/>
+          <a:p>
+            <a:r>
+              <a:rPr lang="en-GB" dirty="0" err="1"/>
+              <a:t>Welche</a:t>
+            </a:r>
+            <a:r>
+              <a:rPr lang="en-GB" dirty="0"/>
+              <a:t> </a:t>
+            </a:r>
+            <a:r>
+              <a:rPr lang="en-GB" dirty="0" err="1"/>
+              <a:t>Diagnosen</a:t>
+            </a:r>
+            <a:r>
+              <a:rPr lang="en-GB" dirty="0"/>
+              <a:t> </a:t>
+            </a:r>
+            <a:r>
+              <a:rPr lang="en-GB" dirty="0" err="1"/>
+              <a:t>zuerst</a:t>
+            </a:r>
+            <a:r>
+              <a:rPr lang="en-GB" dirty="0"/>
+              <a:t> </a:t>
+            </a:r>
+            <a:r>
+              <a:rPr lang="en-GB" dirty="0" err="1"/>
+              <a:t>wurden</a:t>
+            </a:r>
+            <a:r>
+              <a:rPr lang="en-GB" dirty="0"/>
+              <a:t> </a:t>
+            </a:r>
+            <a:r>
+              <a:rPr lang="en-GB" dirty="0" err="1"/>
+              <a:t>gestellt</a:t>
+            </a:r>
+            <a:r>
+              <a:rPr lang="en-GB" dirty="0"/>
+              <a:t>?</a:t>
+            </a:r>
+            <a:endParaRPr lang="LID4096" dirty="0"/>
+          </a:p>
+        </p:txBody>
+      </p:sp>
+      <p:pic>
+        <p:nvPicPr>
+          <p:cNvPr id="8" name="Content Placeholder 7" descr="A graph with blue bars&#10;&#10;Description automatically generated">
+            <a:extLst>
+              <a:ext uri="{FF2B5EF4-FFF2-40B4-BE49-F238E27FC236}">
+                <a16:creationId xmlns:a16="http://schemas.microsoft.com/office/drawing/2014/main" id="{33C6F481-5C42-F30C-4E3E-855F92CB0FC7}"/>
+              </a:ext>
+            </a:extLst>
+          </p:cNvPr>
+          <p:cNvPicPr>
+            <a:picLocks noGrp="1" noChangeAspect="1"/>
+          </p:cNvPicPr>
+          <p:nvPr>
+            <p:ph sz="half" idx="1"/>
+          </p:nvPr>
+        </p:nvPicPr>
+        <p:blipFill>
+          <a:blip r:embed="rId2">
+            <a:extLst>
+              <a:ext uri="{28A0092B-C50C-407E-A947-70E740481C1C}">
+                <a14:useLocalDpi xmlns:a14="http://schemas.microsoft.com/office/drawing/2010/main" val="0"/>
+              </a:ext>
+            </a:extLst>
+          </a:blip>
+          <a:stretch>
+            <a:fillRect/>
+          </a:stretch>
+        </p:blipFill>
+        <p:spPr>
+          <a:xfrm>
+            <a:off x="1253331" y="1825625"/>
+            <a:ext cx="4351338" cy="4351338"/>
+          </a:xfrm>
+        </p:spPr>
+      </p:pic>
+      <p:pic>
+        <p:nvPicPr>
+          <p:cNvPr id="14" name="Content Placeholder 13" descr="A graph with blue bars&#10;&#10;Description automatically generated">
+            <a:extLst>
+              <a:ext uri="{FF2B5EF4-FFF2-40B4-BE49-F238E27FC236}">
+                <a16:creationId xmlns:a16="http://schemas.microsoft.com/office/drawing/2014/main" id="{61E06625-078C-CBD3-8E73-9BB645257C11}"/>
+              </a:ext>
+            </a:extLst>
+          </p:cNvPr>
+          <p:cNvPicPr>
+            <a:picLocks noGrp="1" noChangeAspect="1"/>
+          </p:cNvPicPr>
+          <p:nvPr>
+            <p:ph sz="half" idx="2"/>
+          </p:nvPr>
+        </p:nvPicPr>
+        <p:blipFill>
+          <a:blip r:embed="rId3">
+            <a:extLst>
+              <a:ext uri="{28A0092B-C50C-407E-A947-70E740481C1C}">
+                <a14:useLocalDpi xmlns:a14="http://schemas.microsoft.com/office/drawing/2010/main" val="0"/>
+              </a:ext>
+            </a:extLst>
+          </a:blip>
+          <a:stretch>
+            <a:fillRect/>
+          </a:stretch>
+        </p:blipFill>
+        <p:spPr>
+          <a:xfrm>
+            <a:off x="6587331" y="1825625"/>
+            <a:ext cx="4351338" cy="4351338"/>
+          </a:xfrm>
+        </p:spPr>
+      </p:pic>
+    </p:spTree>
+    <p:extLst>
+      <p:ext uri="{BB962C8B-B14F-4D97-AF65-F5344CB8AC3E}">
+        <p14:creationId xmlns:p14="http://schemas.microsoft.com/office/powerpoint/2010/main" val="1696688962"/>
+      </p:ext>
+    </p:extLst>
+  </p:cSld>
+  <p:clrMapOvr>
+    <a:masterClrMapping/>
+  </p:clrMapOvr>
+</p:sld>
+</file>
+
+<file path=ppt/slides/slide12.xml><?xml version="1.0" encoding="utf-8"?>
+<p:sld xmlns:a="http://schemas.openxmlformats.org/drawingml/2006/main" xmlns:r="http://schemas.openxmlformats.org/officeDocument/2006/relationships" xmlns:p="http://schemas.openxmlformats.org/presentationml/2006/main">
+  <p:cSld>
+    <p:spTree>
+      <p:nvGrpSpPr>
+        <p:cNvPr id="1" name=""/>
+        <p:cNvGrpSpPr/>
+        <p:nvPr/>
+      </p:nvGrpSpPr>
+      <p:grpSpPr>
+        <a:xfrm>
+          <a:off x="0" y="0"/>
+          <a:ext cx="0" cy="0"/>
+          <a:chOff x="0" y="0"/>
+          <a:chExt cx="0" cy="0"/>
+        </a:xfrm>
+      </p:grpSpPr>
+      <p:sp>
+        <p:nvSpPr>
+          <p:cNvPr id="2" name="Title 1">
+            <a:extLst>
+              <a:ext uri="{FF2B5EF4-FFF2-40B4-BE49-F238E27FC236}">
+                <a16:creationId xmlns:a16="http://schemas.microsoft.com/office/drawing/2014/main" id="{199B99E8-ABED-4AC7-3E10-8FA6FCCC9A41}"/>
+              </a:ext>
+            </a:extLst>
+          </p:cNvPr>
+          <p:cNvSpPr>
+            <a:spLocks noGrp="1"/>
+          </p:cNvSpPr>
+          <p:nvPr>
+            <p:ph type="title"/>
+          </p:nvPr>
+        </p:nvSpPr>
+        <p:spPr/>
+        <p:txBody>
+          <a:bodyPr/>
+          <a:lstStyle/>
+          <a:p>
+            <a:r>
+              <a:rPr lang="en-GB" dirty="0" err="1"/>
+              <a:t>Welche</a:t>
+            </a:r>
+            <a:r>
+              <a:rPr lang="en-GB" dirty="0"/>
+              <a:t> </a:t>
+            </a:r>
+            <a:r>
+              <a:rPr lang="en-GB" dirty="0" err="1"/>
+              <a:t>Diagnosen</a:t>
+            </a:r>
+            <a:r>
+              <a:rPr lang="en-GB" dirty="0"/>
+              <a:t> </a:t>
+            </a:r>
+            <a:r>
+              <a:rPr lang="en-GB" dirty="0" err="1"/>
+              <a:t>zuerst</a:t>
+            </a:r>
+            <a:r>
+              <a:rPr lang="en-GB" dirty="0"/>
+              <a:t> </a:t>
+            </a:r>
+            <a:r>
+              <a:rPr lang="en-GB" dirty="0" err="1"/>
+              <a:t>wurden</a:t>
+            </a:r>
+            <a:r>
+              <a:rPr lang="en-GB" dirty="0"/>
+              <a:t> </a:t>
+            </a:r>
+            <a:r>
+              <a:rPr lang="en-GB" dirty="0" err="1"/>
+              <a:t>gestellt</a:t>
+            </a:r>
+            <a:r>
+              <a:rPr lang="en-GB" dirty="0"/>
+              <a:t>?</a:t>
+            </a:r>
+            <a:endParaRPr lang="LID4096" dirty="0"/>
+          </a:p>
+        </p:txBody>
+      </p:sp>
+      <p:pic>
+        <p:nvPicPr>
+          <p:cNvPr id="6" name="Content Placeholder 5" descr="A graph with numbers and lines&#10;&#10;Description automatically generated">
+            <a:extLst>
+              <a:ext uri="{FF2B5EF4-FFF2-40B4-BE49-F238E27FC236}">
+                <a16:creationId xmlns:a16="http://schemas.microsoft.com/office/drawing/2014/main" id="{EDB83180-4C78-0CF9-C3C8-9B393ACF52FA}"/>
+              </a:ext>
+            </a:extLst>
+          </p:cNvPr>
+          <p:cNvPicPr>
+            <a:picLocks noGrp="1" noChangeAspect="1"/>
+          </p:cNvPicPr>
+          <p:nvPr>
+            <p:ph sz="half" idx="1"/>
+          </p:nvPr>
+        </p:nvPicPr>
+        <p:blipFill>
+          <a:blip r:embed="rId2">
+            <a:extLst>
+              <a:ext uri="{28A0092B-C50C-407E-A947-70E740481C1C}">
+                <a14:useLocalDpi xmlns:a14="http://schemas.microsoft.com/office/drawing/2010/main" val="0"/>
+              </a:ext>
+            </a:extLst>
+          </a:blip>
+          <a:stretch>
+            <a:fillRect/>
+          </a:stretch>
+        </p:blipFill>
+        <p:spPr>
+          <a:xfrm>
+            <a:off x="1253331" y="1825625"/>
+            <a:ext cx="4351338" cy="4351338"/>
+          </a:xfrm>
+        </p:spPr>
+      </p:pic>
+      <p:pic>
+        <p:nvPicPr>
+          <p:cNvPr id="7" name="Content Placeholder 9" descr="A graph with numbers and lines&#10;&#10;Description automatically generated">
+            <a:extLst>
+              <a:ext uri="{FF2B5EF4-FFF2-40B4-BE49-F238E27FC236}">
+                <a16:creationId xmlns:a16="http://schemas.microsoft.com/office/drawing/2014/main" id="{925B5783-BE3D-0E40-1999-B98654D06770}"/>
+              </a:ext>
+            </a:extLst>
+          </p:cNvPr>
+          <p:cNvPicPr>
+            <a:picLocks noGrp="1" noChangeAspect="1"/>
+          </p:cNvPicPr>
+          <p:nvPr>
+            <p:ph sz="half" idx="2"/>
+          </p:nvPr>
+        </p:nvPicPr>
+        <p:blipFill>
+          <a:blip r:embed="rId3">
+            <a:extLst>
+              <a:ext uri="{28A0092B-C50C-407E-A947-70E740481C1C}">
+                <a14:useLocalDpi xmlns:a14="http://schemas.microsoft.com/office/drawing/2010/main" val="0"/>
+              </a:ext>
+            </a:extLst>
+          </a:blip>
+          <a:stretch>
+            <a:fillRect/>
+          </a:stretch>
+        </p:blipFill>
+        <p:spPr>
+          <a:xfrm>
+            <a:off x="6587331" y="1825625"/>
+            <a:ext cx="4351338" cy="4351338"/>
+          </a:xfrm>
+        </p:spPr>
+      </p:pic>
+    </p:spTree>
+    <p:extLst>
+      <p:ext uri="{BB962C8B-B14F-4D97-AF65-F5344CB8AC3E}">
+        <p14:creationId xmlns:p14="http://schemas.microsoft.com/office/powerpoint/2010/main" val="4082517478"/>
+      </p:ext>
+    </p:extLst>
+  </p:cSld>
+  <p:clrMapOvr>
+    <a:masterClrMapping/>
+  </p:clrMapOvr>
+</p:sld>
+</file>
+
+<file path=ppt/slides/slide13.xml><?xml version="1.0" encoding="utf-8"?>
+<p:sld xmlns:a="http://schemas.openxmlformats.org/drawingml/2006/main" xmlns:r="http://schemas.openxmlformats.org/officeDocument/2006/relationships" xmlns:p="http://schemas.openxmlformats.org/presentationml/2006/main">
+  <p:cSld>
+    <p:spTree>
+      <p:nvGrpSpPr>
+        <p:cNvPr id="1" name=""/>
+        <p:cNvGrpSpPr/>
+        <p:nvPr/>
+      </p:nvGrpSpPr>
+      <p:grpSpPr>
+        <a:xfrm>
+          <a:off x="0" y="0"/>
+          <a:ext cx="0" cy="0"/>
+          <a:chOff x="0" y="0"/>
+          <a:chExt cx="0" cy="0"/>
+        </a:xfrm>
+      </p:grpSpPr>
+      <p:sp>
+        <p:nvSpPr>
+          <p:cNvPr id="2" name="Title 1">
+            <a:extLst>
+              <a:ext uri="{FF2B5EF4-FFF2-40B4-BE49-F238E27FC236}">
+                <a16:creationId xmlns:a16="http://schemas.microsoft.com/office/drawing/2014/main" id="{9DC8A667-F7A4-49AF-499B-EC472FE06BE6}"/>
+              </a:ext>
+            </a:extLst>
+          </p:cNvPr>
+          <p:cNvSpPr>
+            <a:spLocks noGrp="1"/>
+          </p:cNvSpPr>
+          <p:nvPr>
+            <p:ph type="title"/>
+          </p:nvPr>
+        </p:nvSpPr>
+        <p:spPr/>
+        <p:txBody>
+          <a:bodyPr/>
+          <a:lstStyle/>
+          <a:p>
+            <a:r>
+              <a:rPr lang="en-GB" dirty="0" err="1"/>
+              <a:t>Diagnosen</a:t>
+            </a:r>
+            <a:r>
+              <a:rPr lang="en-GB" dirty="0"/>
+              <a:t> </a:t>
+            </a:r>
+            <a:r>
+              <a:rPr lang="en-GB" dirty="0" err="1"/>
+              <a:t>nach</a:t>
+            </a:r>
+            <a:r>
+              <a:rPr lang="en-GB" dirty="0"/>
+              <a:t> Quartal, R1 &amp; R2</a:t>
+            </a:r>
+            <a:endParaRPr lang="LID4096" dirty="0"/>
+          </a:p>
+        </p:txBody>
+      </p:sp>
+      <p:pic>
+        <p:nvPicPr>
+          <p:cNvPr id="7" name="Picture 6" descr="A graph with blue and white bars&#10;&#10;Description automatically generated">
+            <a:extLst>
+              <a:ext uri="{FF2B5EF4-FFF2-40B4-BE49-F238E27FC236}">
+                <a16:creationId xmlns:a16="http://schemas.microsoft.com/office/drawing/2014/main" id="{2A8F6367-666B-A33F-CDCD-A5986384F331}"/>
+              </a:ext>
+            </a:extLst>
+          </p:cNvPr>
+          <p:cNvPicPr>
+            <a:picLocks noChangeAspect="1"/>
+          </p:cNvPicPr>
+          <p:nvPr/>
+        </p:nvPicPr>
+        <p:blipFill>
+          <a:blip r:embed="rId2">
+            <a:extLst>
+              <a:ext uri="{28A0092B-C50C-407E-A947-70E740481C1C}">
+                <a14:useLocalDpi xmlns:a14="http://schemas.microsoft.com/office/drawing/2010/main" val="0"/>
+              </a:ext>
+            </a:extLst>
+          </a:blip>
+          <a:stretch>
+            <a:fillRect/>
+          </a:stretch>
+        </p:blipFill>
+        <p:spPr>
+          <a:xfrm>
+            <a:off x="3014461" y="1690688"/>
+            <a:ext cx="2448000" cy="2448000"/>
+          </a:xfrm>
+          <a:prstGeom prst="rect">
+            <a:avLst/>
+          </a:prstGeom>
+        </p:spPr>
+      </p:pic>
+      <p:pic>
+        <p:nvPicPr>
+          <p:cNvPr id="10" name="Picture 9" descr="A graph with blue and white bars&#10;&#10;Description automatically generated">
+            <a:extLst>
+              <a:ext uri="{FF2B5EF4-FFF2-40B4-BE49-F238E27FC236}">
+                <a16:creationId xmlns:a16="http://schemas.microsoft.com/office/drawing/2014/main" id="{E0212055-7184-DD28-F444-8D6F13DB61E6}"/>
+              </a:ext>
+            </a:extLst>
+          </p:cNvPr>
+          <p:cNvPicPr>
+            <a:picLocks noChangeAspect="1"/>
+          </p:cNvPicPr>
+          <p:nvPr/>
+        </p:nvPicPr>
+        <p:blipFill>
+          <a:blip r:embed="rId3">
+            <a:extLst>
+              <a:ext uri="{28A0092B-C50C-407E-A947-70E740481C1C}">
+                <a14:useLocalDpi xmlns:a14="http://schemas.microsoft.com/office/drawing/2010/main" val="0"/>
+              </a:ext>
+            </a:extLst>
+          </a:blip>
+          <a:stretch>
+            <a:fillRect/>
+          </a:stretch>
+        </p:blipFill>
+        <p:spPr>
+          <a:xfrm>
+            <a:off x="3014461" y="4138688"/>
+            <a:ext cx="2448000" cy="2448000"/>
+          </a:xfrm>
+          <a:prstGeom prst="rect">
+            <a:avLst/>
+          </a:prstGeom>
+        </p:spPr>
+      </p:pic>
+      <p:pic>
+        <p:nvPicPr>
+          <p:cNvPr id="11" name="Picture 10" descr="A graph with blue and white bars&#10;&#10;Description automatically generated">
+            <a:extLst>
+              <a:ext uri="{FF2B5EF4-FFF2-40B4-BE49-F238E27FC236}">
+                <a16:creationId xmlns:a16="http://schemas.microsoft.com/office/drawing/2014/main" id="{E3496AB0-A9F2-6467-3F6A-BB892C239F2A}"/>
+              </a:ext>
+            </a:extLst>
+          </p:cNvPr>
+          <p:cNvPicPr>
+            <a:picLocks noChangeAspect="1"/>
+          </p:cNvPicPr>
+          <p:nvPr/>
+        </p:nvPicPr>
+        <p:blipFill>
+          <a:blip r:embed="rId4">
+            <a:extLst>
+              <a:ext uri="{28A0092B-C50C-407E-A947-70E740481C1C}">
+                <a14:useLocalDpi xmlns:a14="http://schemas.microsoft.com/office/drawing/2010/main" val="0"/>
+              </a:ext>
+            </a:extLst>
+          </a:blip>
+          <a:stretch>
+            <a:fillRect/>
+          </a:stretch>
+        </p:blipFill>
+        <p:spPr>
+          <a:xfrm>
+            <a:off x="566461" y="1690688"/>
+            <a:ext cx="2448000" cy="2448000"/>
+          </a:xfrm>
+          <a:prstGeom prst="rect">
+            <a:avLst/>
+          </a:prstGeom>
+        </p:spPr>
+      </p:pic>
+      <p:pic>
+        <p:nvPicPr>
+          <p:cNvPr id="12" name="Picture 11" descr="A graph with blue and white bars&#10;&#10;Description automatically generated">
+            <a:extLst>
+              <a:ext uri="{FF2B5EF4-FFF2-40B4-BE49-F238E27FC236}">
+                <a16:creationId xmlns:a16="http://schemas.microsoft.com/office/drawing/2014/main" id="{DE233C5D-FE18-85B9-A271-D7525659CCCA}"/>
+              </a:ext>
+            </a:extLst>
+          </p:cNvPr>
+          <p:cNvPicPr>
+            <a:picLocks noChangeAspect="1"/>
+          </p:cNvPicPr>
+          <p:nvPr/>
+        </p:nvPicPr>
+        <p:blipFill>
+          <a:blip r:embed="rId5">
+            <a:extLst>
+              <a:ext uri="{28A0092B-C50C-407E-A947-70E740481C1C}">
+                <a14:useLocalDpi xmlns:a14="http://schemas.microsoft.com/office/drawing/2010/main" val="0"/>
+              </a:ext>
+            </a:extLst>
+          </a:blip>
+          <a:stretch>
+            <a:fillRect/>
+          </a:stretch>
+        </p:blipFill>
+        <p:spPr>
+          <a:xfrm>
+            <a:off x="566461" y="4138688"/>
+            <a:ext cx="2448000" cy="2448000"/>
+          </a:xfrm>
+          <a:prstGeom prst="rect">
+            <a:avLst/>
+          </a:prstGeom>
+        </p:spPr>
+      </p:pic>
+      <p:pic>
+        <p:nvPicPr>
+          <p:cNvPr id="13" name="Content Placeholder 4" descr="A graph with blue and white bars&#10;&#10;Description automatically generated">
+            <a:extLst>
+              <a:ext uri="{FF2B5EF4-FFF2-40B4-BE49-F238E27FC236}">
+                <a16:creationId xmlns:a16="http://schemas.microsoft.com/office/drawing/2014/main" id="{D12DACA7-CA87-A7FD-4309-64A0F47FC494}"/>
+              </a:ext>
+            </a:extLst>
+          </p:cNvPr>
+          <p:cNvPicPr>
+            <a:picLocks noGrp="1" noChangeAspect="1"/>
+          </p:cNvPicPr>
+          <p:nvPr>
+            <p:ph idx="1"/>
+          </p:nvPr>
+        </p:nvPicPr>
+        <p:blipFill>
+          <a:blip r:embed="rId6">
+            <a:extLst>
+              <a:ext uri="{28A0092B-C50C-407E-A947-70E740481C1C}">
+                <a14:useLocalDpi xmlns:a14="http://schemas.microsoft.com/office/drawing/2010/main" val="0"/>
+              </a:ext>
+            </a:extLst>
+          </a:blip>
+          <a:stretch>
+            <a:fillRect/>
+          </a:stretch>
+        </p:blipFill>
+        <p:spPr>
+          <a:xfrm>
+            <a:off x="5941668" y="1688912"/>
+            <a:ext cx="2448000" cy="2448000"/>
+          </a:xfrm>
+        </p:spPr>
+      </p:pic>
+      <p:pic>
+        <p:nvPicPr>
+          <p:cNvPr id="14" name="Picture 13" descr="A graph with blue and white bars&#10;&#10;Description automatically generated">
+            <a:extLst>
+              <a:ext uri="{FF2B5EF4-FFF2-40B4-BE49-F238E27FC236}">
+                <a16:creationId xmlns:a16="http://schemas.microsoft.com/office/drawing/2014/main" id="{E2AEAB7A-02A9-B600-8F8D-59CE40320BB3}"/>
+              </a:ext>
+            </a:extLst>
+          </p:cNvPr>
+          <p:cNvPicPr>
+            <a:picLocks noChangeAspect="1"/>
+          </p:cNvPicPr>
+          <p:nvPr/>
+        </p:nvPicPr>
+        <p:blipFill>
+          <a:blip r:embed="rId7">
+            <a:extLst>
+              <a:ext uri="{28A0092B-C50C-407E-A947-70E740481C1C}">
+                <a14:useLocalDpi xmlns:a14="http://schemas.microsoft.com/office/drawing/2010/main" val="0"/>
+              </a:ext>
+            </a:extLst>
+          </a:blip>
+          <a:stretch>
+            <a:fillRect/>
+          </a:stretch>
+        </p:blipFill>
+        <p:spPr>
+          <a:xfrm>
+            <a:off x="8389668" y="1688912"/>
+            <a:ext cx="2448000" cy="2448000"/>
+          </a:xfrm>
+          <a:prstGeom prst="rect">
+            <a:avLst/>
+          </a:prstGeom>
+        </p:spPr>
+      </p:pic>
+      <p:pic>
+        <p:nvPicPr>
+          <p:cNvPr id="15" name="Picture 14" descr="A graph with blue and white bars&#10;&#10;Description automatically generated">
+            <a:extLst>
+              <a:ext uri="{FF2B5EF4-FFF2-40B4-BE49-F238E27FC236}">
+                <a16:creationId xmlns:a16="http://schemas.microsoft.com/office/drawing/2014/main" id="{54C8B265-C4F1-4B6F-6394-DD0AD755B3C5}"/>
+              </a:ext>
+            </a:extLst>
+          </p:cNvPr>
+          <p:cNvPicPr>
+            <a:picLocks noChangeAspect="1"/>
+          </p:cNvPicPr>
+          <p:nvPr/>
+        </p:nvPicPr>
+        <p:blipFill>
+          <a:blip r:embed="rId8">
+            <a:extLst>
+              <a:ext uri="{28A0092B-C50C-407E-A947-70E740481C1C}">
+                <a14:useLocalDpi xmlns:a14="http://schemas.microsoft.com/office/drawing/2010/main" val="0"/>
+              </a:ext>
+            </a:extLst>
+          </a:blip>
+          <a:stretch>
+            <a:fillRect/>
+          </a:stretch>
+        </p:blipFill>
+        <p:spPr>
+          <a:xfrm>
+            <a:off x="5941668" y="4136912"/>
+            <a:ext cx="2448000" cy="2448000"/>
+          </a:xfrm>
+          <a:prstGeom prst="rect">
+            <a:avLst/>
+          </a:prstGeom>
+        </p:spPr>
+      </p:pic>
+      <p:pic>
+        <p:nvPicPr>
+          <p:cNvPr id="16" name="Picture 15" descr="A graph with blue bars&#10;&#10;Description automatically generated">
+            <a:extLst>
+              <a:ext uri="{FF2B5EF4-FFF2-40B4-BE49-F238E27FC236}">
+                <a16:creationId xmlns:a16="http://schemas.microsoft.com/office/drawing/2014/main" id="{9ACF1837-ED82-79A9-87C7-1B2243A24A4C}"/>
+              </a:ext>
+            </a:extLst>
+          </p:cNvPr>
+          <p:cNvPicPr>
+            <a:picLocks noChangeAspect="1"/>
+          </p:cNvPicPr>
+          <p:nvPr/>
+        </p:nvPicPr>
+        <p:blipFill>
+          <a:blip r:embed="rId9">
+            <a:extLst>
+              <a:ext uri="{28A0092B-C50C-407E-A947-70E740481C1C}">
+                <a14:useLocalDpi xmlns:a14="http://schemas.microsoft.com/office/drawing/2010/main" val="0"/>
+              </a:ext>
+            </a:extLst>
+          </a:blip>
+          <a:stretch>
+            <a:fillRect/>
+          </a:stretch>
+        </p:blipFill>
+        <p:spPr>
+          <a:xfrm>
+            <a:off x="8389668" y="4136912"/>
+            <a:ext cx="2448000" cy="2448000"/>
+          </a:xfrm>
+          <a:prstGeom prst="rect">
+            <a:avLst/>
+          </a:prstGeom>
+        </p:spPr>
+      </p:pic>
+    </p:spTree>
+    <p:extLst>
+      <p:ext uri="{BB962C8B-B14F-4D97-AF65-F5344CB8AC3E}">
+        <p14:creationId xmlns:p14="http://schemas.microsoft.com/office/powerpoint/2010/main" val="183255564"/>
+      </p:ext>
+    </p:extLst>
+  </p:cSld>
+  <p:clrMapOvr>
+    <a:masterClrMapping/>
+  </p:clrMapOvr>
+</p:sld>
+</file>
+
+<file path=ppt/slides/slide14.xml><?xml version="1.0" encoding="utf-8"?>
+<p:sld xmlns:a="http://schemas.openxmlformats.org/drawingml/2006/main" xmlns:r="http://schemas.openxmlformats.org/officeDocument/2006/relationships" xmlns:p="http://schemas.openxmlformats.org/presentationml/2006/main">
+  <p:cSld>
+    <p:spTree>
+      <p:nvGrpSpPr>
+        <p:cNvPr id="1" name=""/>
+        <p:cNvGrpSpPr/>
+        <p:nvPr/>
+      </p:nvGrpSpPr>
+      <p:grpSpPr>
+        <a:xfrm>
+          <a:off x="0" y="0"/>
+          <a:ext cx="0" cy="0"/>
+          <a:chOff x="0" y="0"/>
+          <a:chExt cx="0" cy="0"/>
+        </a:xfrm>
+      </p:grpSpPr>
+      <p:sp>
+        <p:nvSpPr>
+          <p:cNvPr id="2" name="Title 1">
+            <a:extLst>
+              <a:ext uri="{FF2B5EF4-FFF2-40B4-BE49-F238E27FC236}">
+                <a16:creationId xmlns:a16="http://schemas.microsoft.com/office/drawing/2014/main" id="{7D2E6EAE-A1D2-847A-FBF1-2E563D25AB6B}"/>
+              </a:ext>
+            </a:extLst>
+          </p:cNvPr>
+          <p:cNvSpPr>
+            <a:spLocks noGrp="1"/>
+          </p:cNvSpPr>
+          <p:nvPr>
+            <p:ph type="title"/>
+          </p:nvPr>
+        </p:nvSpPr>
+        <p:spPr/>
+        <p:txBody>
+          <a:bodyPr/>
+          <a:lstStyle/>
+          <a:p>
+            <a:r>
+              <a:rPr lang="en-GB" dirty="0" err="1"/>
+              <a:t>Erste</a:t>
+            </a:r>
+            <a:r>
+              <a:rPr lang="en-GB" dirty="0"/>
+              <a:t> Diagnose, wenn AUB </a:t>
+            </a:r>
+            <a:r>
+              <a:rPr lang="en-GB" dirty="0" err="1"/>
+              <a:t>ausgestellt</a:t>
+            </a:r>
+            <a:r>
+              <a:rPr lang="en-GB" dirty="0"/>
+              <a:t> wurde</a:t>
+            </a:r>
+            <a:endParaRPr lang="LID4096" dirty="0"/>
+          </a:p>
+        </p:txBody>
+      </p:sp>
+      <p:pic>
+        <p:nvPicPr>
+          <p:cNvPr id="14" name="Content Placeholder 13" descr="A graph with blue and white bars&#10;&#10;Description automatically generated">
+            <a:extLst>
+              <a:ext uri="{FF2B5EF4-FFF2-40B4-BE49-F238E27FC236}">
+                <a16:creationId xmlns:a16="http://schemas.microsoft.com/office/drawing/2014/main" id="{6C765310-CAC9-B6C0-C85F-047ABDBA7091}"/>
+              </a:ext>
+            </a:extLst>
+          </p:cNvPr>
+          <p:cNvPicPr>
+            <a:picLocks noGrp="1" noChangeAspect="1"/>
+          </p:cNvPicPr>
+          <p:nvPr>
+            <p:ph sz="half" idx="2"/>
+          </p:nvPr>
+        </p:nvPicPr>
+        <p:blipFill>
+          <a:blip r:embed="rId2">
+            <a:extLst>
+              <a:ext uri="{28A0092B-C50C-407E-A947-70E740481C1C}">
+                <a14:useLocalDpi xmlns:a14="http://schemas.microsoft.com/office/drawing/2010/main" val="0"/>
+              </a:ext>
+            </a:extLst>
+          </a:blip>
+          <a:stretch>
+            <a:fillRect/>
+          </a:stretch>
+        </p:blipFill>
+        <p:spPr>
+          <a:xfrm>
+            <a:off x="6587331" y="1825625"/>
+            <a:ext cx="4351338" cy="4351338"/>
+          </a:xfrm>
+        </p:spPr>
+      </p:pic>
+      <p:pic>
+        <p:nvPicPr>
+          <p:cNvPr id="12" name="Content Placeholder 11" descr="A graph with blue and white bars&#10;&#10;Description automatically generated">
+            <a:extLst>
+              <a:ext uri="{FF2B5EF4-FFF2-40B4-BE49-F238E27FC236}">
+                <a16:creationId xmlns:a16="http://schemas.microsoft.com/office/drawing/2014/main" id="{34C82B34-EBE9-CF5D-C397-C894E1A4080C}"/>
+              </a:ext>
+            </a:extLst>
+          </p:cNvPr>
+          <p:cNvPicPr>
+            <a:picLocks noGrp="1" noChangeAspect="1"/>
+          </p:cNvPicPr>
+          <p:nvPr>
+            <p:ph sz="half" idx="1"/>
+          </p:nvPr>
+        </p:nvPicPr>
+        <p:blipFill>
+          <a:blip r:embed="rId3">
+            <a:extLst>
+              <a:ext uri="{28A0092B-C50C-407E-A947-70E740481C1C}">
+                <a14:useLocalDpi xmlns:a14="http://schemas.microsoft.com/office/drawing/2010/main" val="0"/>
+              </a:ext>
+            </a:extLst>
+          </a:blip>
+          <a:stretch>
+            <a:fillRect/>
+          </a:stretch>
+        </p:blipFill>
+        <p:spPr>
+          <a:xfrm>
+            <a:off x="1253331" y="1825625"/>
+            <a:ext cx="4351338" cy="4351338"/>
+          </a:xfrm>
+        </p:spPr>
+      </p:pic>
+    </p:spTree>
+    <p:extLst>
+      <p:ext uri="{BB962C8B-B14F-4D97-AF65-F5344CB8AC3E}">
+        <p14:creationId xmlns:p14="http://schemas.microsoft.com/office/powerpoint/2010/main" val="3246832988"/>
+      </p:ext>
+    </p:extLst>
+  </p:cSld>
+  <p:clrMapOvr>
+    <a:masterClrMapping/>
+  </p:clrMapOvr>
+</p:sld>
+</file>
+
+<file path=ppt/slides/slide15.xml><?xml version="1.0" encoding="utf-8"?>
+<p:sld xmlns:a="http://schemas.openxmlformats.org/drawingml/2006/main" xmlns:r="http://schemas.openxmlformats.org/officeDocument/2006/relationships" xmlns:p="http://schemas.openxmlformats.org/presentationml/2006/main">
+  <p:cSld>
+    <p:spTree>
+      <p:nvGrpSpPr>
+        <p:cNvPr id="1" name=""/>
+        <p:cNvGrpSpPr/>
+        <p:nvPr/>
+      </p:nvGrpSpPr>
+      <p:grpSpPr>
+        <a:xfrm>
+          <a:off x="0" y="0"/>
+          <a:ext cx="0" cy="0"/>
+          <a:chOff x="0" y="0"/>
+          <a:chExt cx="0" cy="0"/>
+        </a:xfrm>
+      </p:grpSpPr>
+      <p:sp>
+        <p:nvSpPr>
+          <p:cNvPr id="2" name="Title 1">
+            <a:extLst>
+              <a:ext uri="{FF2B5EF4-FFF2-40B4-BE49-F238E27FC236}">
+                <a16:creationId xmlns:a16="http://schemas.microsoft.com/office/drawing/2014/main" id="{7D2E6EAE-A1D2-847A-FBF1-2E563D25AB6B}"/>
+              </a:ext>
+            </a:extLst>
+          </p:cNvPr>
+          <p:cNvSpPr>
+            <a:spLocks noGrp="1"/>
+          </p:cNvSpPr>
+          <p:nvPr>
+            <p:ph type="title"/>
+          </p:nvPr>
+        </p:nvSpPr>
+        <p:spPr/>
+        <p:txBody>
+          <a:bodyPr/>
+          <a:lstStyle/>
+          <a:p>
+            <a:r>
+              <a:rPr lang="en-GB" dirty="0" err="1"/>
+              <a:t>Erste</a:t>
+            </a:r>
+            <a:r>
+              <a:rPr lang="en-GB" dirty="0"/>
+              <a:t> Diagnose, wenn AUB </a:t>
+            </a:r>
+            <a:r>
+              <a:rPr lang="en-GB" dirty="0" err="1"/>
+              <a:t>ausgestellt</a:t>
+            </a:r>
+            <a:r>
+              <a:rPr lang="en-GB" dirty="0"/>
+              <a:t> wurde</a:t>
+            </a:r>
+            <a:endParaRPr lang="LID4096" dirty="0"/>
+          </a:p>
+        </p:txBody>
+      </p:sp>
+      <p:pic>
+        <p:nvPicPr>
+          <p:cNvPr id="6" name="Content Placeholder 5" descr="A graph with blue lines&#10;&#10;Description automatically generated">
+            <a:extLst>
+              <a:ext uri="{FF2B5EF4-FFF2-40B4-BE49-F238E27FC236}">
+                <a16:creationId xmlns:a16="http://schemas.microsoft.com/office/drawing/2014/main" id="{5E3A12DA-3091-E5E8-DBDB-40CAE6A5C4D3}"/>
+              </a:ext>
+            </a:extLst>
+          </p:cNvPr>
+          <p:cNvPicPr>
+            <a:picLocks noGrp="1" noChangeAspect="1"/>
+          </p:cNvPicPr>
+          <p:nvPr>
+            <p:ph sz="half" idx="1"/>
+          </p:nvPr>
+        </p:nvPicPr>
+        <p:blipFill>
+          <a:blip r:embed="rId2">
+            <a:extLst>
+              <a:ext uri="{28A0092B-C50C-407E-A947-70E740481C1C}">
+                <a14:useLocalDpi xmlns:a14="http://schemas.microsoft.com/office/drawing/2010/main" val="0"/>
+              </a:ext>
+            </a:extLst>
+          </a:blip>
+          <a:stretch>
+            <a:fillRect/>
+          </a:stretch>
+        </p:blipFill>
+        <p:spPr>
+          <a:xfrm>
+            <a:off x="1253331" y="1825625"/>
+            <a:ext cx="4351338" cy="4351338"/>
+          </a:xfrm>
+        </p:spPr>
+      </p:pic>
+      <p:pic>
+        <p:nvPicPr>
+          <p:cNvPr id="8" name="Content Placeholder 7" descr="A graph with numbers and lines&#10;&#10;Description automatically generated">
+            <a:extLst>
+              <a:ext uri="{FF2B5EF4-FFF2-40B4-BE49-F238E27FC236}">
+                <a16:creationId xmlns:a16="http://schemas.microsoft.com/office/drawing/2014/main" id="{96197770-9671-C1F7-604C-B3515D5A29BA}"/>
+              </a:ext>
+            </a:extLst>
+          </p:cNvPr>
+          <p:cNvPicPr>
+            <a:picLocks noGrp="1" noChangeAspect="1"/>
+          </p:cNvPicPr>
+          <p:nvPr>
+            <p:ph sz="half" idx="2"/>
+          </p:nvPr>
+        </p:nvPicPr>
+        <p:blipFill>
+          <a:blip r:embed="rId3">
+            <a:extLst>
+              <a:ext uri="{28A0092B-C50C-407E-A947-70E740481C1C}">
+                <a14:useLocalDpi xmlns:a14="http://schemas.microsoft.com/office/drawing/2010/main" val="0"/>
+              </a:ext>
+            </a:extLst>
+          </a:blip>
+          <a:stretch>
+            <a:fillRect/>
+          </a:stretch>
+        </p:blipFill>
+        <p:spPr>
+          <a:xfrm>
+            <a:off x="6587331" y="1825625"/>
+            <a:ext cx="4351338" cy="4351338"/>
+          </a:xfrm>
+        </p:spPr>
+      </p:pic>
+    </p:spTree>
+    <p:extLst>
+      <p:ext uri="{BB962C8B-B14F-4D97-AF65-F5344CB8AC3E}">
+        <p14:creationId xmlns:p14="http://schemas.microsoft.com/office/powerpoint/2010/main" val="482830045"/>
+      </p:ext>
+    </p:extLst>
+  </p:cSld>
+  <p:clrMapOvr>
+    <a:masterClrMapping/>
+  </p:clrMapOvr>
+</p:sld>
+</file>
+
+<file path=ppt/slides/slide16.xml><?xml version="1.0" encoding="utf-8"?>
+<p:sld xmlns:a="http://schemas.openxmlformats.org/drawingml/2006/main" xmlns:r="http://schemas.openxmlformats.org/officeDocument/2006/relationships" xmlns:p="http://schemas.openxmlformats.org/presentationml/2006/main">
+  <p:cSld>
+    <p:spTree>
+      <p:nvGrpSpPr>
+        <p:cNvPr id="1" name=""/>
+        <p:cNvGrpSpPr/>
+        <p:nvPr/>
+      </p:nvGrpSpPr>
+      <p:grpSpPr>
+        <a:xfrm>
+          <a:off x="0" y="0"/>
+          <a:ext cx="0" cy="0"/>
+          <a:chOff x="0" y="0"/>
+          <a:chExt cx="0" cy="0"/>
+        </a:xfrm>
+      </p:grpSpPr>
+      <p:sp>
+        <p:nvSpPr>
+          <p:cNvPr id="2" name="Title 1">
+            <a:extLst>
+              <a:ext uri="{FF2B5EF4-FFF2-40B4-BE49-F238E27FC236}">
+                <a16:creationId xmlns:a16="http://schemas.microsoft.com/office/drawing/2014/main" id="{7D2E6EAE-A1D2-847A-FBF1-2E563D25AB6B}"/>
+              </a:ext>
+            </a:extLst>
+          </p:cNvPr>
+          <p:cNvSpPr>
+            <a:spLocks noGrp="1"/>
+          </p:cNvSpPr>
+          <p:nvPr>
+            <p:ph type="title"/>
+          </p:nvPr>
+        </p:nvSpPr>
+        <p:spPr/>
+        <p:txBody>
+          <a:bodyPr/>
+          <a:lstStyle/>
+          <a:p>
+            <a:r>
+              <a:rPr lang="en-GB" dirty="0" err="1"/>
+              <a:t>Erste</a:t>
+            </a:r>
+            <a:r>
+              <a:rPr lang="en-GB" dirty="0"/>
+              <a:t> Diagnose, wenn </a:t>
+            </a:r>
+            <a:r>
+              <a:rPr lang="en-GB" dirty="0" err="1"/>
+              <a:t>keine</a:t>
+            </a:r>
+            <a:r>
+              <a:rPr lang="en-GB" dirty="0"/>
+              <a:t> AUB </a:t>
+            </a:r>
+            <a:r>
+              <a:rPr lang="en-GB" dirty="0" err="1"/>
+              <a:t>ausgestellt</a:t>
+            </a:r>
+            <a:r>
+              <a:rPr lang="en-GB" dirty="0"/>
+              <a:t> wurde</a:t>
+            </a:r>
+            <a:endParaRPr lang="LID4096" dirty="0"/>
+          </a:p>
+        </p:txBody>
+      </p:sp>
+      <p:pic>
+        <p:nvPicPr>
+          <p:cNvPr id="6" name="Content Placeholder 5" descr="A graph with blue and white bars&#10;&#10;Description automatically generated">
+            <a:extLst>
+              <a:ext uri="{FF2B5EF4-FFF2-40B4-BE49-F238E27FC236}">
+                <a16:creationId xmlns:a16="http://schemas.microsoft.com/office/drawing/2014/main" id="{41D2A619-EB72-5568-5B53-085853234B8B}"/>
+              </a:ext>
+            </a:extLst>
+          </p:cNvPr>
+          <p:cNvPicPr>
+            <a:picLocks noGrp="1" noChangeAspect="1"/>
+          </p:cNvPicPr>
+          <p:nvPr>
+            <p:ph sz="half" idx="1"/>
+          </p:nvPr>
+        </p:nvPicPr>
+        <p:blipFill>
+          <a:blip r:embed="rId2">
+            <a:extLst>
+              <a:ext uri="{28A0092B-C50C-407E-A947-70E740481C1C}">
+                <a14:useLocalDpi xmlns:a14="http://schemas.microsoft.com/office/drawing/2010/main" val="0"/>
+              </a:ext>
+            </a:extLst>
+          </a:blip>
+          <a:stretch>
+            <a:fillRect/>
+          </a:stretch>
+        </p:blipFill>
+        <p:spPr>
+          <a:xfrm>
+            <a:off x="1253331" y="1825625"/>
+            <a:ext cx="4351338" cy="4351338"/>
+          </a:xfrm>
+        </p:spPr>
+      </p:pic>
+      <p:pic>
+        <p:nvPicPr>
+          <p:cNvPr id="10" name="Content Placeholder 9" descr="A graph with blue and white bars&#10;&#10;Description automatically generated">
+            <a:extLst>
+              <a:ext uri="{FF2B5EF4-FFF2-40B4-BE49-F238E27FC236}">
+                <a16:creationId xmlns:a16="http://schemas.microsoft.com/office/drawing/2014/main" id="{8FA3714F-ED0C-C74E-E335-B53C14FF4106}"/>
+              </a:ext>
+            </a:extLst>
+          </p:cNvPr>
+          <p:cNvPicPr>
+            <a:picLocks noGrp="1" noChangeAspect="1"/>
+          </p:cNvPicPr>
+          <p:nvPr>
+            <p:ph sz="half" idx="2"/>
+          </p:nvPr>
+        </p:nvPicPr>
+        <p:blipFill>
+          <a:blip r:embed="rId3">
+            <a:extLst>
+              <a:ext uri="{28A0092B-C50C-407E-A947-70E740481C1C}">
+                <a14:useLocalDpi xmlns:a14="http://schemas.microsoft.com/office/drawing/2010/main" val="0"/>
+              </a:ext>
+            </a:extLst>
+          </a:blip>
+          <a:stretch>
+            <a:fillRect/>
+          </a:stretch>
+        </p:blipFill>
+        <p:spPr>
+          <a:xfrm>
+            <a:off x="6587331" y="1825625"/>
+            <a:ext cx="4351338" cy="4351338"/>
+          </a:xfrm>
+        </p:spPr>
+      </p:pic>
+    </p:spTree>
+    <p:extLst>
+      <p:ext uri="{BB962C8B-B14F-4D97-AF65-F5344CB8AC3E}">
+        <p14:creationId xmlns:p14="http://schemas.microsoft.com/office/powerpoint/2010/main" val="4279060462"/>
+      </p:ext>
+    </p:extLst>
+  </p:cSld>
+  <p:clrMapOvr>
+    <a:masterClrMapping/>
+  </p:clrMapOvr>
+</p:sld>
+</file>
+
+<file path=ppt/slides/slide17.xml><?xml version="1.0" encoding="utf-8"?>
+<p:sld xmlns:a="http://schemas.openxmlformats.org/drawingml/2006/main" xmlns:r="http://schemas.openxmlformats.org/officeDocument/2006/relationships" xmlns:p="http://schemas.openxmlformats.org/presentationml/2006/main">
+  <p:cSld>
+    <p:spTree>
+      <p:nvGrpSpPr>
+        <p:cNvPr id="1" name=""/>
+        <p:cNvGrpSpPr/>
+        <p:nvPr/>
+      </p:nvGrpSpPr>
+      <p:grpSpPr>
+        <a:xfrm>
+          <a:off x="0" y="0"/>
+          <a:ext cx="0" cy="0"/>
+          <a:chOff x="0" y="0"/>
+          <a:chExt cx="0" cy="0"/>
+        </a:xfrm>
+      </p:grpSpPr>
+      <p:sp>
+        <p:nvSpPr>
+          <p:cNvPr id="2" name="Title 1">
+            <a:extLst>
+              <a:ext uri="{FF2B5EF4-FFF2-40B4-BE49-F238E27FC236}">
+                <a16:creationId xmlns:a16="http://schemas.microsoft.com/office/drawing/2014/main" id="{7D2E6EAE-A1D2-847A-FBF1-2E563D25AB6B}"/>
+              </a:ext>
+            </a:extLst>
+          </p:cNvPr>
+          <p:cNvSpPr>
+            <a:spLocks noGrp="1"/>
+          </p:cNvSpPr>
+          <p:nvPr>
+            <p:ph type="title"/>
+          </p:nvPr>
+        </p:nvSpPr>
+        <p:spPr/>
+        <p:txBody>
+          <a:bodyPr/>
+          <a:lstStyle/>
+          <a:p>
+            <a:r>
+              <a:rPr lang="en-GB" dirty="0" err="1"/>
+              <a:t>Erste</a:t>
+            </a:r>
+            <a:r>
+              <a:rPr lang="en-GB" dirty="0"/>
+              <a:t> Diagnose, wenn </a:t>
+            </a:r>
+            <a:r>
+              <a:rPr lang="en-GB" dirty="0" err="1"/>
+              <a:t>keine</a:t>
+            </a:r>
+            <a:r>
+              <a:rPr lang="en-GB" dirty="0"/>
+              <a:t> AUB </a:t>
+            </a:r>
+            <a:r>
+              <a:rPr lang="en-GB" dirty="0" err="1"/>
+              <a:t>ausgestellt</a:t>
+            </a:r>
+            <a:r>
+              <a:rPr lang="en-GB" dirty="0"/>
+              <a:t> wurde</a:t>
+            </a:r>
+            <a:endParaRPr lang="LID4096" dirty="0"/>
+          </a:p>
+        </p:txBody>
+      </p:sp>
+      <p:pic>
+        <p:nvPicPr>
+          <p:cNvPr id="18" name="Content Placeholder 17" descr="A graph with blue lines&#10;&#10;Description automatically generated">
+            <a:extLst>
+              <a:ext uri="{FF2B5EF4-FFF2-40B4-BE49-F238E27FC236}">
+                <a16:creationId xmlns:a16="http://schemas.microsoft.com/office/drawing/2014/main" id="{7D7502F7-AF4A-9AB6-5C04-D198DDBAB931}"/>
+              </a:ext>
+            </a:extLst>
+          </p:cNvPr>
+          <p:cNvPicPr>
+            <a:picLocks noGrp="1" noChangeAspect="1"/>
+          </p:cNvPicPr>
+          <p:nvPr>
+            <p:ph sz="half" idx="2"/>
+          </p:nvPr>
+        </p:nvPicPr>
+        <p:blipFill>
+          <a:blip r:embed="rId2">
+            <a:extLst>
+              <a:ext uri="{28A0092B-C50C-407E-A947-70E740481C1C}">
+                <a14:useLocalDpi xmlns:a14="http://schemas.microsoft.com/office/drawing/2010/main" val="0"/>
+              </a:ext>
+            </a:extLst>
+          </a:blip>
+          <a:stretch>
+            <a:fillRect/>
+          </a:stretch>
+        </p:blipFill>
+        <p:spPr>
+          <a:xfrm>
+            <a:off x="6587331" y="1825625"/>
+            <a:ext cx="4351338" cy="4351338"/>
+          </a:xfrm>
+        </p:spPr>
+      </p:pic>
+      <p:pic>
+        <p:nvPicPr>
+          <p:cNvPr id="20" name="Content Placeholder 19" descr="A graph with blue lines&#10;&#10;Description automatically generated">
+            <a:extLst>
+              <a:ext uri="{FF2B5EF4-FFF2-40B4-BE49-F238E27FC236}">
+                <a16:creationId xmlns:a16="http://schemas.microsoft.com/office/drawing/2014/main" id="{D946A00E-087A-AFB2-B895-4067C9E8519F}"/>
+              </a:ext>
+            </a:extLst>
+          </p:cNvPr>
+          <p:cNvPicPr>
+            <a:picLocks noGrp="1" noChangeAspect="1"/>
+          </p:cNvPicPr>
+          <p:nvPr>
+            <p:ph sz="half" idx="1"/>
+          </p:nvPr>
+        </p:nvPicPr>
+        <p:blipFill>
+          <a:blip r:embed="rId3">
+            <a:extLst>
+              <a:ext uri="{28A0092B-C50C-407E-A947-70E740481C1C}">
+                <a14:useLocalDpi xmlns:a14="http://schemas.microsoft.com/office/drawing/2010/main" val="0"/>
+              </a:ext>
+            </a:extLst>
+          </a:blip>
+          <a:stretch>
+            <a:fillRect/>
+          </a:stretch>
+        </p:blipFill>
+        <p:spPr>
+          <a:xfrm>
+            <a:off x="1253331" y="1825625"/>
+            <a:ext cx="4351338" cy="4351338"/>
+          </a:xfrm>
+        </p:spPr>
+      </p:pic>
+    </p:spTree>
+    <p:extLst>
+      <p:ext uri="{BB962C8B-B14F-4D97-AF65-F5344CB8AC3E}">
+        <p14:creationId xmlns:p14="http://schemas.microsoft.com/office/powerpoint/2010/main" val="340051778"/>
+      </p:ext>
+    </p:extLst>
+  </p:cSld>
+  <p:clrMapOvr>
+    <a:masterClrMapping/>
+  </p:clrMapOvr>
+</p:sld>
+</file>
+
+<file path=ppt/slides/slide18.xml><?xml version="1.0" encoding="utf-8"?>
+<p:sld xmlns:a="http://schemas.openxmlformats.org/drawingml/2006/main" xmlns:r="http://schemas.openxmlformats.org/officeDocument/2006/relationships" xmlns:p="http://schemas.openxmlformats.org/presentationml/2006/main">
+  <p:cSld>
+    <p:spTree>
+      <p:nvGrpSpPr>
+        <p:cNvPr id="1" name=""/>
+        <p:cNvGrpSpPr/>
+        <p:nvPr/>
+      </p:nvGrpSpPr>
+      <p:grpSpPr>
+        <a:xfrm>
+          <a:off x="0" y="0"/>
+          <a:ext cx="0" cy="0"/>
+          <a:chOff x="0" y="0"/>
+          <a:chExt cx="0" cy="0"/>
+        </a:xfrm>
+      </p:grpSpPr>
+      <p:sp>
+        <p:nvSpPr>
+          <p:cNvPr id="2" name="Title 1">
+            <a:extLst>
+              <a:ext uri="{FF2B5EF4-FFF2-40B4-BE49-F238E27FC236}">
+                <a16:creationId xmlns:a16="http://schemas.microsoft.com/office/drawing/2014/main" id="{01493E52-7022-5DD6-1C8B-BE4120B02F09}"/>
+              </a:ext>
+            </a:extLst>
+          </p:cNvPr>
+          <p:cNvSpPr>
+            <a:spLocks noGrp="1"/>
+          </p:cNvSpPr>
+          <p:nvPr>
+            <p:ph type="title"/>
+          </p:nvPr>
+        </p:nvSpPr>
+        <p:spPr/>
+        <p:txBody>
+          <a:bodyPr/>
+          <a:lstStyle/>
+          <a:p>
+            <a:r>
+              <a:rPr lang="en-GB" dirty="0" err="1"/>
+              <a:t>Eskalation</a:t>
+            </a:r>
+            <a:endParaRPr lang="LID4096" dirty="0"/>
+          </a:p>
+        </p:txBody>
+      </p:sp>
+      <p:sp>
+        <p:nvSpPr>
+          <p:cNvPr id="3" name="Text Placeholder 2">
+            <a:extLst>
+              <a:ext uri="{FF2B5EF4-FFF2-40B4-BE49-F238E27FC236}">
+                <a16:creationId xmlns:a16="http://schemas.microsoft.com/office/drawing/2014/main" id="{18378BFF-B25C-0A66-0933-B69637B3D650}"/>
+              </a:ext>
+            </a:extLst>
+          </p:cNvPr>
+          <p:cNvSpPr>
+            <a:spLocks noGrp="1"/>
+          </p:cNvSpPr>
+          <p:nvPr>
+            <p:ph type="body" idx="1"/>
+          </p:nvPr>
+        </p:nvSpPr>
+        <p:spPr/>
+        <p:txBody>
+          <a:bodyPr/>
+          <a:lstStyle/>
+          <a:p>
+            <a:endParaRPr lang="LID4096"/>
+          </a:p>
+        </p:txBody>
+      </p:sp>
+    </p:spTree>
+    <p:extLst>
+      <p:ext uri="{BB962C8B-B14F-4D97-AF65-F5344CB8AC3E}">
+        <p14:creationId xmlns:p14="http://schemas.microsoft.com/office/powerpoint/2010/main" val="2319385677"/>
+      </p:ext>
+    </p:extLst>
+  </p:cSld>
+  <p:clrMapOvr>
+    <a:masterClrMapping/>
+  </p:clrMapOvr>
+</p:sld>
+</file>
+
+<file path=ppt/slides/slide19.xml><?xml version="1.0" encoding="utf-8"?>
+<p:sld xmlns:a="http://schemas.openxmlformats.org/drawingml/2006/main" xmlns:r="http://schemas.openxmlformats.org/officeDocument/2006/relationships" xmlns:p="http://schemas.openxmlformats.org/presentationml/2006/main">
+  <p:cSld>
+    <p:spTree>
+      <p:nvGrpSpPr>
+        <p:cNvPr id="1" name=""/>
+        <p:cNvGrpSpPr/>
+        <p:nvPr/>
+      </p:nvGrpSpPr>
+      <p:grpSpPr>
+        <a:xfrm>
+          <a:off x="0" y="0"/>
+          <a:ext cx="0" cy="0"/>
+          <a:chOff x="0" y="0"/>
+          <a:chExt cx="0" cy="0"/>
+        </a:xfrm>
+      </p:grpSpPr>
+      <p:sp>
+        <p:nvSpPr>
+          <p:cNvPr id="2" name="Title 1">
+            <a:extLst>
+              <a:ext uri="{FF2B5EF4-FFF2-40B4-BE49-F238E27FC236}">
+                <a16:creationId xmlns:a16="http://schemas.microsoft.com/office/drawing/2014/main" id="{01145EDD-E38F-CCF4-469B-8CC262F64367}"/>
+              </a:ext>
+            </a:extLst>
+          </p:cNvPr>
+          <p:cNvSpPr>
+            <a:spLocks noGrp="1"/>
+          </p:cNvSpPr>
+          <p:nvPr>
+            <p:ph type="title"/>
+          </p:nvPr>
+        </p:nvSpPr>
+        <p:spPr/>
+        <p:txBody>
+          <a:bodyPr/>
+          <a:lstStyle/>
+          <a:p>
+            <a:r>
+              <a:rPr lang="en-GB" dirty="0" err="1"/>
+              <a:t>Anzahl</a:t>
+            </a:r>
+            <a:r>
+              <a:rPr lang="en-GB" dirty="0"/>
+              <a:t> </a:t>
+            </a:r>
+            <a:r>
+              <a:rPr lang="en-GB" dirty="0" err="1"/>
+              <a:t>Besuche</a:t>
+            </a:r>
+            <a:r>
+              <a:rPr lang="en-GB" dirty="0"/>
+              <a:t> </a:t>
+            </a:r>
+            <a:r>
+              <a:rPr lang="en-GB" dirty="0" err="1"/>
+              <a:t>mit</a:t>
+            </a:r>
+            <a:r>
+              <a:rPr lang="en-GB" dirty="0"/>
+              <a:t> </a:t>
+            </a:r>
+            <a:r>
+              <a:rPr lang="en-GB" dirty="0" err="1"/>
+              <a:t>aufgezeichneten</a:t>
+            </a:r>
+            <a:r>
+              <a:rPr lang="en-GB" dirty="0"/>
+              <a:t> </a:t>
+            </a:r>
+            <a:r>
+              <a:rPr lang="en-GB" dirty="0" err="1"/>
+              <a:t>Diagnosen</a:t>
+            </a:r>
+            <a:endParaRPr lang="LID4096" dirty="0"/>
+          </a:p>
+        </p:txBody>
+      </p:sp>
+      <p:pic>
+        <p:nvPicPr>
+          <p:cNvPr id="6" name="Content Placeholder 5" descr="A graph of a number of numbers&#10;&#10;Description automatically generated">
+            <a:extLst>
+              <a:ext uri="{FF2B5EF4-FFF2-40B4-BE49-F238E27FC236}">
+                <a16:creationId xmlns:a16="http://schemas.microsoft.com/office/drawing/2014/main" id="{5A1AD360-083D-7DDB-4F57-7DFC23BF42B3}"/>
+              </a:ext>
+            </a:extLst>
+          </p:cNvPr>
+          <p:cNvPicPr>
+            <a:picLocks noGrp="1" noChangeAspect="1"/>
+          </p:cNvPicPr>
+          <p:nvPr>
+            <p:ph sz="half" idx="1"/>
+          </p:nvPr>
+        </p:nvPicPr>
+        <p:blipFill>
+          <a:blip r:embed="rId2">
+            <a:extLst>
+              <a:ext uri="{28A0092B-C50C-407E-A947-70E740481C1C}">
+                <a14:useLocalDpi xmlns:a14="http://schemas.microsoft.com/office/drawing/2010/main" val="0"/>
+              </a:ext>
+            </a:extLst>
+          </a:blip>
+          <a:stretch>
+            <a:fillRect/>
+          </a:stretch>
+        </p:blipFill>
+        <p:spPr>
+          <a:xfrm>
+            <a:off x="1253331" y="1825625"/>
+            <a:ext cx="4351338" cy="4351338"/>
+          </a:xfrm>
+        </p:spPr>
+      </p:pic>
+      <p:pic>
+        <p:nvPicPr>
+          <p:cNvPr id="8" name="Content Placeholder 7" descr="A graph with blue bars&#10;&#10;Description automatically generated">
+            <a:extLst>
+              <a:ext uri="{FF2B5EF4-FFF2-40B4-BE49-F238E27FC236}">
+                <a16:creationId xmlns:a16="http://schemas.microsoft.com/office/drawing/2014/main" id="{AE64B8F8-F29F-3EC7-E6CB-E802367794E2}"/>
+              </a:ext>
+            </a:extLst>
+          </p:cNvPr>
+          <p:cNvPicPr>
+            <a:picLocks noGrp="1" noChangeAspect="1"/>
+          </p:cNvPicPr>
+          <p:nvPr>
+            <p:ph sz="half" idx="2"/>
+          </p:nvPr>
+        </p:nvPicPr>
+        <p:blipFill>
+          <a:blip r:embed="rId3">
+            <a:extLst>
+              <a:ext uri="{28A0092B-C50C-407E-A947-70E740481C1C}">
+                <a14:useLocalDpi xmlns:a14="http://schemas.microsoft.com/office/drawing/2010/main" val="0"/>
+              </a:ext>
+            </a:extLst>
+          </a:blip>
+          <a:stretch>
+            <a:fillRect/>
+          </a:stretch>
+        </p:blipFill>
+        <p:spPr>
+          <a:xfrm>
+            <a:off x="6587331" y="1825625"/>
+            <a:ext cx="4351338" cy="4351338"/>
+          </a:xfrm>
+        </p:spPr>
+      </p:pic>
+      <p:sp>
+        <p:nvSpPr>
+          <p:cNvPr id="9" name="TextBox 8">
+            <a:extLst>
+              <a:ext uri="{FF2B5EF4-FFF2-40B4-BE49-F238E27FC236}">
+                <a16:creationId xmlns:a16="http://schemas.microsoft.com/office/drawing/2014/main" id="{4DB2C176-2EB3-040C-430A-33F2D328F2DF}"/>
+              </a:ext>
+            </a:extLst>
+          </p:cNvPr>
+          <p:cNvSpPr txBox="1"/>
+          <p:nvPr/>
+        </p:nvSpPr>
+        <p:spPr>
+          <a:xfrm>
+            <a:off x="838200" y="6176963"/>
+            <a:ext cx="10100469" cy="584775"/>
+          </a:xfrm>
+          <a:prstGeom prst="rect">
+            <a:avLst/>
+          </a:prstGeom>
+          <a:noFill/>
+        </p:spPr>
+        <p:txBody>
+          <a:bodyPr wrap="square" rtlCol="0">
+            <a:spAutoFit/>
+          </a:bodyPr>
+          <a:lstStyle/>
+          <a:p>
+            <a:pPr algn="ctr"/>
+            <a:r>
+              <a:rPr lang="en-GB" sz="1600" dirty="0"/>
+              <a:t>Nicht </a:t>
+            </a:r>
+            <a:r>
+              <a:rPr lang="en-GB" sz="1600" dirty="0" err="1"/>
+              <a:t>überraschend</a:t>
+            </a:r>
+            <a:r>
+              <a:rPr lang="en-GB" sz="1600" dirty="0"/>
+              <a:t>, wenn wir die </a:t>
+            </a:r>
+            <a:r>
+              <a:rPr lang="en-GB" sz="1600" dirty="0" err="1"/>
+              <a:t>Episoden</a:t>
+            </a:r>
+            <a:r>
+              <a:rPr lang="en-GB" sz="1600" dirty="0"/>
+              <a:t> </a:t>
+            </a:r>
+            <a:r>
+              <a:rPr lang="en-GB" sz="1600" dirty="0" err="1"/>
+              <a:t>zusammenziehen</a:t>
+            </a:r>
+            <a:r>
+              <a:rPr lang="en-GB" sz="1600" dirty="0"/>
+              <a:t> (R1) </a:t>
+            </a:r>
+            <a:r>
+              <a:rPr lang="en-GB" sz="1600" dirty="0" err="1"/>
+              <a:t>kommen</a:t>
+            </a:r>
+            <a:r>
+              <a:rPr lang="en-GB" sz="1600" dirty="0"/>
+              <a:t> die </a:t>
+            </a:r>
+            <a:r>
+              <a:rPr lang="en-GB" sz="1600" dirty="0" err="1"/>
+              <a:t>Patienten</a:t>
+            </a:r>
+            <a:r>
+              <a:rPr lang="en-GB" sz="1600" dirty="0"/>
+              <a:t> </a:t>
+            </a:r>
+            <a:r>
+              <a:rPr lang="en-GB" sz="1600" dirty="0" err="1"/>
+              <a:t>häufiger</a:t>
+            </a:r>
+            <a:r>
+              <a:rPr lang="en-GB" sz="1600" dirty="0"/>
+              <a:t> pro Diagnose </a:t>
+            </a:r>
+            <a:r>
+              <a:rPr lang="en-GB" sz="1600" dirty="0" err="1"/>
+              <a:t>zum</a:t>
+            </a:r>
+            <a:r>
+              <a:rPr lang="en-GB" sz="1600" dirty="0"/>
+              <a:t> </a:t>
+            </a:r>
+            <a:r>
+              <a:rPr lang="en-GB" sz="1600" dirty="0" err="1"/>
+              <a:t>Arzt</a:t>
+            </a:r>
+            <a:r>
+              <a:rPr lang="en-GB" sz="1600" dirty="0"/>
+              <a:t>. </a:t>
+            </a:r>
+            <a:r>
+              <a:rPr lang="en-GB" sz="1600" dirty="0" err="1"/>
+              <a:t>Diese</a:t>
+            </a:r>
+            <a:r>
+              <a:rPr lang="en-GB" sz="1600" dirty="0"/>
+              <a:t> </a:t>
+            </a:r>
+            <a:r>
+              <a:rPr lang="en-GB" sz="1600" dirty="0" err="1"/>
+              <a:t>Graphiken</a:t>
+            </a:r>
+            <a:r>
+              <a:rPr lang="en-GB" sz="1600" dirty="0"/>
+              <a:t> </a:t>
+            </a:r>
+            <a:r>
+              <a:rPr lang="en-GB" sz="1600" dirty="0" err="1"/>
+              <a:t>erklären</a:t>
+            </a:r>
+            <a:r>
+              <a:rPr lang="en-GB" sz="1600" dirty="0"/>
+              <a:t>, </a:t>
+            </a:r>
+            <a:r>
+              <a:rPr lang="en-GB" sz="1600" dirty="0" err="1"/>
+              <a:t>warum</a:t>
+            </a:r>
+            <a:r>
+              <a:rPr lang="en-GB" sz="1600" dirty="0"/>
+              <a:t> in den </a:t>
+            </a:r>
+            <a:r>
+              <a:rPr lang="en-GB" sz="1600" dirty="0" err="1"/>
+              <a:t>Eskalationsgraphiken</a:t>
+            </a:r>
+            <a:r>
+              <a:rPr lang="en-GB" sz="1600" dirty="0"/>
+              <a:t> so </a:t>
+            </a:r>
+            <a:r>
+              <a:rPr lang="en-GB" sz="1600" dirty="0" err="1"/>
+              <a:t>häufig</a:t>
+            </a:r>
+            <a:r>
+              <a:rPr lang="en-GB" sz="1600" dirty="0"/>
+              <a:t> die </a:t>
+            </a:r>
+            <a:r>
+              <a:rPr lang="en-GB" sz="1600" dirty="0" err="1"/>
+              <a:t>Eskalation</a:t>
+            </a:r>
+            <a:r>
+              <a:rPr lang="en-GB" sz="1600" dirty="0"/>
+              <a:t> an Tag 0 </a:t>
+            </a:r>
+            <a:r>
+              <a:rPr lang="en-GB" sz="1600" dirty="0" err="1"/>
+              <a:t>geschieht</a:t>
+            </a:r>
+            <a:r>
+              <a:rPr lang="en-GB" sz="1600" dirty="0"/>
+              <a:t>.</a:t>
+            </a:r>
+            <a:endParaRPr lang="LID4096" sz="1600" dirty="0"/>
+          </a:p>
+        </p:txBody>
+      </p:sp>
+    </p:spTree>
+    <p:extLst>
+      <p:ext uri="{BB962C8B-B14F-4D97-AF65-F5344CB8AC3E}">
+        <p14:creationId xmlns:p14="http://schemas.microsoft.com/office/powerpoint/2010/main" val="1891989091"/>
+      </p:ext>
+    </p:extLst>
+  </p:cSld>
+  <p:clrMapOvr>
+    <a:masterClrMapping/>
+  </p:clrMapOvr>
+</p:sld>
+</file>
+
 <file path=ppt/slides/slide2.xml><?xml version="1.0" encoding="utf-8"?>
 <p:sld xmlns:a="http://schemas.openxmlformats.org/drawingml/2006/main" xmlns:r="http://schemas.openxmlformats.org/officeDocument/2006/relationships" xmlns:p="http://schemas.openxmlformats.org/presentationml/2006/main">
   <p:cSld>
@@ -3680,7 +5528,7 @@
           <a:p>
             <a:r>
               <a:rPr lang="de-DE" dirty="0"/>
-              <a:t>Heuristiken zur Erstellung von Episoden (ausgelassen)</a:t>
+              <a:t>Heuristiken zur Erstellung von Episoden</a:t>
             </a:r>
           </a:p>
           <a:p>
@@ -3692,13 +5540,8 @@
           <a:p>
             <a:r>
               <a:rPr lang="de-DE" dirty="0"/>
-              <a:t>Beschreibung der </a:t>
-            </a:r>
-            <a:r>
-              <a:rPr lang="de-DE"/>
-              <a:t>hustenden Patienten</a:t>
-            </a:r>
-            <a:endParaRPr lang="de-DE" dirty="0"/>
+              <a:t>Beschreibung der hustenden Patienten</a:t>
+            </a:r>
           </a:p>
         </p:txBody>
       </p:sp>
@@ -3706,6 +5549,2613 @@
     <p:extLst>
       <p:ext uri="{BB962C8B-B14F-4D97-AF65-F5344CB8AC3E}">
         <p14:creationId xmlns:p14="http://schemas.microsoft.com/office/powerpoint/2010/main" val="2190904912"/>
+      </p:ext>
+    </p:extLst>
+  </p:cSld>
+  <p:clrMapOvr>
+    <a:masterClrMapping/>
+  </p:clrMapOvr>
+</p:sld>
+</file>
+
+<file path=ppt/slides/slide20.xml><?xml version="1.0" encoding="utf-8"?>
+<p:sld xmlns:a="http://schemas.openxmlformats.org/drawingml/2006/main" xmlns:r="http://schemas.openxmlformats.org/officeDocument/2006/relationships" xmlns:p="http://schemas.openxmlformats.org/presentationml/2006/main">
+  <p:cSld>
+    <p:spTree>
+      <p:nvGrpSpPr>
+        <p:cNvPr id="1" name=""/>
+        <p:cNvGrpSpPr/>
+        <p:nvPr/>
+      </p:nvGrpSpPr>
+      <p:grpSpPr>
+        <a:xfrm>
+          <a:off x="0" y="0"/>
+          <a:ext cx="0" cy="0"/>
+          <a:chOff x="0" y="0"/>
+          <a:chExt cx="0" cy="0"/>
+        </a:xfrm>
+      </p:grpSpPr>
+      <p:sp>
+        <p:nvSpPr>
+          <p:cNvPr id="2" name="Title 1">
+            <a:extLst>
+              <a:ext uri="{FF2B5EF4-FFF2-40B4-BE49-F238E27FC236}">
+                <a16:creationId xmlns:a16="http://schemas.microsoft.com/office/drawing/2014/main" id="{0CFD4EE2-F748-2D79-CA36-60C7F23E6E81}"/>
+              </a:ext>
+            </a:extLst>
+          </p:cNvPr>
+          <p:cNvSpPr>
+            <a:spLocks noGrp="1"/>
+          </p:cNvSpPr>
+          <p:nvPr>
+            <p:ph type="title"/>
+          </p:nvPr>
+        </p:nvSpPr>
+        <p:spPr/>
+        <p:txBody>
+          <a:bodyPr/>
+          <a:lstStyle/>
+          <a:p>
+            <a:r>
+              <a:rPr lang="en-GB" dirty="0"/>
+              <a:t>Die </a:t>
+            </a:r>
+            <a:r>
+              <a:rPr lang="en-GB" dirty="0" err="1"/>
+              <a:t>Geschichte</a:t>
+            </a:r>
+            <a:r>
+              <a:rPr lang="en-GB" dirty="0"/>
+              <a:t> die wir </a:t>
+            </a:r>
+            <a:r>
+              <a:rPr lang="en-GB" dirty="0" err="1"/>
+              <a:t>erzählen</a:t>
+            </a:r>
+            <a:r>
+              <a:rPr lang="en-GB" dirty="0"/>
+              <a:t>…</a:t>
+            </a:r>
+            <a:endParaRPr lang="LID4096" dirty="0"/>
+          </a:p>
+        </p:txBody>
+      </p:sp>
+      <p:cxnSp>
+        <p:nvCxnSpPr>
+          <p:cNvPr id="5" name="Straight Arrow Connector 4">
+            <a:extLst>
+              <a:ext uri="{FF2B5EF4-FFF2-40B4-BE49-F238E27FC236}">
+                <a16:creationId xmlns:a16="http://schemas.microsoft.com/office/drawing/2014/main" id="{F973E91D-F189-4131-FDB4-2BF96FECCB4A}"/>
+              </a:ext>
+            </a:extLst>
+          </p:cNvPr>
+          <p:cNvCxnSpPr>
+            <a:cxnSpLocks/>
+          </p:cNvCxnSpPr>
+          <p:nvPr/>
+        </p:nvCxnSpPr>
+        <p:spPr>
+          <a:xfrm>
+            <a:off x="1388853" y="4330460"/>
+            <a:ext cx="3174521" cy="0"/>
+          </a:xfrm>
+          <a:prstGeom prst="straightConnector1">
+            <a:avLst/>
+          </a:prstGeom>
+          <a:ln w="28575">
+            <a:tailEnd type="triangle"/>
+          </a:ln>
+        </p:spPr>
+        <p:style>
+          <a:lnRef idx="1">
+            <a:schemeClr val="accent1"/>
+          </a:lnRef>
+          <a:fillRef idx="0">
+            <a:schemeClr val="accent1"/>
+          </a:fillRef>
+          <a:effectRef idx="0">
+            <a:schemeClr val="accent1"/>
+          </a:effectRef>
+          <a:fontRef idx="minor">
+            <a:schemeClr val="tx1"/>
+          </a:fontRef>
+        </p:style>
+      </p:cxnSp>
+      <p:cxnSp>
+        <p:nvCxnSpPr>
+          <p:cNvPr id="6" name="Straight Arrow Connector 5">
+            <a:extLst>
+              <a:ext uri="{FF2B5EF4-FFF2-40B4-BE49-F238E27FC236}">
+                <a16:creationId xmlns:a16="http://schemas.microsoft.com/office/drawing/2014/main" id="{FC6E36EF-B778-6516-57A6-7C7B7C8A3477}"/>
+              </a:ext>
+            </a:extLst>
+          </p:cNvPr>
+          <p:cNvCxnSpPr>
+            <a:cxnSpLocks/>
+          </p:cNvCxnSpPr>
+          <p:nvPr/>
+        </p:nvCxnSpPr>
+        <p:spPr>
+          <a:xfrm flipV="1">
+            <a:off x="1541253" y="1820174"/>
+            <a:ext cx="0" cy="2662686"/>
+          </a:xfrm>
+          <a:prstGeom prst="straightConnector1">
+            <a:avLst/>
+          </a:prstGeom>
+          <a:ln w="28575">
+            <a:tailEnd type="triangle"/>
+          </a:ln>
+        </p:spPr>
+        <p:style>
+          <a:lnRef idx="1">
+            <a:schemeClr val="accent1"/>
+          </a:lnRef>
+          <a:fillRef idx="0">
+            <a:schemeClr val="accent1"/>
+          </a:fillRef>
+          <a:effectRef idx="0">
+            <a:schemeClr val="accent1"/>
+          </a:effectRef>
+          <a:fontRef idx="minor">
+            <a:schemeClr val="tx1"/>
+          </a:fontRef>
+        </p:style>
+      </p:cxnSp>
+      <p:cxnSp>
+        <p:nvCxnSpPr>
+          <p:cNvPr id="9" name="Straight Arrow Connector 8">
+            <a:extLst>
+              <a:ext uri="{FF2B5EF4-FFF2-40B4-BE49-F238E27FC236}">
+                <a16:creationId xmlns:a16="http://schemas.microsoft.com/office/drawing/2014/main" id="{C4D5B6BE-C929-6240-EF28-94B4CD6282A9}"/>
+              </a:ext>
+            </a:extLst>
+          </p:cNvPr>
+          <p:cNvCxnSpPr>
+            <a:cxnSpLocks/>
+          </p:cNvCxnSpPr>
+          <p:nvPr/>
+        </p:nvCxnSpPr>
+        <p:spPr>
+          <a:xfrm>
+            <a:off x="6096000" y="4301705"/>
+            <a:ext cx="3174521" cy="0"/>
+          </a:xfrm>
+          <a:prstGeom prst="straightConnector1">
+            <a:avLst/>
+          </a:prstGeom>
+          <a:ln w="28575">
+            <a:tailEnd type="triangle"/>
+          </a:ln>
+        </p:spPr>
+        <p:style>
+          <a:lnRef idx="1">
+            <a:schemeClr val="accent1"/>
+          </a:lnRef>
+          <a:fillRef idx="0">
+            <a:schemeClr val="accent1"/>
+          </a:fillRef>
+          <a:effectRef idx="0">
+            <a:schemeClr val="accent1"/>
+          </a:effectRef>
+          <a:fontRef idx="minor">
+            <a:schemeClr val="tx1"/>
+          </a:fontRef>
+        </p:style>
+      </p:cxnSp>
+      <p:cxnSp>
+        <p:nvCxnSpPr>
+          <p:cNvPr id="10" name="Straight Arrow Connector 9">
+            <a:extLst>
+              <a:ext uri="{FF2B5EF4-FFF2-40B4-BE49-F238E27FC236}">
+                <a16:creationId xmlns:a16="http://schemas.microsoft.com/office/drawing/2014/main" id="{270C5AF2-210D-B199-0821-1F2323B9CD50}"/>
+              </a:ext>
+            </a:extLst>
+          </p:cNvPr>
+          <p:cNvCxnSpPr>
+            <a:cxnSpLocks/>
+          </p:cNvCxnSpPr>
+          <p:nvPr/>
+        </p:nvCxnSpPr>
+        <p:spPr>
+          <a:xfrm flipV="1">
+            <a:off x="6248400" y="1791419"/>
+            <a:ext cx="0" cy="2662686"/>
+          </a:xfrm>
+          <a:prstGeom prst="straightConnector1">
+            <a:avLst/>
+          </a:prstGeom>
+          <a:ln w="28575">
+            <a:tailEnd type="triangle"/>
+          </a:ln>
+        </p:spPr>
+        <p:style>
+          <a:lnRef idx="1">
+            <a:schemeClr val="accent1"/>
+          </a:lnRef>
+          <a:fillRef idx="0">
+            <a:schemeClr val="accent1"/>
+          </a:fillRef>
+          <a:effectRef idx="0">
+            <a:schemeClr val="accent1"/>
+          </a:effectRef>
+          <a:fontRef idx="minor">
+            <a:schemeClr val="tx1"/>
+          </a:fontRef>
+        </p:style>
+      </p:cxnSp>
+      <mc:AlternateContent xmlns:mc="http://schemas.openxmlformats.org/markup-compatibility/2006">
+        <mc:Choice xmlns:p14="http://schemas.microsoft.com/office/powerpoint/2010/main" Requires="p14">
+          <p:contentPart p14:bwMode="auto" r:id="rId2">
+            <p14:nvContentPartPr>
+              <p14:cNvPr id="11" name="Ink 10">
+                <a:extLst>
+                  <a:ext uri="{FF2B5EF4-FFF2-40B4-BE49-F238E27FC236}">
+                    <a16:creationId xmlns:a16="http://schemas.microsoft.com/office/drawing/2014/main" id="{08BC634A-FF5E-1EF2-BE1F-31E15E3DE001}"/>
+                  </a:ext>
+                </a:extLst>
+              </p14:cNvPr>
+              <p14:cNvContentPartPr/>
+              <p14:nvPr/>
+            </p14:nvContentPartPr>
+            <p14:xfrm>
+              <a:off x="1720705" y="4331377"/>
+              <a:ext cx="14400" cy="78840"/>
+            </p14:xfrm>
+          </p:contentPart>
+        </mc:Choice>
+        <mc:Fallback>
+          <p:pic>
+            <p:nvPicPr>
+              <p:cNvPr id="11" name="Ink 10">
+                <a:extLst>
+                  <a:ext uri="{FF2B5EF4-FFF2-40B4-BE49-F238E27FC236}">
+                    <a16:creationId xmlns:a16="http://schemas.microsoft.com/office/drawing/2014/main" id="{08BC634A-FF5E-1EF2-BE1F-31E15E3DE001}"/>
+                  </a:ext>
+                </a:extLst>
+              </p:cNvPr>
+              <p:cNvPicPr/>
+              <p:nvPr/>
+            </p:nvPicPr>
+            <p:blipFill>
+              <a:blip r:embed="rId3"/>
+              <a:stretch>
+                <a:fillRect/>
+              </a:stretch>
+            </p:blipFill>
+            <p:spPr>
+              <a:xfrm>
+                <a:off x="1712065" y="4322737"/>
+                <a:ext cx="32040" cy="96480"/>
+              </a:xfrm>
+              <a:prstGeom prst="rect">
+                <a:avLst/>
+              </a:prstGeom>
+            </p:spPr>
+          </p:pic>
+        </mc:Fallback>
+      </mc:AlternateContent>
+      <mc:AlternateContent xmlns:mc="http://schemas.openxmlformats.org/markup-compatibility/2006">
+        <mc:Choice xmlns:p14="http://schemas.microsoft.com/office/powerpoint/2010/main" Requires="p14">
+          <p:contentPart p14:bwMode="auto" r:id="rId4">
+            <p14:nvContentPartPr>
+              <p14:cNvPr id="13" name="Ink 12">
+                <a:extLst>
+                  <a:ext uri="{FF2B5EF4-FFF2-40B4-BE49-F238E27FC236}">
+                    <a16:creationId xmlns:a16="http://schemas.microsoft.com/office/drawing/2014/main" id="{9ACD16AA-636E-E1B7-D0B4-6A431D635612}"/>
+                  </a:ext>
+                </a:extLst>
+              </p14:cNvPr>
+              <p14:cNvContentPartPr/>
+              <p14:nvPr/>
+            </p14:nvContentPartPr>
+            <p14:xfrm>
+              <a:off x="1750225" y="2028457"/>
+              <a:ext cx="88560" cy="68400"/>
+            </p14:xfrm>
+          </p:contentPart>
+        </mc:Choice>
+        <mc:Fallback>
+          <p:pic>
+            <p:nvPicPr>
+              <p:cNvPr id="13" name="Ink 12">
+                <a:extLst>
+                  <a:ext uri="{FF2B5EF4-FFF2-40B4-BE49-F238E27FC236}">
+                    <a16:creationId xmlns:a16="http://schemas.microsoft.com/office/drawing/2014/main" id="{9ACD16AA-636E-E1B7-D0B4-6A431D635612}"/>
+                  </a:ext>
+                </a:extLst>
+              </p:cNvPr>
+              <p:cNvPicPr/>
+              <p:nvPr/>
+            </p:nvPicPr>
+            <p:blipFill>
+              <a:blip r:embed="rId5"/>
+              <a:stretch>
+                <a:fillRect/>
+              </a:stretch>
+            </p:blipFill>
+            <p:spPr>
+              <a:xfrm>
+                <a:off x="1741225" y="2019817"/>
+                <a:ext cx="106200" cy="86040"/>
+              </a:xfrm>
+              <a:prstGeom prst="rect">
+                <a:avLst/>
+              </a:prstGeom>
+            </p:spPr>
+          </p:pic>
+        </mc:Fallback>
+      </mc:AlternateContent>
+      <mc:AlternateContent xmlns:mc="http://schemas.openxmlformats.org/markup-compatibility/2006">
+        <mc:Choice xmlns:p14="http://schemas.microsoft.com/office/powerpoint/2010/main" Requires="p14">
+          <p:contentPart p14:bwMode="auto" r:id="rId6">
+            <p14:nvContentPartPr>
+              <p14:cNvPr id="18" name="Ink 17">
+                <a:extLst>
+                  <a:ext uri="{FF2B5EF4-FFF2-40B4-BE49-F238E27FC236}">
+                    <a16:creationId xmlns:a16="http://schemas.microsoft.com/office/drawing/2014/main" id="{8C171F20-36AB-BBA5-0408-85760CAAFB28}"/>
+                  </a:ext>
+                </a:extLst>
+              </p14:cNvPr>
+              <p14:cNvContentPartPr/>
+              <p14:nvPr/>
+            </p14:nvContentPartPr>
+            <p14:xfrm>
+              <a:off x="6448585" y="4325617"/>
+              <a:ext cx="16560" cy="58320"/>
+            </p14:xfrm>
+          </p:contentPart>
+        </mc:Choice>
+        <mc:Fallback>
+          <p:pic>
+            <p:nvPicPr>
+              <p:cNvPr id="18" name="Ink 17">
+                <a:extLst>
+                  <a:ext uri="{FF2B5EF4-FFF2-40B4-BE49-F238E27FC236}">
+                    <a16:creationId xmlns:a16="http://schemas.microsoft.com/office/drawing/2014/main" id="{8C171F20-36AB-BBA5-0408-85760CAAFB28}"/>
+                  </a:ext>
+                </a:extLst>
+              </p:cNvPr>
+              <p:cNvPicPr/>
+              <p:nvPr/>
+            </p:nvPicPr>
+            <p:blipFill>
+              <a:blip r:embed="rId7"/>
+              <a:stretch>
+                <a:fillRect/>
+              </a:stretch>
+            </p:blipFill>
+            <p:spPr>
+              <a:xfrm>
+                <a:off x="6439585" y="4316617"/>
+                <a:ext cx="34200" cy="75960"/>
+              </a:xfrm>
+              <a:prstGeom prst="rect">
+                <a:avLst/>
+              </a:prstGeom>
+            </p:spPr>
+          </p:pic>
+        </mc:Fallback>
+      </mc:AlternateContent>
+      <mc:AlternateContent xmlns:mc="http://schemas.openxmlformats.org/markup-compatibility/2006">
+        <mc:Choice xmlns:p14="http://schemas.microsoft.com/office/powerpoint/2010/main" Requires="p14">
+          <p:contentPart p14:bwMode="auto" r:id="rId8">
+            <p14:nvContentPartPr>
+              <p14:cNvPr id="20" name="Ink 19">
+                <a:extLst>
+                  <a:ext uri="{FF2B5EF4-FFF2-40B4-BE49-F238E27FC236}">
+                    <a16:creationId xmlns:a16="http://schemas.microsoft.com/office/drawing/2014/main" id="{5E2495B7-DED4-586E-04E6-A40FE3B92EE3}"/>
+                  </a:ext>
+                </a:extLst>
+              </p14:cNvPr>
+              <p14:cNvContentPartPr/>
+              <p14:nvPr/>
+            </p14:nvContentPartPr>
+            <p14:xfrm>
+              <a:off x="6504025" y="2011177"/>
+              <a:ext cx="99000" cy="78840"/>
+            </p14:xfrm>
+          </p:contentPart>
+        </mc:Choice>
+        <mc:Fallback>
+          <p:pic>
+            <p:nvPicPr>
+              <p:cNvPr id="20" name="Ink 19">
+                <a:extLst>
+                  <a:ext uri="{FF2B5EF4-FFF2-40B4-BE49-F238E27FC236}">
+                    <a16:creationId xmlns:a16="http://schemas.microsoft.com/office/drawing/2014/main" id="{5E2495B7-DED4-586E-04E6-A40FE3B92EE3}"/>
+                  </a:ext>
+                </a:extLst>
+              </p:cNvPr>
+              <p:cNvPicPr/>
+              <p:nvPr/>
+            </p:nvPicPr>
+            <p:blipFill>
+              <a:blip r:embed="rId9"/>
+              <a:stretch>
+                <a:fillRect/>
+              </a:stretch>
+            </p:blipFill>
+            <p:spPr>
+              <a:xfrm>
+                <a:off x="6495385" y="2002537"/>
+                <a:ext cx="116640" cy="96480"/>
+              </a:xfrm>
+              <a:prstGeom prst="rect">
+                <a:avLst/>
+              </a:prstGeom>
+            </p:spPr>
+          </p:pic>
+        </mc:Fallback>
+      </mc:AlternateContent>
+      <mc:AlternateContent xmlns:mc="http://schemas.openxmlformats.org/markup-compatibility/2006">
+        <mc:Choice xmlns:p14="http://schemas.microsoft.com/office/powerpoint/2010/main" Requires="p14">
+          <p:contentPart p14:bwMode="auto" r:id="rId10">
+            <p14:nvContentPartPr>
+              <p14:cNvPr id="21" name="Ink 20">
+                <a:extLst>
+                  <a:ext uri="{FF2B5EF4-FFF2-40B4-BE49-F238E27FC236}">
+                    <a16:creationId xmlns:a16="http://schemas.microsoft.com/office/drawing/2014/main" id="{5C7BF1FC-C18C-4B12-9235-0B9E96EE5B40}"/>
+                  </a:ext>
+                </a:extLst>
+              </p14:cNvPr>
+              <p14:cNvContentPartPr/>
+              <p14:nvPr/>
+            </p14:nvContentPartPr>
+            <p14:xfrm>
+              <a:off x="6541465" y="2111257"/>
+              <a:ext cx="2619000" cy="1936080"/>
+            </p14:xfrm>
+          </p:contentPart>
+        </mc:Choice>
+        <mc:Fallback>
+          <p:pic>
+            <p:nvPicPr>
+              <p:cNvPr id="21" name="Ink 20">
+                <a:extLst>
+                  <a:ext uri="{FF2B5EF4-FFF2-40B4-BE49-F238E27FC236}">
+                    <a16:creationId xmlns:a16="http://schemas.microsoft.com/office/drawing/2014/main" id="{5C7BF1FC-C18C-4B12-9235-0B9E96EE5B40}"/>
+                  </a:ext>
+                </a:extLst>
+              </p:cNvPr>
+              <p:cNvPicPr/>
+              <p:nvPr/>
+            </p:nvPicPr>
+            <p:blipFill>
+              <a:blip r:embed="rId11"/>
+              <a:stretch>
+                <a:fillRect/>
+              </a:stretch>
+            </p:blipFill>
+            <p:spPr>
+              <a:xfrm>
+                <a:off x="6532825" y="2102617"/>
+                <a:ext cx="2636640" cy="1953720"/>
+              </a:xfrm>
+              <a:prstGeom prst="rect">
+                <a:avLst/>
+              </a:prstGeom>
+            </p:spPr>
+          </p:pic>
+        </mc:Fallback>
+      </mc:AlternateContent>
+      <mc:AlternateContent xmlns:mc="http://schemas.openxmlformats.org/markup-compatibility/2006">
+        <mc:Choice xmlns:p14="http://schemas.microsoft.com/office/powerpoint/2010/main" Requires="p14">
+          <p:contentPart p14:bwMode="auto" r:id="rId12">
+            <p14:nvContentPartPr>
+              <p14:cNvPr id="23" name="Ink 22">
+                <a:extLst>
+                  <a:ext uri="{FF2B5EF4-FFF2-40B4-BE49-F238E27FC236}">
+                    <a16:creationId xmlns:a16="http://schemas.microsoft.com/office/drawing/2014/main" id="{B87146EA-171E-EC43-2EDC-B77669BD2851}"/>
+                  </a:ext>
+                </a:extLst>
+              </p14:cNvPr>
+              <p14:cNvContentPartPr/>
+              <p14:nvPr/>
+            </p14:nvContentPartPr>
+            <p14:xfrm>
+              <a:off x="1758865" y="3841777"/>
+              <a:ext cx="82800" cy="68760"/>
+            </p14:xfrm>
+          </p:contentPart>
+        </mc:Choice>
+        <mc:Fallback>
+          <p:pic>
+            <p:nvPicPr>
+              <p:cNvPr id="23" name="Ink 22">
+                <a:extLst>
+                  <a:ext uri="{FF2B5EF4-FFF2-40B4-BE49-F238E27FC236}">
+                    <a16:creationId xmlns:a16="http://schemas.microsoft.com/office/drawing/2014/main" id="{B87146EA-171E-EC43-2EDC-B77669BD2851}"/>
+                  </a:ext>
+                </a:extLst>
+              </p:cNvPr>
+              <p:cNvPicPr/>
+              <p:nvPr/>
+            </p:nvPicPr>
+            <p:blipFill>
+              <a:blip r:embed="rId13"/>
+              <a:stretch>
+                <a:fillRect/>
+              </a:stretch>
+            </p:blipFill>
+            <p:spPr>
+              <a:xfrm>
+                <a:off x="1750225" y="3833137"/>
+                <a:ext cx="100440" cy="86400"/>
+              </a:xfrm>
+              <a:prstGeom prst="rect">
+                <a:avLst/>
+              </a:prstGeom>
+            </p:spPr>
+          </p:pic>
+        </mc:Fallback>
+      </mc:AlternateContent>
+      <mc:AlternateContent xmlns:mc="http://schemas.openxmlformats.org/markup-compatibility/2006">
+        <mc:Choice xmlns:p14="http://schemas.microsoft.com/office/powerpoint/2010/main" Requires="p14">
+          <p:contentPart p14:bwMode="auto" r:id="rId14">
+            <p14:nvContentPartPr>
+              <p14:cNvPr id="24" name="Ink 23">
+                <a:extLst>
+                  <a:ext uri="{FF2B5EF4-FFF2-40B4-BE49-F238E27FC236}">
+                    <a16:creationId xmlns:a16="http://schemas.microsoft.com/office/drawing/2014/main" id="{F2442C3B-F62B-72C7-DD98-64BE1AFEFE80}"/>
+                  </a:ext>
+                </a:extLst>
+              </p14:cNvPr>
+              <p14:cNvContentPartPr/>
+              <p14:nvPr/>
+            </p14:nvContentPartPr>
+            <p14:xfrm>
+              <a:off x="1858585" y="3872017"/>
+              <a:ext cx="2657160" cy="27360"/>
+            </p14:xfrm>
+          </p:contentPart>
+        </mc:Choice>
+        <mc:Fallback>
+          <p:pic>
+            <p:nvPicPr>
+              <p:cNvPr id="24" name="Ink 23">
+                <a:extLst>
+                  <a:ext uri="{FF2B5EF4-FFF2-40B4-BE49-F238E27FC236}">
+                    <a16:creationId xmlns:a16="http://schemas.microsoft.com/office/drawing/2014/main" id="{F2442C3B-F62B-72C7-DD98-64BE1AFEFE80}"/>
+                  </a:ext>
+                </a:extLst>
+              </p:cNvPr>
+              <p:cNvPicPr/>
+              <p:nvPr/>
+            </p:nvPicPr>
+            <p:blipFill>
+              <a:blip r:embed="rId15"/>
+              <a:stretch>
+                <a:fillRect/>
+              </a:stretch>
+            </p:blipFill>
+            <p:spPr>
+              <a:xfrm>
+                <a:off x="1849945" y="3863017"/>
+                <a:ext cx="2674800" cy="45000"/>
+              </a:xfrm>
+              <a:prstGeom prst="rect">
+                <a:avLst/>
+              </a:prstGeom>
+            </p:spPr>
+          </p:pic>
+        </mc:Fallback>
+      </mc:AlternateContent>
+      <mc:AlternateContent xmlns:mc="http://schemas.openxmlformats.org/markup-compatibility/2006">
+        <mc:Choice xmlns:p14="http://schemas.microsoft.com/office/powerpoint/2010/main" Requires="p14">
+          <p:contentPart p14:bwMode="auto" r:id="rId16">
+            <p14:nvContentPartPr>
+              <p14:cNvPr id="27" name="Ink 26">
+                <a:extLst>
+                  <a:ext uri="{FF2B5EF4-FFF2-40B4-BE49-F238E27FC236}">
+                    <a16:creationId xmlns:a16="http://schemas.microsoft.com/office/drawing/2014/main" id="{E399D6CF-7C4C-8B6C-D79D-699231E44D1D}"/>
+                  </a:ext>
+                </a:extLst>
+              </p14:cNvPr>
+              <p14:cNvContentPartPr/>
+              <p14:nvPr/>
+            </p14:nvContentPartPr>
+            <p14:xfrm>
+              <a:off x="1681105" y="4498777"/>
+              <a:ext cx="65160" cy="74880"/>
+            </p14:xfrm>
+          </p:contentPart>
+        </mc:Choice>
+        <mc:Fallback>
+          <p:pic>
+            <p:nvPicPr>
+              <p:cNvPr id="27" name="Ink 26">
+                <a:extLst>
+                  <a:ext uri="{FF2B5EF4-FFF2-40B4-BE49-F238E27FC236}">
+                    <a16:creationId xmlns:a16="http://schemas.microsoft.com/office/drawing/2014/main" id="{E399D6CF-7C4C-8B6C-D79D-699231E44D1D}"/>
+                  </a:ext>
+                </a:extLst>
+              </p:cNvPr>
+              <p:cNvPicPr/>
+              <p:nvPr/>
+            </p:nvPicPr>
+            <p:blipFill>
+              <a:blip r:embed="rId17"/>
+              <a:stretch>
+                <a:fillRect/>
+              </a:stretch>
+            </p:blipFill>
+            <p:spPr>
+              <a:xfrm>
+                <a:off x="1672105" y="4490137"/>
+                <a:ext cx="82800" cy="92520"/>
+              </a:xfrm>
+              <a:prstGeom prst="rect">
+                <a:avLst/>
+              </a:prstGeom>
+            </p:spPr>
+          </p:pic>
+        </mc:Fallback>
+      </mc:AlternateContent>
+      <mc:AlternateContent xmlns:mc="http://schemas.openxmlformats.org/markup-compatibility/2006">
+        <mc:Choice xmlns:p14="http://schemas.microsoft.com/office/powerpoint/2010/main" Requires="p14">
+          <p:contentPart p14:bwMode="auto" r:id="rId18">
+            <p14:nvContentPartPr>
+              <p14:cNvPr id="28" name="Ink 27">
+                <a:extLst>
+                  <a:ext uri="{FF2B5EF4-FFF2-40B4-BE49-F238E27FC236}">
+                    <a16:creationId xmlns:a16="http://schemas.microsoft.com/office/drawing/2014/main" id="{BF20B4A9-71B5-38AD-A1AE-BD504EA0B0BA}"/>
+                  </a:ext>
+                </a:extLst>
+              </p14:cNvPr>
+              <p14:cNvContentPartPr/>
+              <p14:nvPr/>
+            </p14:nvContentPartPr>
+            <p14:xfrm>
+              <a:off x="6422305" y="4505977"/>
+              <a:ext cx="109080" cy="69840"/>
+            </p14:xfrm>
+          </p:contentPart>
+        </mc:Choice>
+        <mc:Fallback>
+          <p:pic>
+            <p:nvPicPr>
+              <p:cNvPr id="28" name="Ink 27">
+                <a:extLst>
+                  <a:ext uri="{FF2B5EF4-FFF2-40B4-BE49-F238E27FC236}">
+                    <a16:creationId xmlns:a16="http://schemas.microsoft.com/office/drawing/2014/main" id="{BF20B4A9-71B5-38AD-A1AE-BD504EA0B0BA}"/>
+                  </a:ext>
+                </a:extLst>
+              </p:cNvPr>
+              <p:cNvPicPr/>
+              <p:nvPr/>
+            </p:nvPicPr>
+            <p:blipFill>
+              <a:blip r:embed="rId19"/>
+              <a:stretch>
+                <a:fillRect/>
+              </a:stretch>
+            </p:blipFill>
+            <p:spPr>
+              <a:xfrm>
+                <a:off x="6413665" y="4497337"/>
+                <a:ext cx="126720" cy="87480"/>
+              </a:xfrm>
+              <a:prstGeom prst="rect">
+                <a:avLst/>
+              </a:prstGeom>
+            </p:spPr>
+          </p:pic>
+        </mc:Fallback>
+      </mc:AlternateContent>
+    </p:spTree>
+    <p:extLst>
+      <p:ext uri="{BB962C8B-B14F-4D97-AF65-F5344CB8AC3E}">
+        <p14:creationId xmlns:p14="http://schemas.microsoft.com/office/powerpoint/2010/main" val="2596800644"/>
+      </p:ext>
+    </p:extLst>
+  </p:cSld>
+  <p:clrMapOvr>
+    <a:masterClrMapping/>
+  </p:clrMapOvr>
+</p:sld>
+</file>
+
+<file path=ppt/slides/slide21.xml><?xml version="1.0" encoding="utf-8"?>
+<p:sld xmlns:a="http://schemas.openxmlformats.org/drawingml/2006/main" xmlns:r="http://schemas.openxmlformats.org/officeDocument/2006/relationships" xmlns:p="http://schemas.openxmlformats.org/presentationml/2006/main">
+  <p:cSld>
+    <p:spTree>
+      <p:nvGrpSpPr>
+        <p:cNvPr id="1" name=""/>
+        <p:cNvGrpSpPr/>
+        <p:nvPr/>
+      </p:nvGrpSpPr>
+      <p:grpSpPr>
+        <a:xfrm>
+          <a:off x="0" y="0"/>
+          <a:ext cx="0" cy="0"/>
+          <a:chOff x="0" y="0"/>
+          <a:chExt cx="0" cy="0"/>
+        </a:xfrm>
+      </p:grpSpPr>
+      <p:sp>
+        <p:nvSpPr>
+          <p:cNvPr id="2" name="Title 1">
+            <a:extLst>
+              <a:ext uri="{FF2B5EF4-FFF2-40B4-BE49-F238E27FC236}">
+                <a16:creationId xmlns:a16="http://schemas.microsoft.com/office/drawing/2014/main" id="{D007913A-98C5-E668-F3B6-E24491CD6EAE}"/>
+              </a:ext>
+            </a:extLst>
+          </p:cNvPr>
+          <p:cNvSpPr>
+            <a:spLocks noGrp="1"/>
+          </p:cNvSpPr>
+          <p:nvPr>
+            <p:ph type="title"/>
+          </p:nvPr>
+        </p:nvSpPr>
+        <p:spPr/>
+        <p:txBody>
+          <a:bodyPr>
+            <a:normAutofit fontScale="90000"/>
+          </a:bodyPr>
+          <a:lstStyle/>
+          <a:p>
+            <a:r>
+              <a:rPr lang="en-GB" dirty="0" err="1"/>
+              <a:t>Eskalation</a:t>
+            </a:r>
+            <a:r>
+              <a:rPr lang="en-GB" dirty="0"/>
+              <a:t>: </a:t>
+            </a:r>
+            <a:r>
+              <a:rPr lang="en-GB" dirty="0" err="1"/>
+              <a:t>Wann</a:t>
+            </a:r>
+            <a:r>
+              <a:rPr lang="en-GB" dirty="0"/>
+              <a:t> </a:t>
+            </a:r>
+            <a:r>
+              <a:rPr lang="en-GB" dirty="0" err="1"/>
+              <a:t>wurden</a:t>
+            </a:r>
+            <a:r>
+              <a:rPr lang="en-GB" dirty="0"/>
+              <a:t> </a:t>
+            </a:r>
+            <a:r>
+              <a:rPr lang="en-GB" dirty="0" err="1"/>
+              <a:t>Patienten</a:t>
+            </a:r>
+            <a:r>
+              <a:rPr lang="en-GB" dirty="0"/>
+              <a:t> </a:t>
+            </a:r>
+            <a:r>
+              <a:rPr lang="en-GB" dirty="0" err="1"/>
+              <a:t>zu</a:t>
+            </a:r>
+            <a:r>
+              <a:rPr lang="en-GB" dirty="0"/>
+              <a:t> </a:t>
+            </a:r>
+            <a:r>
+              <a:rPr lang="en-GB" dirty="0" err="1"/>
+              <a:t>einem</a:t>
+            </a:r>
+            <a:r>
+              <a:rPr lang="en-GB" dirty="0"/>
+              <a:t> </a:t>
+            </a:r>
+            <a:r>
+              <a:rPr lang="en-GB" dirty="0" err="1"/>
+              <a:t>Spezialisten</a:t>
+            </a:r>
+            <a:r>
+              <a:rPr lang="en-GB" dirty="0"/>
+              <a:t> (</a:t>
+            </a:r>
+            <a:r>
+              <a:rPr lang="en-GB" dirty="0" err="1"/>
+              <a:t>Pneumologe</a:t>
+            </a:r>
+            <a:r>
+              <a:rPr lang="en-GB" dirty="0"/>
+              <a:t>, </a:t>
+            </a:r>
+            <a:r>
+              <a:rPr lang="en-GB" dirty="0" err="1"/>
+              <a:t>Radiologe</a:t>
+            </a:r>
+            <a:r>
+              <a:rPr lang="en-GB" dirty="0"/>
+              <a:t>, </a:t>
+            </a:r>
+            <a:r>
+              <a:rPr lang="en-GB" dirty="0" err="1"/>
+              <a:t>Krankenhaus</a:t>
+            </a:r>
+            <a:r>
+              <a:rPr lang="en-GB" dirty="0"/>
+              <a:t>) </a:t>
+            </a:r>
+            <a:r>
+              <a:rPr lang="en-GB" dirty="0" err="1"/>
+              <a:t>überwiesen</a:t>
+            </a:r>
+            <a:r>
+              <a:rPr lang="en-GB" dirty="0"/>
+              <a:t>?</a:t>
+            </a:r>
+            <a:endParaRPr lang="LID4096" dirty="0"/>
+          </a:p>
+        </p:txBody>
+      </p:sp>
+      <p:sp>
+        <p:nvSpPr>
+          <p:cNvPr id="9" name="TextBox 8">
+            <a:extLst>
+              <a:ext uri="{FF2B5EF4-FFF2-40B4-BE49-F238E27FC236}">
+                <a16:creationId xmlns:a16="http://schemas.microsoft.com/office/drawing/2014/main" id="{4F29F117-A5D9-E1F0-2CF6-D5C534BB1DCA}"/>
+              </a:ext>
+            </a:extLst>
+          </p:cNvPr>
+          <p:cNvSpPr txBox="1"/>
+          <p:nvPr/>
+        </p:nvSpPr>
+        <p:spPr>
+          <a:xfrm>
+            <a:off x="1552754" y="6305909"/>
+            <a:ext cx="9454551" cy="584775"/>
+          </a:xfrm>
+          <a:prstGeom prst="rect">
+            <a:avLst/>
+          </a:prstGeom>
+          <a:noFill/>
+        </p:spPr>
+        <p:txBody>
+          <a:bodyPr wrap="square" rtlCol="0">
+            <a:spAutoFit/>
+          </a:bodyPr>
+          <a:lstStyle/>
+          <a:p>
+            <a:pPr algn="ctr"/>
+            <a:r>
+              <a:rPr lang="de-DE" sz="1600" dirty="0"/>
+              <a:t>Muster: Spike an Tag 0, stationär bis Tag 56, danach kaum etwas (Abfall der Überweisungen ist wahrscheinlich ein statistisches Artefakt).</a:t>
+            </a:r>
+          </a:p>
+        </p:txBody>
+      </p:sp>
+      <p:pic>
+        <p:nvPicPr>
+          <p:cNvPr id="7" name="Content Placeholder 6" descr="A graph with blue lines&#10;&#10;Description automatically generated">
+            <a:extLst>
+              <a:ext uri="{FF2B5EF4-FFF2-40B4-BE49-F238E27FC236}">
+                <a16:creationId xmlns:a16="http://schemas.microsoft.com/office/drawing/2014/main" id="{1F790128-8F66-6834-12B7-5954A5DF6581}"/>
+              </a:ext>
+            </a:extLst>
+          </p:cNvPr>
+          <p:cNvPicPr>
+            <a:picLocks noGrp="1" noChangeAspect="1"/>
+          </p:cNvPicPr>
+          <p:nvPr>
+            <p:ph sz="half" idx="1"/>
+          </p:nvPr>
+        </p:nvPicPr>
+        <p:blipFill>
+          <a:blip r:embed="rId2">
+            <a:extLst>
+              <a:ext uri="{28A0092B-C50C-407E-A947-70E740481C1C}">
+                <a14:useLocalDpi xmlns:a14="http://schemas.microsoft.com/office/drawing/2010/main" val="0"/>
+              </a:ext>
+            </a:extLst>
+          </a:blip>
+          <a:stretch>
+            <a:fillRect/>
+          </a:stretch>
+        </p:blipFill>
+        <p:spPr>
+          <a:xfrm>
+            <a:off x="1253331" y="1825625"/>
+            <a:ext cx="4351338" cy="4351338"/>
+          </a:xfrm>
+        </p:spPr>
+      </p:pic>
+      <p:pic>
+        <p:nvPicPr>
+          <p:cNvPr id="13" name="Content Placeholder 12" descr="A graph with blue and white bars&#10;&#10;Description automatically generated">
+            <a:extLst>
+              <a:ext uri="{FF2B5EF4-FFF2-40B4-BE49-F238E27FC236}">
+                <a16:creationId xmlns:a16="http://schemas.microsoft.com/office/drawing/2014/main" id="{C129A1F6-C48D-2162-33B1-481D712F60C3}"/>
+              </a:ext>
+            </a:extLst>
+          </p:cNvPr>
+          <p:cNvPicPr>
+            <a:picLocks noGrp="1" noChangeAspect="1"/>
+          </p:cNvPicPr>
+          <p:nvPr>
+            <p:ph sz="half" idx="2"/>
+          </p:nvPr>
+        </p:nvPicPr>
+        <p:blipFill>
+          <a:blip r:embed="rId3">
+            <a:extLst>
+              <a:ext uri="{28A0092B-C50C-407E-A947-70E740481C1C}">
+                <a14:useLocalDpi xmlns:a14="http://schemas.microsoft.com/office/drawing/2010/main" val="0"/>
+              </a:ext>
+            </a:extLst>
+          </a:blip>
+          <a:stretch>
+            <a:fillRect/>
+          </a:stretch>
+        </p:blipFill>
+        <p:spPr>
+          <a:xfrm>
+            <a:off x="6587331" y="1825625"/>
+            <a:ext cx="4351338" cy="4351338"/>
+          </a:xfrm>
+        </p:spPr>
+      </p:pic>
+    </p:spTree>
+    <p:extLst>
+      <p:ext uri="{BB962C8B-B14F-4D97-AF65-F5344CB8AC3E}">
+        <p14:creationId xmlns:p14="http://schemas.microsoft.com/office/powerpoint/2010/main" val="666682316"/>
+      </p:ext>
+    </p:extLst>
+  </p:cSld>
+  <p:clrMapOvr>
+    <a:masterClrMapping/>
+  </p:clrMapOvr>
+</p:sld>
+</file>
+
+<file path=ppt/slides/slide22.xml><?xml version="1.0" encoding="utf-8"?>
+<p:sld xmlns:a="http://schemas.openxmlformats.org/drawingml/2006/main" xmlns:r="http://schemas.openxmlformats.org/officeDocument/2006/relationships" xmlns:p="http://schemas.openxmlformats.org/presentationml/2006/main">
+  <p:cSld>
+    <p:spTree>
+      <p:nvGrpSpPr>
+        <p:cNvPr id="1" name=""/>
+        <p:cNvGrpSpPr/>
+        <p:nvPr/>
+      </p:nvGrpSpPr>
+      <p:grpSpPr>
+        <a:xfrm>
+          <a:off x="0" y="0"/>
+          <a:ext cx="0" cy="0"/>
+          <a:chOff x="0" y="0"/>
+          <a:chExt cx="0" cy="0"/>
+        </a:xfrm>
+      </p:grpSpPr>
+      <p:sp>
+        <p:nvSpPr>
+          <p:cNvPr id="2" name="Title 1">
+            <a:extLst>
+              <a:ext uri="{FF2B5EF4-FFF2-40B4-BE49-F238E27FC236}">
+                <a16:creationId xmlns:a16="http://schemas.microsoft.com/office/drawing/2014/main" id="{D007913A-98C5-E668-F3B6-E24491CD6EAE}"/>
+              </a:ext>
+            </a:extLst>
+          </p:cNvPr>
+          <p:cNvSpPr>
+            <a:spLocks noGrp="1"/>
+          </p:cNvSpPr>
+          <p:nvPr>
+            <p:ph type="title"/>
+          </p:nvPr>
+        </p:nvSpPr>
+        <p:spPr/>
+        <p:txBody>
+          <a:bodyPr/>
+          <a:lstStyle/>
+          <a:p>
+            <a:r>
+              <a:rPr lang="en-GB" dirty="0" err="1"/>
+              <a:t>Eskalation</a:t>
+            </a:r>
+            <a:r>
+              <a:rPr lang="en-GB" dirty="0"/>
+              <a:t>: </a:t>
+            </a:r>
+            <a:r>
+              <a:rPr lang="en-GB" dirty="0" err="1"/>
+              <a:t>Wann</a:t>
+            </a:r>
+            <a:r>
+              <a:rPr lang="en-GB" dirty="0"/>
+              <a:t> </a:t>
+            </a:r>
+            <a:r>
+              <a:rPr lang="en-GB" dirty="0" err="1"/>
+              <a:t>wurden</a:t>
+            </a:r>
+            <a:r>
+              <a:rPr lang="en-GB" dirty="0"/>
+              <a:t> </a:t>
+            </a:r>
+            <a:r>
+              <a:rPr lang="en-GB" dirty="0" err="1"/>
+              <a:t>Patienten</a:t>
+            </a:r>
+            <a:r>
+              <a:rPr lang="en-GB" dirty="0"/>
+              <a:t> </a:t>
+            </a:r>
+            <a:r>
+              <a:rPr lang="en-GB" dirty="0" err="1"/>
+              <a:t>zum</a:t>
+            </a:r>
+            <a:r>
+              <a:rPr lang="en-GB" dirty="0"/>
+              <a:t> </a:t>
+            </a:r>
+            <a:r>
+              <a:rPr lang="en-GB" dirty="0" err="1"/>
+              <a:t>Pneumologen</a:t>
+            </a:r>
+            <a:r>
+              <a:rPr lang="en-GB" dirty="0"/>
+              <a:t> </a:t>
+            </a:r>
+            <a:r>
+              <a:rPr lang="en-GB" dirty="0" err="1"/>
+              <a:t>überwiesen</a:t>
+            </a:r>
+            <a:r>
+              <a:rPr lang="en-GB" dirty="0"/>
+              <a:t>?</a:t>
+            </a:r>
+            <a:endParaRPr lang="LID4096" dirty="0"/>
+          </a:p>
+        </p:txBody>
+      </p:sp>
+      <p:sp>
+        <p:nvSpPr>
+          <p:cNvPr id="9" name="TextBox 8">
+            <a:extLst>
+              <a:ext uri="{FF2B5EF4-FFF2-40B4-BE49-F238E27FC236}">
+                <a16:creationId xmlns:a16="http://schemas.microsoft.com/office/drawing/2014/main" id="{4F29F117-A5D9-E1F0-2CF6-D5C534BB1DCA}"/>
+              </a:ext>
+            </a:extLst>
+          </p:cNvPr>
+          <p:cNvSpPr txBox="1"/>
+          <p:nvPr/>
+        </p:nvSpPr>
+        <p:spPr>
+          <a:xfrm>
+            <a:off x="1552754" y="6305909"/>
+            <a:ext cx="9454551" cy="584775"/>
+          </a:xfrm>
+          <a:prstGeom prst="rect">
+            <a:avLst/>
+          </a:prstGeom>
+          <a:noFill/>
+        </p:spPr>
+        <p:txBody>
+          <a:bodyPr wrap="square" rtlCol="0">
+            <a:spAutoFit/>
+          </a:bodyPr>
+          <a:lstStyle/>
+          <a:p>
+            <a:pPr algn="ctr"/>
+            <a:r>
+              <a:rPr lang="de-DE" sz="1600" dirty="0"/>
+              <a:t>In vielen Fällen wurden die Patienten umgehend zum Pneumologen geschickt. Bei R1 könnte man ein Maximum bei ca. 25 Tagen erahnen, aber wahrscheinlich ist dies ein statistisches Artefakt. </a:t>
+            </a:r>
+          </a:p>
+        </p:txBody>
+      </p:sp>
+      <p:pic>
+        <p:nvPicPr>
+          <p:cNvPr id="6" name="Content Placeholder 5" descr="A graph of a patient&#10;&#10;Description automatically generated">
+            <a:extLst>
+              <a:ext uri="{FF2B5EF4-FFF2-40B4-BE49-F238E27FC236}">
+                <a16:creationId xmlns:a16="http://schemas.microsoft.com/office/drawing/2014/main" id="{C270A71A-E6FD-C524-15BD-34BB212D546F}"/>
+              </a:ext>
+            </a:extLst>
+          </p:cNvPr>
+          <p:cNvPicPr>
+            <a:picLocks noGrp="1" noChangeAspect="1"/>
+          </p:cNvPicPr>
+          <p:nvPr>
+            <p:ph sz="half" idx="1"/>
+          </p:nvPr>
+        </p:nvPicPr>
+        <p:blipFill>
+          <a:blip r:embed="rId2">
+            <a:extLst>
+              <a:ext uri="{28A0092B-C50C-407E-A947-70E740481C1C}">
+                <a14:useLocalDpi xmlns:a14="http://schemas.microsoft.com/office/drawing/2010/main" val="0"/>
+              </a:ext>
+            </a:extLst>
+          </a:blip>
+          <a:stretch>
+            <a:fillRect/>
+          </a:stretch>
+        </p:blipFill>
+        <p:spPr>
+          <a:xfrm>
+            <a:off x="1253331" y="1825625"/>
+            <a:ext cx="4351338" cy="4351338"/>
+          </a:xfrm>
+        </p:spPr>
+      </p:pic>
+      <p:pic>
+        <p:nvPicPr>
+          <p:cNvPr id="12" name="Content Placeholder 11" descr="A graph of a patient&#10;&#10;Description automatically generated">
+            <a:extLst>
+              <a:ext uri="{FF2B5EF4-FFF2-40B4-BE49-F238E27FC236}">
+                <a16:creationId xmlns:a16="http://schemas.microsoft.com/office/drawing/2014/main" id="{ED6276A4-F735-4F34-3F76-240E79A3CCE7}"/>
+              </a:ext>
+            </a:extLst>
+          </p:cNvPr>
+          <p:cNvPicPr>
+            <a:picLocks noGrp="1" noChangeAspect="1"/>
+          </p:cNvPicPr>
+          <p:nvPr>
+            <p:ph sz="half" idx="2"/>
+          </p:nvPr>
+        </p:nvPicPr>
+        <p:blipFill>
+          <a:blip r:embed="rId3">
+            <a:extLst>
+              <a:ext uri="{28A0092B-C50C-407E-A947-70E740481C1C}">
+                <a14:useLocalDpi xmlns:a14="http://schemas.microsoft.com/office/drawing/2010/main" val="0"/>
+              </a:ext>
+            </a:extLst>
+          </a:blip>
+          <a:stretch>
+            <a:fillRect/>
+          </a:stretch>
+        </p:blipFill>
+        <p:spPr>
+          <a:xfrm>
+            <a:off x="6587331" y="1825625"/>
+            <a:ext cx="4351338" cy="4351338"/>
+          </a:xfrm>
+        </p:spPr>
+      </p:pic>
+    </p:spTree>
+    <p:extLst>
+      <p:ext uri="{BB962C8B-B14F-4D97-AF65-F5344CB8AC3E}">
+        <p14:creationId xmlns:p14="http://schemas.microsoft.com/office/powerpoint/2010/main" val="3086712410"/>
+      </p:ext>
+    </p:extLst>
+  </p:cSld>
+  <p:clrMapOvr>
+    <a:masterClrMapping/>
+  </p:clrMapOvr>
+</p:sld>
+</file>
+
+<file path=ppt/slides/slide23.xml><?xml version="1.0" encoding="utf-8"?>
+<p:sld xmlns:a="http://schemas.openxmlformats.org/drawingml/2006/main" xmlns:r="http://schemas.openxmlformats.org/officeDocument/2006/relationships" xmlns:p="http://schemas.openxmlformats.org/presentationml/2006/main">
+  <p:cSld>
+    <p:spTree>
+      <p:nvGrpSpPr>
+        <p:cNvPr id="1" name=""/>
+        <p:cNvGrpSpPr/>
+        <p:nvPr/>
+      </p:nvGrpSpPr>
+      <p:grpSpPr>
+        <a:xfrm>
+          <a:off x="0" y="0"/>
+          <a:ext cx="0" cy="0"/>
+          <a:chOff x="0" y="0"/>
+          <a:chExt cx="0" cy="0"/>
+        </a:xfrm>
+      </p:grpSpPr>
+      <p:sp>
+        <p:nvSpPr>
+          <p:cNvPr id="2" name="Title 1">
+            <a:extLst>
+              <a:ext uri="{FF2B5EF4-FFF2-40B4-BE49-F238E27FC236}">
+                <a16:creationId xmlns:a16="http://schemas.microsoft.com/office/drawing/2014/main" id="{D007913A-98C5-E668-F3B6-E24491CD6EAE}"/>
+              </a:ext>
+            </a:extLst>
+          </p:cNvPr>
+          <p:cNvSpPr>
+            <a:spLocks noGrp="1"/>
+          </p:cNvSpPr>
+          <p:nvPr>
+            <p:ph type="title"/>
+          </p:nvPr>
+        </p:nvSpPr>
+        <p:spPr/>
+        <p:txBody>
+          <a:bodyPr/>
+          <a:lstStyle/>
+          <a:p>
+            <a:r>
+              <a:rPr lang="en-GB" dirty="0" err="1"/>
+              <a:t>Eskalation</a:t>
+            </a:r>
+            <a:r>
+              <a:rPr lang="en-GB" dirty="0"/>
+              <a:t>: </a:t>
+            </a:r>
+            <a:r>
+              <a:rPr lang="en-GB" dirty="0" err="1"/>
+              <a:t>Wann</a:t>
+            </a:r>
+            <a:r>
+              <a:rPr lang="en-GB" dirty="0"/>
+              <a:t> </a:t>
+            </a:r>
+            <a:r>
+              <a:rPr lang="en-GB" dirty="0" err="1"/>
+              <a:t>wurden</a:t>
+            </a:r>
+            <a:r>
+              <a:rPr lang="en-GB" dirty="0"/>
+              <a:t> </a:t>
+            </a:r>
+            <a:r>
+              <a:rPr lang="en-GB" dirty="0" err="1"/>
+              <a:t>Patienten</a:t>
+            </a:r>
+            <a:r>
+              <a:rPr lang="en-GB" dirty="0"/>
+              <a:t> </a:t>
+            </a:r>
+            <a:r>
+              <a:rPr lang="en-GB" dirty="0" err="1"/>
+              <a:t>zum</a:t>
+            </a:r>
+            <a:r>
+              <a:rPr lang="en-GB" dirty="0"/>
+              <a:t> </a:t>
+            </a:r>
+            <a:r>
+              <a:rPr lang="en-GB" dirty="0" err="1"/>
+              <a:t>Radiologen</a:t>
+            </a:r>
+            <a:r>
+              <a:rPr lang="en-GB" dirty="0"/>
+              <a:t> </a:t>
+            </a:r>
+            <a:r>
+              <a:rPr lang="en-GB" dirty="0" err="1"/>
+              <a:t>überwiesen</a:t>
+            </a:r>
+            <a:r>
+              <a:rPr lang="en-GB" dirty="0"/>
+              <a:t>?</a:t>
+            </a:r>
+            <a:endParaRPr lang="LID4096" dirty="0"/>
+          </a:p>
+        </p:txBody>
+      </p:sp>
+      <p:sp>
+        <p:nvSpPr>
+          <p:cNvPr id="9" name="TextBox 8">
+            <a:extLst>
+              <a:ext uri="{FF2B5EF4-FFF2-40B4-BE49-F238E27FC236}">
+                <a16:creationId xmlns:a16="http://schemas.microsoft.com/office/drawing/2014/main" id="{4F29F117-A5D9-E1F0-2CF6-D5C534BB1DCA}"/>
+              </a:ext>
+            </a:extLst>
+          </p:cNvPr>
+          <p:cNvSpPr txBox="1"/>
+          <p:nvPr/>
+        </p:nvSpPr>
+        <p:spPr>
+          <a:xfrm>
+            <a:off x="1552754" y="6305909"/>
+            <a:ext cx="9454551" cy="584775"/>
+          </a:xfrm>
+          <a:prstGeom prst="rect">
+            <a:avLst/>
+          </a:prstGeom>
+          <a:noFill/>
+        </p:spPr>
+        <p:txBody>
+          <a:bodyPr wrap="square" rtlCol="0">
+            <a:spAutoFit/>
+          </a:bodyPr>
+          <a:lstStyle/>
+          <a:p>
+            <a:pPr algn="ctr"/>
+            <a:r>
+              <a:rPr lang="de-DE" sz="1600" dirty="0"/>
+              <a:t>In vielen Fällen wurden die Patienten umgehend zum Radiologen geschickt. Ansonsten ist kein Trend zu beobachten. </a:t>
+            </a:r>
+          </a:p>
+        </p:txBody>
+      </p:sp>
+      <p:pic>
+        <p:nvPicPr>
+          <p:cNvPr id="7" name="Content Placeholder 6" descr="A graph with blue and white lines&#10;&#10;Description automatically generated">
+            <a:extLst>
+              <a:ext uri="{FF2B5EF4-FFF2-40B4-BE49-F238E27FC236}">
+                <a16:creationId xmlns:a16="http://schemas.microsoft.com/office/drawing/2014/main" id="{5EDF2DE9-0211-14F3-01DF-03A47EC8C4BF}"/>
+              </a:ext>
+            </a:extLst>
+          </p:cNvPr>
+          <p:cNvPicPr>
+            <a:picLocks noGrp="1" noChangeAspect="1"/>
+          </p:cNvPicPr>
+          <p:nvPr>
+            <p:ph sz="half" idx="1"/>
+          </p:nvPr>
+        </p:nvPicPr>
+        <p:blipFill>
+          <a:blip r:embed="rId2">
+            <a:extLst>
+              <a:ext uri="{28A0092B-C50C-407E-A947-70E740481C1C}">
+                <a14:useLocalDpi xmlns:a14="http://schemas.microsoft.com/office/drawing/2010/main" val="0"/>
+              </a:ext>
+            </a:extLst>
+          </a:blip>
+          <a:stretch>
+            <a:fillRect/>
+          </a:stretch>
+        </p:blipFill>
+        <p:spPr>
+          <a:xfrm>
+            <a:off x="1253331" y="1825625"/>
+            <a:ext cx="4351338" cy="4351338"/>
+          </a:xfrm>
+        </p:spPr>
+      </p:pic>
+      <p:pic>
+        <p:nvPicPr>
+          <p:cNvPr id="13" name="Content Placeholder 12" descr="A graph with blue and white bars&#10;&#10;Description automatically generated">
+            <a:extLst>
+              <a:ext uri="{FF2B5EF4-FFF2-40B4-BE49-F238E27FC236}">
+                <a16:creationId xmlns:a16="http://schemas.microsoft.com/office/drawing/2014/main" id="{03429527-9567-1982-3C5A-CB658AFED91A}"/>
+              </a:ext>
+            </a:extLst>
+          </p:cNvPr>
+          <p:cNvPicPr>
+            <a:picLocks noGrp="1" noChangeAspect="1"/>
+          </p:cNvPicPr>
+          <p:nvPr>
+            <p:ph sz="half" idx="2"/>
+          </p:nvPr>
+        </p:nvPicPr>
+        <p:blipFill>
+          <a:blip r:embed="rId3">
+            <a:extLst>
+              <a:ext uri="{28A0092B-C50C-407E-A947-70E740481C1C}">
+                <a14:useLocalDpi xmlns:a14="http://schemas.microsoft.com/office/drawing/2010/main" val="0"/>
+              </a:ext>
+            </a:extLst>
+          </a:blip>
+          <a:stretch>
+            <a:fillRect/>
+          </a:stretch>
+        </p:blipFill>
+        <p:spPr>
+          <a:xfrm>
+            <a:off x="6587331" y="1825625"/>
+            <a:ext cx="4351338" cy="4351338"/>
+          </a:xfrm>
+        </p:spPr>
+      </p:pic>
+    </p:spTree>
+    <p:extLst>
+      <p:ext uri="{BB962C8B-B14F-4D97-AF65-F5344CB8AC3E}">
+        <p14:creationId xmlns:p14="http://schemas.microsoft.com/office/powerpoint/2010/main" val="4209126147"/>
+      </p:ext>
+    </p:extLst>
+  </p:cSld>
+  <p:clrMapOvr>
+    <a:masterClrMapping/>
+  </p:clrMapOvr>
+</p:sld>
+</file>
+
+<file path=ppt/slides/slide24.xml><?xml version="1.0" encoding="utf-8"?>
+<p:sld xmlns:a="http://schemas.openxmlformats.org/drawingml/2006/main" xmlns:r="http://schemas.openxmlformats.org/officeDocument/2006/relationships" xmlns:p="http://schemas.openxmlformats.org/presentationml/2006/main">
+  <p:cSld>
+    <p:spTree>
+      <p:nvGrpSpPr>
+        <p:cNvPr id="1" name=""/>
+        <p:cNvGrpSpPr/>
+        <p:nvPr/>
+      </p:nvGrpSpPr>
+      <p:grpSpPr>
+        <a:xfrm>
+          <a:off x="0" y="0"/>
+          <a:ext cx="0" cy="0"/>
+          <a:chOff x="0" y="0"/>
+          <a:chExt cx="0" cy="0"/>
+        </a:xfrm>
+      </p:grpSpPr>
+      <p:sp>
+        <p:nvSpPr>
+          <p:cNvPr id="2" name="Title 1">
+            <a:extLst>
+              <a:ext uri="{FF2B5EF4-FFF2-40B4-BE49-F238E27FC236}">
+                <a16:creationId xmlns:a16="http://schemas.microsoft.com/office/drawing/2014/main" id="{D007913A-98C5-E668-F3B6-E24491CD6EAE}"/>
+              </a:ext>
+            </a:extLst>
+          </p:cNvPr>
+          <p:cNvSpPr>
+            <a:spLocks noGrp="1"/>
+          </p:cNvSpPr>
+          <p:nvPr>
+            <p:ph type="title"/>
+          </p:nvPr>
+        </p:nvSpPr>
+        <p:spPr/>
+        <p:txBody>
+          <a:bodyPr/>
+          <a:lstStyle/>
+          <a:p>
+            <a:r>
+              <a:rPr lang="en-GB" dirty="0" err="1"/>
+              <a:t>Eskalation</a:t>
+            </a:r>
+            <a:r>
+              <a:rPr lang="en-GB" dirty="0"/>
+              <a:t>: </a:t>
+            </a:r>
+            <a:r>
+              <a:rPr lang="en-GB" dirty="0" err="1"/>
+              <a:t>Wann</a:t>
+            </a:r>
+            <a:r>
+              <a:rPr lang="en-GB" dirty="0"/>
+              <a:t> </a:t>
+            </a:r>
+            <a:r>
+              <a:rPr lang="en-GB" dirty="0" err="1"/>
+              <a:t>wurden</a:t>
+            </a:r>
+            <a:r>
+              <a:rPr lang="en-GB" dirty="0"/>
+              <a:t> </a:t>
+            </a:r>
+            <a:r>
+              <a:rPr lang="en-GB" dirty="0" err="1"/>
+              <a:t>Patienten</a:t>
+            </a:r>
+            <a:r>
+              <a:rPr lang="en-GB" dirty="0"/>
+              <a:t> ins </a:t>
+            </a:r>
+            <a:r>
+              <a:rPr lang="en-GB" dirty="0" err="1"/>
+              <a:t>Krankenhaus</a:t>
+            </a:r>
+            <a:r>
+              <a:rPr lang="en-GB" dirty="0"/>
+              <a:t> </a:t>
+            </a:r>
+            <a:r>
+              <a:rPr lang="en-GB" dirty="0" err="1"/>
+              <a:t>einge</a:t>
+            </a:r>
+            <a:r>
+              <a:rPr lang="en-GB" dirty="0"/>
+              <a:t>- </a:t>
+            </a:r>
+            <a:r>
+              <a:rPr lang="en-GB" dirty="0" err="1"/>
+              <a:t>oder</a:t>
+            </a:r>
+            <a:r>
+              <a:rPr lang="en-GB" dirty="0"/>
+              <a:t> </a:t>
+            </a:r>
+            <a:r>
+              <a:rPr lang="en-GB" dirty="0" err="1"/>
+              <a:t>überwiesen</a:t>
+            </a:r>
+            <a:r>
+              <a:rPr lang="en-GB" dirty="0"/>
+              <a:t>?</a:t>
+            </a:r>
+            <a:endParaRPr lang="LID4096" dirty="0"/>
+          </a:p>
+        </p:txBody>
+      </p:sp>
+      <p:sp>
+        <p:nvSpPr>
+          <p:cNvPr id="9" name="TextBox 8">
+            <a:extLst>
+              <a:ext uri="{FF2B5EF4-FFF2-40B4-BE49-F238E27FC236}">
+                <a16:creationId xmlns:a16="http://schemas.microsoft.com/office/drawing/2014/main" id="{4F29F117-A5D9-E1F0-2CF6-D5C534BB1DCA}"/>
+              </a:ext>
+            </a:extLst>
+          </p:cNvPr>
+          <p:cNvSpPr txBox="1"/>
+          <p:nvPr/>
+        </p:nvSpPr>
+        <p:spPr>
+          <a:xfrm>
+            <a:off x="1552754" y="6305909"/>
+            <a:ext cx="9454551" cy="338554"/>
+          </a:xfrm>
+          <a:prstGeom prst="rect">
+            <a:avLst/>
+          </a:prstGeom>
+          <a:noFill/>
+        </p:spPr>
+        <p:txBody>
+          <a:bodyPr wrap="square" rtlCol="0">
+            <a:spAutoFit/>
+          </a:bodyPr>
+          <a:lstStyle/>
+          <a:p>
+            <a:pPr algn="ctr"/>
+            <a:r>
+              <a:rPr lang="de-DE" sz="1600" dirty="0"/>
+              <a:t>Auch hier sehen wir, dass Patienten häufig umgehend ins Krankenhaus geschickt wurden. Ansonsten kein Trend.</a:t>
+            </a:r>
+          </a:p>
+        </p:txBody>
+      </p:sp>
+      <p:pic>
+        <p:nvPicPr>
+          <p:cNvPr id="8" name="Content Placeholder 7" descr="A graph with blue lines&#10;&#10;Description automatically generated">
+            <a:extLst>
+              <a:ext uri="{FF2B5EF4-FFF2-40B4-BE49-F238E27FC236}">
+                <a16:creationId xmlns:a16="http://schemas.microsoft.com/office/drawing/2014/main" id="{9AC995F1-5B5D-2877-1382-5B02B459F329}"/>
+              </a:ext>
+            </a:extLst>
+          </p:cNvPr>
+          <p:cNvPicPr>
+            <a:picLocks noGrp="1" noChangeAspect="1"/>
+          </p:cNvPicPr>
+          <p:nvPr>
+            <p:ph sz="half" idx="1"/>
+          </p:nvPr>
+        </p:nvPicPr>
+        <p:blipFill>
+          <a:blip r:embed="rId2">
+            <a:extLst>
+              <a:ext uri="{28A0092B-C50C-407E-A947-70E740481C1C}">
+                <a14:useLocalDpi xmlns:a14="http://schemas.microsoft.com/office/drawing/2010/main" val="0"/>
+              </a:ext>
+            </a:extLst>
+          </a:blip>
+          <a:stretch>
+            <a:fillRect/>
+          </a:stretch>
+        </p:blipFill>
+        <p:spPr>
+          <a:xfrm>
+            <a:off x="1253331" y="1825625"/>
+            <a:ext cx="4351338" cy="4351338"/>
+          </a:xfrm>
+        </p:spPr>
+      </p:pic>
+      <p:pic>
+        <p:nvPicPr>
+          <p:cNvPr id="13" name="Content Placeholder 12" descr="A graph with numbers and lines&#10;&#10;Description automatically generated">
+            <a:extLst>
+              <a:ext uri="{FF2B5EF4-FFF2-40B4-BE49-F238E27FC236}">
+                <a16:creationId xmlns:a16="http://schemas.microsoft.com/office/drawing/2014/main" id="{8055AF0D-6969-9709-A7E7-2CC13B4714D8}"/>
+              </a:ext>
+            </a:extLst>
+          </p:cNvPr>
+          <p:cNvPicPr>
+            <a:picLocks noGrp="1" noChangeAspect="1"/>
+          </p:cNvPicPr>
+          <p:nvPr>
+            <p:ph sz="half" idx="2"/>
+          </p:nvPr>
+        </p:nvPicPr>
+        <p:blipFill>
+          <a:blip r:embed="rId3">
+            <a:extLst>
+              <a:ext uri="{28A0092B-C50C-407E-A947-70E740481C1C}">
+                <a14:useLocalDpi xmlns:a14="http://schemas.microsoft.com/office/drawing/2010/main" val="0"/>
+              </a:ext>
+            </a:extLst>
+          </a:blip>
+          <a:stretch>
+            <a:fillRect/>
+          </a:stretch>
+        </p:blipFill>
+        <p:spPr>
+          <a:xfrm>
+            <a:off x="6587331" y="1825625"/>
+            <a:ext cx="4351338" cy="4351338"/>
+          </a:xfrm>
+        </p:spPr>
+      </p:pic>
+    </p:spTree>
+    <p:extLst>
+      <p:ext uri="{BB962C8B-B14F-4D97-AF65-F5344CB8AC3E}">
+        <p14:creationId xmlns:p14="http://schemas.microsoft.com/office/powerpoint/2010/main" val="450225293"/>
+      </p:ext>
+    </p:extLst>
+  </p:cSld>
+  <p:clrMapOvr>
+    <a:masterClrMapping/>
+  </p:clrMapOvr>
+</p:sld>
+</file>
+
+<file path=ppt/slides/slide25.xml><?xml version="1.0" encoding="utf-8"?>
+<p:sld xmlns:a="http://schemas.openxmlformats.org/drawingml/2006/main" xmlns:r="http://schemas.openxmlformats.org/officeDocument/2006/relationships" xmlns:p="http://schemas.openxmlformats.org/presentationml/2006/main">
+  <p:cSld>
+    <p:spTree>
+      <p:nvGrpSpPr>
+        <p:cNvPr id="1" name=""/>
+        <p:cNvGrpSpPr/>
+        <p:nvPr/>
+      </p:nvGrpSpPr>
+      <p:grpSpPr>
+        <a:xfrm>
+          <a:off x="0" y="0"/>
+          <a:ext cx="0" cy="0"/>
+          <a:chOff x="0" y="0"/>
+          <a:chExt cx="0" cy="0"/>
+        </a:xfrm>
+      </p:grpSpPr>
+      <p:sp>
+        <p:nvSpPr>
+          <p:cNvPr id="2" name="Title 1">
+            <a:extLst>
+              <a:ext uri="{FF2B5EF4-FFF2-40B4-BE49-F238E27FC236}">
+                <a16:creationId xmlns:a16="http://schemas.microsoft.com/office/drawing/2014/main" id="{48277CD2-1DD5-E450-AF4D-A98B28F85185}"/>
+              </a:ext>
+            </a:extLst>
+          </p:cNvPr>
+          <p:cNvSpPr>
+            <a:spLocks noGrp="1"/>
+          </p:cNvSpPr>
+          <p:nvPr>
+            <p:ph type="title"/>
+          </p:nvPr>
+        </p:nvSpPr>
+        <p:spPr/>
+        <p:txBody>
+          <a:bodyPr/>
+          <a:lstStyle/>
+          <a:p>
+            <a:r>
+              <a:rPr lang="en-GB" dirty="0" err="1"/>
+              <a:t>Eskalation</a:t>
+            </a:r>
+            <a:r>
+              <a:rPr lang="en-GB" dirty="0"/>
+              <a:t>: </a:t>
+            </a:r>
+            <a:r>
+              <a:rPr lang="en-GB" dirty="0" err="1"/>
+              <a:t>Wann</a:t>
+            </a:r>
+            <a:r>
+              <a:rPr lang="en-GB" dirty="0"/>
+              <a:t> wurde (</a:t>
+            </a:r>
+            <a:r>
+              <a:rPr lang="en-GB" dirty="0" err="1"/>
+              <a:t>irgend</a:t>
+            </a:r>
+            <a:r>
+              <a:rPr lang="en-GB" dirty="0"/>
+              <a:t>-) </a:t>
+            </a:r>
+            <a:r>
+              <a:rPr lang="en-GB" dirty="0" err="1"/>
+              <a:t>ein</a:t>
+            </a:r>
+            <a:r>
+              <a:rPr lang="en-GB" dirty="0"/>
+              <a:t> </a:t>
+            </a:r>
+            <a:r>
+              <a:rPr lang="en-GB" dirty="0" err="1"/>
+              <a:t>Labortest</a:t>
+            </a:r>
+            <a:r>
+              <a:rPr lang="en-GB" dirty="0"/>
+              <a:t> </a:t>
+            </a:r>
+            <a:r>
+              <a:rPr lang="en-GB" dirty="0" err="1"/>
+              <a:t>angeordnet</a:t>
+            </a:r>
+            <a:r>
+              <a:rPr lang="en-GB" dirty="0"/>
+              <a:t>?</a:t>
+            </a:r>
+            <a:endParaRPr lang="LID4096" dirty="0"/>
+          </a:p>
+        </p:txBody>
+      </p:sp>
+      <p:pic>
+        <p:nvPicPr>
+          <p:cNvPr id="6" name="Content Placeholder 5" descr="A graph with numbers and lines&#10;&#10;Description automatically generated">
+            <a:extLst>
+              <a:ext uri="{FF2B5EF4-FFF2-40B4-BE49-F238E27FC236}">
+                <a16:creationId xmlns:a16="http://schemas.microsoft.com/office/drawing/2014/main" id="{FDA3C3EC-C146-5F99-75C8-DD0E34EA30FA}"/>
+              </a:ext>
+            </a:extLst>
+          </p:cNvPr>
+          <p:cNvPicPr>
+            <a:picLocks noGrp="1" noChangeAspect="1"/>
+          </p:cNvPicPr>
+          <p:nvPr>
+            <p:ph sz="half" idx="1"/>
+          </p:nvPr>
+        </p:nvPicPr>
+        <p:blipFill>
+          <a:blip r:embed="rId2">
+            <a:extLst>
+              <a:ext uri="{28A0092B-C50C-407E-A947-70E740481C1C}">
+                <a14:useLocalDpi xmlns:a14="http://schemas.microsoft.com/office/drawing/2010/main" val="0"/>
+              </a:ext>
+            </a:extLst>
+          </a:blip>
+          <a:stretch>
+            <a:fillRect/>
+          </a:stretch>
+        </p:blipFill>
+        <p:spPr>
+          <a:xfrm>
+            <a:off x="1253331" y="1825625"/>
+            <a:ext cx="4351338" cy="4351338"/>
+          </a:xfrm>
+        </p:spPr>
+      </p:pic>
+      <p:pic>
+        <p:nvPicPr>
+          <p:cNvPr id="8" name="Content Placeholder 7" descr="A graph with blue and white bars&#10;&#10;Description automatically generated">
+            <a:extLst>
+              <a:ext uri="{FF2B5EF4-FFF2-40B4-BE49-F238E27FC236}">
+                <a16:creationId xmlns:a16="http://schemas.microsoft.com/office/drawing/2014/main" id="{42107D00-521D-622B-7752-5DF397224381}"/>
+              </a:ext>
+            </a:extLst>
+          </p:cNvPr>
+          <p:cNvPicPr>
+            <a:picLocks noGrp="1" noChangeAspect="1"/>
+          </p:cNvPicPr>
+          <p:nvPr>
+            <p:ph sz="half" idx="2"/>
+          </p:nvPr>
+        </p:nvPicPr>
+        <p:blipFill>
+          <a:blip r:embed="rId3">
+            <a:extLst>
+              <a:ext uri="{28A0092B-C50C-407E-A947-70E740481C1C}">
+                <a14:useLocalDpi xmlns:a14="http://schemas.microsoft.com/office/drawing/2010/main" val="0"/>
+              </a:ext>
+            </a:extLst>
+          </a:blip>
+          <a:stretch>
+            <a:fillRect/>
+          </a:stretch>
+        </p:blipFill>
+        <p:spPr>
+          <a:xfrm>
+            <a:off x="6587331" y="1825625"/>
+            <a:ext cx="4351338" cy="4351338"/>
+          </a:xfrm>
+        </p:spPr>
+      </p:pic>
+      <p:sp>
+        <p:nvSpPr>
+          <p:cNvPr id="9" name="TextBox 8">
+            <a:extLst>
+              <a:ext uri="{FF2B5EF4-FFF2-40B4-BE49-F238E27FC236}">
+                <a16:creationId xmlns:a16="http://schemas.microsoft.com/office/drawing/2014/main" id="{44D47838-8017-23AE-FF64-AF049107F68C}"/>
+              </a:ext>
+            </a:extLst>
+          </p:cNvPr>
+          <p:cNvSpPr txBox="1"/>
+          <p:nvPr/>
+        </p:nvSpPr>
+        <p:spPr>
+          <a:xfrm>
+            <a:off x="1552754" y="6305909"/>
+            <a:ext cx="9454551" cy="584775"/>
+          </a:xfrm>
+          <a:prstGeom prst="rect">
+            <a:avLst/>
+          </a:prstGeom>
+          <a:noFill/>
+        </p:spPr>
+        <p:txBody>
+          <a:bodyPr wrap="square" rtlCol="0">
+            <a:spAutoFit/>
+          </a:bodyPr>
+          <a:lstStyle/>
+          <a:p>
+            <a:pPr algn="ctr"/>
+            <a:r>
+              <a:rPr lang="de-DE" sz="1600" dirty="0"/>
+              <a:t>Die meisten Tests werden nichts mit Husten zu tun gehabt haben. Das kann man an den Inhalten der Tests und an dem scharfen Abfall von Tests nach 56 Tagen in R1 sehen.</a:t>
+            </a:r>
+          </a:p>
+        </p:txBody>
+      </p:sp>
+    </p:spTree>
+    <p:extLst>
+      <p:ext uri="{BB962C8B-B14F-4D97-AF65-F5344CB8AC3E}">
+        <p14:creationId xmlns:p14="http://schemas.microsoft.com/office/powerpoint/2010/main" val="958157743"/>
+      </p:ext>
+    </p:extLst>
+  </p:cSld>
+  <p:clrMapOvr>
+    <a:masterClrMapping/>
+  </p:clrMapOvr>
+</p:sld>
+</file>
+
+<file path=ppt/slides/slide26.xml><?xml version="1.0" encoding="utf-8"?>
+<p:sld xmlns:a="http://schemas.openxmlformats.org/drawingml/2006/main" xmlns:r="http://schemas.openxmlformats.org/officeDocument/2006/relationships" xmlns:p="http://schemas.openxmlformats.org/presentationml/2006/main">
+  <p:cSld>
+    <p:spTree>
+      <p:nvGrpSpPr>
+        <p:cNvPr id="1" name=""/>
+        <p:cNvGrpSpPr/>
+        <p:nvPr/>
+      </p:nvGrpSpPr>
+      <p:grpSpPr>
+        <a:xfrm>
+          <a:off x="0" y="0"/>
+          <a:ext cx="0" cy="0"/>
+          <a:chOff x="0" y="0"/>
+          <a:chExt cx="0" cy="0"/>
+        </a:xfrm>
+      </p:grpSpPr>
+      <p:sp>
+        <p:nvSpPr>
+          <p:cNvPr id="2" name="Title 1">
+            <a:extLst>
+              <a:ext uri="{FF2B5EF4-FFF2-40B4-BE49-F238E27FC236}">
+                <a16:creationId xmlns:a16="http://schemas.microsoft.com/office/drawing/2014/main" id="{D007913A-98C5-E668-F3B6-E24491CD6EAE}"/>
+              </a:ext>
+            </a:extLst>
+          </p:cNvPr>
+          <p:cNvSpPr>
+            <a:spLocks noGrp="1"/>
+          </p:cNvSpPr>
+          <p:nvPr>
+            <p:ph type="title"/>
+          </p:nvPr>
+        </p:nvSpPr>
+        <p:spPr/>
+        <p:txBody>
+          <a:bodyPr/>
+          <a:lstStyle/>
+          <a:p>
+            <a:r>
+              <a:rPr lang="en-GB" dirty="0" err="1"/>
+              <a:t>Eskalation</a:t>
+            </a:r>
+            <a:r>
+              <a:rPr lang="en-GB" dirty="0"/>
+              <a:t>: </a:t>
+            </a:r>
+            <a:r>
+              <a:rPr lang="en-GB" dirty="0" err="1"/>
+              <a:t>Wann</a:t>
+            </a:r>
+            <a:r>
+              <a:rPr lang="en-GB" dirty="0"/>
+              <a:t> wurde auf C-</a:t>
+            </a:r>
+            <a:r>
+              <a:rPr lang="en-GB" dirty="0" err="1"/>
+              <a:t>reaktives</a:t>
+            </a:r>
+            <a:r>
+              <a:rPr lang="en-GB" dirty="0"/>
+              <a:t> Protein </a:t>
+            </a:r>
+            <a:r>
+              <a:rPr lang="en-GB" dirty="0" err="1"/>
+              <a:t>getestet</a:t>
+            </a:r>
+            <a:r>
+              <a:rPr lang="en-GB" dirty="0"/>
+              <a:t>?</a:t>
+            </a:r>
+            <a:endParaRPr lang="LID4096" dirty="0"/>
+          </a:p>
+        </p:txBody>
+      </p:sp>
+      <p:pic>
+        <p:nvPicPr>
+          <p:cNvPr id="6" name="Content Placeholder 5" descr="A graph with blue lines&#10;&#10;Description automatically generated">
+            <a:extLst>
+              <a:ext uri="{FF2B5EF4-FFF2-40B4-BE49-F238E27FC236}">
+                <a16:creationId xmlns:a16="http://schemas.microsoft.com/office/drawing/2014/main" id="{D0A5AC2D-935B-0F28-FC16-E98E04491481}"/>
+              </a:ext>
+            </a:extLst>
+          </p:cNvPr>
+          <p:cNvPicPr>
+            <a:picLocks noGrp="1" noChangeAspect="1"/>
+          </p:cNvPicPr>
+          <p:nvPr>
+            <p:ph sz="half" idx="1"/>
+          </p:nvPr>
+        </p:nvPicPr>
+        <p:blipFill>
+          <a:blip r:embed="rId2">
+            <a:extLst>
+              <a:ext uri="{28A0092B-C50C-407E-A947-70E740481C1C}">
+                <a14:useLocalDpi xmlns:a14="http://schemas.microsoft.com/office/drawing/2010/main" val="0"/>
+              </a:ext>
+            </a:extLst>
+          </a:blip>
+          <a:stretch>
+            <a:fillRect/>
+          </a:stretch>
+        </p:blipFill>
+        <p:spPr>
+          <a:xfrm>
+            <a:off x="1253331" y="1825625"/>
+            <a:ext cx="4351338" cy="4351338"/>
+          </a:xfrm>
+        </p:spPr>
+      </p:pic>
+      <p:pic>
+        <p:nvPicPr>
+          <p:cNvPr id="8" name="Content Placeholder 7" descr="A graph with blue lines&#10;&#10;Description automatically generated">
+            <a:extLst>
+              <a:ext uri="{FF2B5EF4-FFF2-40B4-BE49-F238E27FC236}">
+                <a16:creationId xmlns:a16="http://schemas.microsoft.com/office/drawing/2014/main" id="{198D885D-B92A-DA5D-5D5D-521D23B30555}"/>
+              </a:ext>
+            </a:extLst>
+          </p:cNvPr>
+          <p:cNvPicPr>
+            <a:picLocks noGrp="1" noChangeAspect="1"/>
+          </p:cNvPicPr>
+          <p:nvPr>
+            <p:ph sz="half" idx="2"/>
+          </p:nvPr>
+        </p:nvPicPr>
+        <p:blipFill>
+          <a:blip r:embed="rId3">
+            <a:extLst>
+              <a:ext uri="{28A0092B-C50C-407E-A947-70E740481C1C}">
+                <a14:useLocalDpi xmlns:a14="http://schemas.microsoft.com/office/drawing/2010/main" val="0"/>
+              </a:ext>
+            </a:extLst>
+          </a:blip>
+          <a:stretch>
+            <a:fillRect/>
+          </a:stretch>
+        </p:blipFill>
+        <p:spPr>
+          <a:xfrm>
+            <a:off x="6587331" y="1825625"/>
+            <a:ext cx="4351338" cy="4351338"/>
+          </a:xfrm>
+        </p:spPr>
+      </p:pic>
+      <p:sp>
+        <p:nvSpPr>
+          <p:cNvPr id="9" name="TextBox 8">
+            <a:extLst>
+              <a:ext uri="{FF2B5EF4-FFF2-40B4-BE49-F238E27FC236}">
+                <a16:creationId xmlns:a16="http://schemas.microsoft.com/office/drawing/2014/main" id="{4F29F117-A5D9-E1F0-2CF6-D5C534BB1DCA}"/>
+              </a:ext>
+            </a:extLst>
+          </p:cNvPr>
+          <p:cNvSpPr txBox="1"/>
+          <p:nvPr/>
+        </p:nvSpPr>
+        <p:spPr>
+          <a:xfrm>
+            <a:off x="1552754" y="6305909"/>
+            <a:ext cx="9454551" cy="584775"/>
+          </a:xfrm>
+          <a:prstGeom prst="rect">
+            <a:avLst/>
+          </a:prstGeom>
+          <a:noFill/>
+        </p:spPr>
+        <p:txBody>
+          <a:bodyPr wrap="square" rtlCol="0">
+            <a:spAutoFit/>
+          </a:bodyPr>
+          <a:lstStyle/>
+          <a:p>
+            <a:pPr algn="ctr"/>
+            <a:r>
+              <a:rPr lang="de-DE" sz="1600" dirty="0"/>
+              <a:t>In den meisten Fällen wurde sehr zeitnah auf CRP getestet. In einer nicht unerheblichen Anzahl von Fällen wurde aber erst später getestet. Wir sehen ein recht robustes, abfallendes Muster.</a:t>
+            </a:r>
+          </a:p>
+        </p:txBody>
+      </p:sp>
+    </p:spTree>
+    <p:extLst>
+      <p:ext uri="{BB962C8B-B14F-4D97-AF65-F5344CB8AC3E}">
+        <p14:creationId xmlns:p14="http://schemas.microsoft.com/office/powerpoint/2010/main" val="2660217030"/>
+      </p:ext>
+    </p:extLst>
+  </p:cSld>
+  <p:clrMapOvr>
+    <a:masterClrMapping/>
+  </p:clrMapOvr>
+</p:sld>
+</file>
+
+<file path=ppt/slides/slide27.xml><?xml version="1.0" encoding="utf-8"?>
+<p:sld xmlns:a="http://schemas.openxmlformats.org/drawingml/2006/main" xmlns:r="http://schemas.openxmlformats.org/officeDocument/2006/relationships" xmlns:p="http://schemas.openxmlformats.org/presentationml/2006/main">
+  <p:cSld>
+    <p:spTree>
+      <p:nvGrpSpPr>
+        <p:cNvPr id="1" name=""/>
+        <p:cNvGrpSpPr/>
+        <p:nvPr/>
+      </p:nvGrpSpPr>
+      <p:grpSpPr>
+        <a:xfrm>
+          <a:off x="0" y="0"/>
+          <a:ext cx="0" cy="0"/>
+          <a:chOff x="0" y="0"/>
+          <a:chExt cx="0" cy="0"/>
+        </a:xfrm>
+      </p:grpSpPr>
+      <p:sp>
+        <p:nvSpPr>
+          <p:cNvPr id="2" name="Title 1">
+            <a:extLst>
+              <a:ext uri="{FF2B5EF4-FFF2-40B4-BE49-F238E27FC236}">
+                <a16:creationId xmlns:a16="http://schemas.microsoft.com/office/drawing/2014/main" id="{D007913A-98C5-E668-F3B6-E24491CD6EAE}"/>
+              </a:ext>
+            </a:extLst>
+          </p:cNvPr>
+          <p:cNvSpPr>
+            <a:spLocks noGrp="1"/>
+          </p:cNvSpPr>
+          <p:nvPr>
+            <p:ph type="title"/>
+          </p:nvPr>
+        </p:nvSpPr>
+        <p:spPr/>
+        <p:txBody>
+          <a:bodyPr/>
+          <a:lstStyle/>
+          <a:p>
+            <a:r>
+              <a:rPr lang="en-GB" dirty="0" err="1"/>
+              <a:t>Eskalation</a:t>
+            </a:r>
+            <a:r>
+              <a:rPr lang="en-GB" dirty="0"/>
+              <a:t>: </a:t>
+            </a:r>
+            <a:r>
+              <a:rPr lang="en-GB" dirty="0" err="1"/>
+              <a:t>Wann</a:t>
+            </a:r>
+            <a:r>
+              <a:rPr lang="en-GB" dirty="0"/>
+              <a:t> wurde auf Procalcitonin </a:t>
+            </a:r>
+            <a:r>
+              <a:rPr lang="en-GB" dirty="0" err="1"/>
+              <a:t>getestet</a:t>
+            </a:r>
+            <a:r>
+              <a:rPr lang="en-GB" dirty="0"/>
+              <a:t>?</a:t>
+            </a:r>
+            <a:endParaRPr lang="LID4096" dirty="0"/>
+          </a:p>
+        </p:txBody>
+      </p:sp>
+      <p:sp>
+        <p:nvSpPr>
+          <p:cNvPr id="9" name="TextBox 8">
+            <a:extLst>
+              <a:ext uri="{FF2B5EF4-FFF2-40B4-BE49-F238E27FC236}">
+                <a16:creationId xmlns:a16="http://schemas.microsoft.com/office/drawing/2014/main" id="{4F29F117-A5D9-E1F0-2CF6-D5C534BB1DCA}"/>
+              </a:ext>
+            </a:extLst>
+          </p:cNvPr>
+          <p:cNvSpPr txBox="1"/>
+          <p:nvPr/>
+        </p:nvSpPr>
+        <p:spPr>
+          <a:xfrm>
+            <a:off x="1552754" y="6305909"/>
+            <a:ext cx="9454551" cy="584775"/>
+          </a:xfrm>
+          <a:prstGeom prst="rect">
+            <a:avLst/>
+          </a:prstGeom>
+          <a:noFill/>
+        </p:spPr>
+        <p:txBody>
+          <a:bodyPr wrap="square" rtlCol="0">
+            <a:spAutoFit/>
+          </a:bodyPr>
+          <a:lstStyle/>
+          <a:p>
+            <a:pPr algn="ctr"/>
+            <a:r>
+              <a:rPr lang="de-DE" sz="1600" dirty="0"/>
+              <a:t>In den meisten Fällen wurde ebenfalls sehr zeitnah auf Procalcitonin getestet. Wegen der Seltenheit dieses Tests sind die Muster, die wir sehen, mit viel Vorsicht zu genießen.</a:t>
+            </a:r>
+          </a:p>
+        </p:txBody>
+      </p:sp>
+      <p:pic>
+        <p:nvPicPr>
+          <p:cNvPr id="7" name="Content Placeholder 6" descr="A graph with blue lines&#10;&#10;Description automatically generated">
+            <a:extLst>
+              <a:ext uri="{FF2B5EF4-FFF2-40B4-BE49-F238E27FC236}">
+                <a16:creationId xmlns:a16="http://schemas.microsoft.com/office/drawing/2014/main" id="{513D19C1-CBE5-A799-56DE-8A5E273592FF}"/>
+              </a:ext>
+            </a:extLst>
+          </p:cNvPr>
+          <p:cNvPicPr>
+            <a:picLocks noGrp="1" noChangeAspect="1"/>
+          </p:cNvPicPr>
+          <p:nvPr>
+            <p:ph sz="half" idx="1"/>
+          </p:nvPr>
+        </p:nvPicPr>
+        <p:blipFill>
+          <a:blip r:embed="rId2">
+            <a:extLst>
+              <a:ext uri="{28A0092B-C50C-407E-A947-70E740481C1C}">
+                <a14:useLocalDpi xmlns:a14="http://schemas.microsoft.com/office/drawing/2010/main" val="0"/>
+              </a:ext>
+            </a:extLst>
+          </a:blip>
+          <a:stretch>
+            <a:fillRect/>
+          </a:stretch>
+        </p:blipFill>
+        <p:spPr>
+          <a:xfrm>
+            <a:off x="1253331" y="1825625"/>
+            <a:ext cx="4351338" cy="4351338"/>
+          </a:xfrm>
+        </p:spPr>
+      </p:pic>
+      <p:pic>
+        <p:nvPicPr>
+          <p:cNvPr id="13" name="Content Placeholder 12" descr="A graph of a number of times&#10;&#10;Description automatically generated with medium confidence">
+            <a:extLst>
+              <a:ext uri="{FF2B5EF4-FFF2-40B4-BE49-F238E27FC236}">
+                <a16:creationId xmlns:a16="http://schemas.microsoft.com/office/drawing/2014/main" id="{AF248D50-00D2-B6D1-8A4C-1A0E20D62B18}"/>
+              </a:ext>
+            </a:extLst>
+          </p:cNvPr>
+          <p:cNvPicPr>
+            <a:picLocks noGrp="1" noChangeAspect="1"/>
+          </p:cNvPicPr>
+          <p:nvPr>
+            <p:ph sz="half" idx="2"/>
+          </p:nvPr>
+        </p:nvPicPr>
+        <p:blipFill>
+          <a:blip r:embed="rId3">
+            <a:extLst>
+              <a:ext uri="{28A0092B-C50C-407E-A947-70E740481C1C}">
+                <a14:useLocalDpi xmlns:a14="http://schemas.microsoft.com/office/drawing/2010/main" val="0"/>
+              </a:ext>
+            </a:extLst>
+          </a:blip>
+          <a:stretch>
+            <a:fillRect/>
+          </a:stretch>
+        </p:blipFill>
+        <p:spPr>
+          <a:xfrm>
+            <a:off x="6587331" y="1825625"/>
+            <a:ext cx="4351338" cy="4351338"/>
+          </a:xfrm>
+        </p:spPr>
+      </p:pic>
+    </p:spTree>
+    <p:extLst>
+      <p:ext uri="{BB962C8B-B14F-4D97-AF65-F5344CB8AC3E}">
+        <p14:creationId xmlns:p14="http://schemas.microsoft.com/office/powerpoint/2010/main" val="1825247911"/>
+      </p:ext>
+    </p:extLst>
+  </p:cSld>
+  <p:clrMapOvr>
+    <a:masterClrMapping/>
+  </p:clrMapOvr>
+</p:sld>
+</file>
+
+<file path=ppt/slides/slide28.xml><?xml version="1.0" encoding="utf-8"?>
+<p:sld xmlns:a="http://schemas.openxmlformats.org/drawingml/2006/main" xmlns:r="http://schemas.openxmlformats.org/officeDocument/2006/relationships" xmlns:p="http://schemas.openxmlformats.org/presentationml/2006/main">
+  <p:cSld>
+    <p:spTree>
+      <p:nvGrpSpPr>
+        <p:cNvPr id="1" name=""/>
+        <p:cNvGrpSpPr/>
+        <p:nvPr/>
+      </p:nvGrpSpPr>
+      <p:grpSpPr>
+        <a:xfrm>
+          <a:off x="0" y="0"/>
+          <a:ext cx="0" cy="0"/>
+          <a:chOff x="0" y="0"/>
+          <a:chExt cx="0" cy="0"/>
+        </a:xfrm>
+      </p:grpSpPr>
+      <p:sp>
+        <p:nvSpPr>
+          <p:cNvPr id="2" name="Title 1">
+            <a:extLst>
+              <a:ext uri="{FF2B5EF4-FFF2-40B4-BE49-F238E27FC236}">
+                <a16:creationId xmlns:a16="http://schemas.microsoft.com/office/drawing/2014/main" id="{D007913A-98C5-E668-F3B6-E24491CD6EAE}"/>
+              </a:ext>
+            </a:extLst>
+          </p:cNvPr>
+          <p:cNvSpPr>
+            <a:spLocks noGrp="1"/>
+          </p:cNvSpPr>
+          <p:nvPr>
+            <p:ph type="title"/>
+          </p:nvPr>
+        </p:nvSpPr>
+        <p:spPr/>
+        <p:txBody>
+          <a:bodyPr/>
+          <a:lstStyle/>
+          <a:p>
+            <a:r>
+              <a:rPr lang="en-GB" dirty="0" err="1"/>
+              <a:t>Eskalation</a:t>
+            </a:r>
+            <a:r>
+              <a:rPr lang="en-GB" dirty="0"/>
+              <a:t>: </a:t>
+            </a:r>
+            <a:r>
+              <a:rPr lang="en-GB" dirty="0" err="1"/>
+              <a:t>Wann</a:t>
+            </a:r>
+            <a:r>
+              <a:rPr lang="en-GB" dirty="0"/>
+              <a:t> wurde </a:t>
+            </a:r>
+            <a:r>
+              <a:rPr lang="en-GB" dirty="0" err="1"/>
+              <a:t>ein</a:t>
+            </a:r>
+            <a:r>
+              <a:rPr lang="en-GB" dirty="0"/>
+              <a:t> </a:t>
+            </a:r>
+            <a:r>
+              <a:rPr lang="en-GB" dirty="0" err="1"/>
+              <a:t>Blutbild</a:t>
+            </a:r>
+            <a:r>
+              <a:rPr lang="en-GB" dirty="0"/>
+              <a:t> </a:t>
+            </a:r>
+            <a:r>
+              <a:rPr lang="en-GB" dirty="0" err="1"/>
+              <a:t>angeordnet</a:t>
+            </a:r>
+            <a:r>
+              <a:rPr lang="en-GB" dirty="0"/>
+              <a:t>?</a:t>
+            </a:r>
+            <a:endParaRPr lang="LID4096" dirty="0"/>
+          </a:p>
+        </p:txBody>
+      </p:sp>
+      <p:sp>
+        <p:nvSpPr>
+          <p:cNvPr id="9" name="TextBox 8">
+            <a:extLst>
+              <a:ext uri="{FF2B5EF4-FFF2-40B4-BE49-F238E27FC236}">
+                <a16:creationId xmlns:a16="http://schemas.microsoft.com/office/drawing/2014/main" id="{4F29F117-A5D9-E1F0-2CF6-D5C534BB1DCA}"/>
+              </a:ext>
+            </a:extLst>
+          </p:cNvPr>
+          <p:cNvSpPr txBox="1"/>
+          <p:nvPr/>
+        </p:nvSpPr>
+        <p:spPr>
+          <a:xfrm>
+            <a:off x="1552754" y="6305909"/>
+            <a:ext cx="9454551" cy="584775"/>
+          </a:xfrm>
+          <a:prstGeom prst="rect">
+            <a:avLst/>
+          </a:prstGeom>
+          <a:noFill/>
+        </p:spPr>
+        <p:txBody>
+          <a:bodyPr wrap="square" rtlCol="0">
+            <a:spAutoFit/>
+          </a:bodyPr>
+          <a:lstStyle/>
+          <a:p>
+            <a:pPr algn="ctr"/>
+            <a:r>
+              <a:rPr lang="de-DE" sz="1600" dirty="0"/>
+              <a:t>Aus den Graphiken selbst lernen wir nichts- wir sehen aber, dass die Hausärzte in den teilnehmenden Praxen nicht üblicherweise Blutbilder anordnen. Differentialblutbilder wurden keine angeordnet.</a:t>
+            </a:r>
+          </a:p>
+        </p:txBody>
+      </p:sp>
+      <p:pic>
+        <p:nvPicPr>
+          <p:cNvPr id="6" name="Content Placeholder 5" descr="A graph of a number of seasons&#10;&#10;Description automatically generated">
+            <a:extLst>
+              <a:ext uri="{FF2B5EF4-FFF2-40B4-BE49-F238E27FC236}">
+                <a16:creationId xmlns:a16="http://schemas.microsoft.com/office/drawing/2014/main" id="{4B00C161-FE62-8E9F-4871-E44D6604D84E}"/>
+              </a:ext>
+            </a:extLst>
+          </p:cNvPr>
+          <p:cNvPicPr>
+            <a:picLocks noGrp="1" noChangeAspect="1"/>
+          </p:cNvPicPr>
+          <p:nvPr>
+            <p:ph sz="half" idx="1"/>
+          </p:nvPr>
+        </p:nvPicPr>
+        <p:blipFill>
+          <a:blip r:embed="rId2">
+            <a:extLst>
+              <a:ext uri="{28A0092B-C50C-407E-A947-70E740481C1C}">
+                <a14:useLocalDpi xmlns:a14="http://schemas.microsoft.com/office/drawing/2010/main" val="0"/>
+              </a:ext>
+            </a:extLst>
+          </a:blip>
+          <a:stretch>
+            <a:fillRect/>
+          </a:stretch>
+        </p:blipFill>
+        <p:spPr>
+          <a:xfrm>
+            <a:off x="1253331" y="1825625"/>
+            <a:ext cx="4351338" cy="4351338"/>
+          </a:xfrm>
+        </p:spPr>
+      </p:pic>
+      <p:pic>
+        <p:nvPicPr>
+          <p:cNvPr id="12" name="Content Placeholder 11" descr="A graph of a number of seasons&#10;&#10;Description automatically generated">
+            <a:extLst>
+              <a:ext uri="{FF2B5EF4-FFF2-40B4-BE49-F238E27FC236}">
+                <a16:creationId xmlns:a16="http://schemas.microsoft.com/office/drawing/2014/main" id="{6C237322-E1BB-44BB-5629-4883861A11A5}"/>
+              </a:ext>
+            </a:extLst>
+          </p:cNvPr>
+          <p:cNvPicPr>
+            <a:picLocks noGrp="1" noChangeAspect="1"/>
+          </p:cNvPicPr>
+          <p:nvPr>
+            <p:ph sz="half" idx="2"/>
+          </p:nvPr>
+        </p:nvPicPr>
+        <p:blipFill>
+          <a:blip r:embed="rId3">
+            <a:extLst>
+              <a:ext uri="{28A0092B-C50C-407E-A947-70E740481C1C}">
+                <a14:useLocalDpi xmlns:a14="http://schemas.microsoft.com/office/drawing/2010/main" val="0"/>
+              </a:ext>
+            </a:extLst>
+          </a:blip>
+          <a:stretch>
+            <a:fillRect/>
+          </a:stretch>
+        </p:blipFill>
+        <p:spPr>
+          <a:xfrm>
+            <a:off x="6587331" y="1825625"/>
+            <a:ext cx="4351338" cy="4351338"/>
+          </a:xfrm>
+        </p:spPr>
+      </p:pic>
+    </p:spTree>
+    <p:extLst>
+      <p:ext uri="{BB962C8B-B14F-4D97-AF65-F5344CB8AC3E}">
+        <p14:creationId xmlns:p14="http://schemas.microsoft.com/office/powerpoint/2010/main" val="1519740885"/>
+      </p:ext>
+    </p:extLst>
+  </p:cSld>
+  <p:clrMapOvr>
+    <a:masterClrMapping/>
+  </p:clrMapOvr>
+</p:sld>
+</file>
+
+<file path=ppt/slides/slide29.xml><?xml version="1.0" encoding="utf-8"?>
+<p:sld xmlns:a="http://schemas.openxmlformats.org/drawingml/2006/main" xmlns:r="http://schemas.openxmlformats.org/officeDocument/2006/relationships" xmlns:p="http://schemas.openxmlformats.org/presentationml/2006/main">
+  <p:cSld>
+    <p:spTree>
+      <p:nvGrpSpPr>
+        <p:cNvPr id="1" name=""/>
+        <p:cNvGrpSpPr/>
+        <p:nvPr/>
+      </p:nvGrpSpPr>
+      <p:grpSpPr>
+        <a:xfrm>
+          <a:off x="0" y="0"/>
+          <a:ext cx="0" cy="0"/>
+          <a:chOff x="0" y="0"/>
+          <a:chExt cx="0" cy="0"/>
+        </a:xfrm>
+      </p:grpSpPr>
+      <p:sp>
+        <p:nvSpPr>
+          <p:cNvPr id="2" name="Title 1">
+            <a:extLst>
+              <a:ext uri="{FF2B5EF4-FFF2-40B4-BE49-F238E27FC236}">
+                <a16:creationId xmlns:a16="http://schemas.microsoft.com/office/drawing/2014/main" id="{D007913A-98C5-E668-F3B6-E24491CD6EAE}"/>
+              </a:ext>
+            </a:extLst>
+          </p:cNvPr>
+          <p:cNvSpPr>
+            <a:spLocks noGrp="1"/>
+          </p:cNvSpPr>
+          <p:nvPr>
+            <p:ph type="title"/>
+          </p:nvPr>
+        </p:nvSpPr>
+        <p:spPr/>
+        <p:txBody>
+          <a:bodyPr/>
+          <a:lstStyle/>
+          <a:p>
+            <a:r>
+              <a:rPr lang="en-GB" dirty="0" err="1"/>
+              <a:t>Eskalation</a:t>
+            </a:r>
+            <a:r>
+              <a:rPr lang="en-GB" dirty="0"/>
+              <a:t>: </a:t>
+            </a:r>
+            <a:r>
+              <a:rPr lang="en-GB" dirty="0" err="1"/>
+              <a:t>Wann</a:t>
+            </a:r>
+            <a:r>
+              <a:rPr lang="en-GB" dirty="0"/>
+              <a:t> </a:t>
+            </a:r>
+            <a:r>
+              <a:rPr lang="en-GB" dirty="0" err="1"/>
+              <a:t>wurden</a:t>
+            </a:r>
+            <a:r>
+              <a:rPr lang="en-GB" dirty="0"/>
+              <a:t> </a:t>
+            </a:r>
+            <a:r>
+              <a:rPr lang="en-GB" dirty="0" err="1"/>
+              <a:t>Leukozythen</a:t>
+            </a:r>
+            <a:r>
+              <a:rPr lang="en-GB" dirty="0"/>
+              <a:t> </a:t>
+            </a:r>
+            <a:r>
+              <a:rPr lang="en-GB" dirty="0" err="1"/>
+              <a:t>gemessen</a:t>
+            </a:r>
+            <a:r>
+              <a:rPr lang="en-GB" dirty="0"/>
+              <a:t>?</a:t>
+            </a:r>
+            <a:endParaRPr lang="LID4096" dirty="0"/>
+          </a:p>
+        </p:txBody>
+      </p:sp>
+      <p:sp>
+        <p:nvSpPr>
+          <p:cNvPr id="9" name="TextBox 8">
+            <a:extLst>
+              <a:ext uri="{FF2B5EF4-FFF2-40B4-BE49-F238E27FC236}">
+                <a16:creationId xmlns:a16="http://schemas.microsoft.com/office/drawing/2014/main" id="{4F29F117-A5D9-E1F0-2CF6-D5C534BB1DCA}"/>
+              </a:ext>
+            </a:extLst>
+          </p:cNvPr>
+          <p:cNvSpPr txBox="1"/>
+          <p:nvPr/>
+        </p:nvSpPr>
+        <p:spPr>
+          <a:xfrm>
+            <a:off x="1253330" y="6305909"/>
+            <a:ext cx="9685339" cy="600164"/>
+          </a:xfrm>
+          <a:prstGeom prst="rect">
+            <a:avLst/>
+          </a:prstGeom>
+          <a:noFill/>
+        </p:spPr>
+        <p:txBody>
+          <a:bodyPr wrap="square" rtlCol="0">
+            <a:spAutoFit/>
+          </a:bodyPr>
+          <a:lstStyle/>
+          <a:p>
+            <a:pPr algn="ctr"/>
+            <a:r>
+              <a:rPr lang="de-DE" sz="1100" dirty="0"/>
+              <a:t>Wir sehen ein sehr ähnliches Muster wie für CRP und Procalcitonin. Gerade später in den Episoden von R2 sehen wir jedoch einige Spitzen- wahrscheinlich Ausreißer, da sich kein Trend zeigt. Das würde auch zusammenpassen mit R1. </a:t>
+            </a:r>
+          </a:p>
+          <a:p>
+            <a:pPr algn="ctr"/>
+            <a:r>
+              <a:rPr lang="de-DE" sz="1100" dirty="0" err="1"/>
+              <a:t>Erythrozythen</a:t>
+            </a:r>
+            <a:r>
+              <a:rPr lang="de-DE" sz="1100" dirty="0"/>
+              <a:t> wurden nie gemessen.</a:t>
+            </a:r>
+          </a:p>
+        </p:txBody>
+      </p:sp>
+      <p:pic>
+        <p:nvPicPr>
+          <p:cNvPr id="6" name="Content Placeholder 5">
+            <a:extLst>
+              <a:ext uri="{FF2B5EF4-FFF2-40B4-BE49-F238E27FC236}">
+                <a16:creationId xmlns:a16="http://schemas.microsoft.com/office/drawing/2014/main" id="{4B00C161-FE62-8E9F-4871-E44D6604D84E}"/>
+              </a:ext>
+            </a:extLst>
+          </p:cNvPr>
+          <p:cNvPicPr>
+            <a:picLocks noGrp="1" noChangeAspect="1"/>
+          </p:cNvPicPr>
+          <p:nvPr>
+            <p:ph sz="half" idx="1"/>
+          </p:nvPr>
+        </p:nvPicPr>
+        <p:blipFill>
+          <a:blip r:embed="rId2">
+            <a:extLst>
+              <a:ext uri="{28A0092B-C50C-407E-A947-70E740481C1C}">
+                <a14:useLocalDpi xmlns:a14="http://schemas.microsoft.com/office/drawing/2010/main" val="0"/>
+              </a:ext>
+            </a:extLst>
+          </a:blip>
+          <a:srcRect/>
+          <a:stretch/>
+        </p:blipFill>
+        <p:spPr>
+          <a:xfrm>
+            <a:off x="1253331" y="1825625"/>
+            <a:ext cx="4351338" cy="4351338"/>
+          </a:xfrm>
+        </p:spPr>
+      </p:pic>
+      <p:pic>
+        <p:nvPicPr>
+          <p:cNvPr id="7" name="Content Placeholder 6" descr="A graph with blue lines&#10;&#10;Description automatically generated">
+            <a:extLst>
+              <a:ext uri="{FF2B5EF4-FFF2-40B4-BE49-F238E27FC236}">
+                <a16:creationId xmlns:a16="http://schemas.microsoft.com/office/drawing/2014/main" id="{B2E85F3D-7576-3AAA-AF42-C84D2EFCAF65}"/>
+              </a:ext>
+            </a:extLst>
+          </p:cNvPr>
+          <p:cNvPicPr>
+            <a:picLocks noGrp="1" noChangeAspect="1"/>
+          </p:cNvPicPr>
+          <p:nvPr>
+            <p:ph sz="half" idx="2"/>
+          </p:nvPr>
+        </p:nvPicPr>
+        <p:blipFill>
+          <a:blip r:embed="rId3">
+            <a:extLst>
+              <a:ext uri="{28A0092B-C50C-407E-A947-70E740481C1C}">
+                <a14:useLocalDpi xmlns:a14="http://schemas.microsoft.com/office/drawing/2010/main" val="0"/>
+              </a:ext>
+            </a:extLst>
+          </a:blip>
+          <a:stretch>
+            <a:fillRect/>
+          </a:stretch>
+        </p:blipFill>
+        <p:spPr>
+          <a:xfrm>
+            <a:off x="6587331" y="1825625"/>
+            <a:ext cx="4351338" cy="4351338"/>
+          </a:xfrm>
+        </p:spPr>
+      </p:pic>
+    </p:spTree>
+    <p:extLst>
+      <p:ext uri="{BB962C8B-B14F-4D97-AF65-F5344CB8AC3E}">
+        <p14:creationId xmlns:p14="http://schemas.microsoft.com/office/powerpoint/2010/main" val="3555582242"/>
       </p:ext>
     </p:extLst>
   </p:cSld>
@@ -4096,6 +8546,1481 @@
 </file>
 
 <file path=ppt/slides/slide4.xml><?xml version="1.0" encoding="utf-8"?>
+<p:sld xmlns:a="http://schemas.openxmlformats.org/drawingml/2006/main" xmlns:r="http://schemas.openxmlformats.org/officeDocument/2006/relationships" xmlns:p="http://schemas.openxmlformats.org/presentationml/2006/main">
+  <p:cSld>
+    <p:spTree>
+      <p:nvGrpSpPr>
+        <p:cNvPr id="1" name=""/>
+        <p:cNvGrpSpPr/>
+        <p:nvPr/>
+      </p:nvGrpSpPr>
+      <p:grpSpPr>
+        <a:xfrm>
+          <a:off x="0" y="0"/>
+          <a:ext cx="0" cy="0"/>
+          <a:chOff x="0" y="0"/>
+          <a:chExt cx="0" cy="0"/>
+        </a:xfrm>
+      </p:grpSpPr>
+      <p:sp>
+        <p:nvSpPr>
+          <p:cNvPr id="2" name="Title 1">
+            <a:extLst>
+              <a:ext uri="{FF2B5EF4-FFF2-40B4-BE49-F238E27FC236}">
+                <a16:creationId xmlns:a16="http://schemas.microsoft.com/office/drawing/2014/main" id="{1EC104CA-2742-9BAD-BD2B-4D0718921DCE}"/>
+              </a:ext>
+            </a:extLst>
+          </p:cNvPr>
+          <p:cNvSpPr>
+            <a:spLocks noGrp="1"/>
+          </p:cNvSpPr>
+          <p:nvPr>
+            <p:ph type="title"/>
+          </p:nvPr>
+        </p:nvSpPr>
+        <p:spPr/>
+        <p:txBody>
+          <a:bodyPr/>
+          <a:lstStyle/>
+          <a:p>
+            <a:r>
+              <a:rPr lang="de-DE" dirty="0"/>
+              <a:t>Heuristiken zur Erstellung von Episoden</a:t>
+            </a:r>
+            <a:endParaRPr lang="LID4096" dirty="0"/>
+          </a:p>
+        </p:txBody>
+      </p:sp>
+      <p:sp>
+        <p:nvSpPr>
+          <p:cNvPr id="3" name="Text Placeholder 2">
+            <a:extLst>
+              <a:ext uri="{FF2B5EF4-FFF2-40B4-BE49-F238E27FC236}">
+                <a16:creationId xmlns:a16="http://schemas.microsoft.com/office/drawing/2014/main" id="{7892BDA2-A70A-11C9-E248-2C1314FD947F}"/>
+              </a:ext>
+            </a:extLst>
+          </p:cNvPr>
+          <p:cNvSpPr>
+            <a:spLocks noGrp="1"/>
+          </p:cNvSpPr>
+          <p:nvPr>
+            <p:ph type="body" idx="1"/>
+          </p:nvPr>
+        </p:nvSpPr>
+        <p:spPr/>
+        <p:txBody>
+          <a:bodyPr/>
+          <a:lstStyle/>
+          <a:p>
+            <a:r>
+              <a:rPr lang="en-GB" dirty="0"/>
+              <a:t>Regel 1</a:t>
+            </a:r>
+            <a:endParaRPr lang="LID4096" dirty="0"/>
+          </a:p>
+        </p:txBody>
+      </p:sp>
+      <p:sp>
+        <p:nvSpPr>
+          <p:cNvPr id="4" name="Content Placeholder 3">
+            <a:extLst>
+              <a:ext uri="{FF2B5EF4-FFF2-40B4-BE49-F238E27FC236}">
+                <a16:creationId xmlns:a16="http://schemas.microsoft.com/office/drawing/2014/main" id="{600179CE-E3D1-58C0-2E88-1869ACDD10BE}"/>
+              </a:ext>
+            </a:extLst>
+          </p:cNvPr>
+          <p:cNvSpPr>
+            <a:spLocks noGrp="1"/>
+          </p:cNvSpPr>
+          <p:nvPr>
+            <p:ph sz="half" idx="2"/>
+          </p:nvPr>
+        </p:nvSpPr>
+        <p:spPr/>
+        <p:txBody>
+          <a:bodyPr>
+            <a:normAutofit fontScale="92500"/>
+          </a:bodyPr>
+          <a:lstStyle/>
+          <a:p>
+            <a:r>
+              <a:rPr lang="en-GB" dirty="0"/>
+              <a:t>Eine Episode </a:t>
+            </a:r>
+            <a:r>
+              <a:rPr lang="en-GB" dirty="0" err="1"/>
+              <a:t>beginnt</a:t>
+            </a:r>
+            <a:r>
+              <a:rPr lang="en-GB" dirty="0"/>
+              <a:t>, wenn der </a:t>
+            </a:r>
+            <a:r>
+              <a:rPr lang="en-GB" dirty="0" err="1"/>
+              <a:t>Arzt</a:t>
+            </a:r>
+            <a:r>
+              <a:rPr lang="en-GB" dirty="0"/>
+              <a:t> </a:t>
+            </a:r>
+            <a:r>
+              <a:rPr lang="en-GB" dirty="0" err="1"/>
+              <a:t>husten</a:t>
+            </a:r>
+            <a:r>
+              <a:rPr lang="en-GB" dirty="0"/>
+              <a:t> </a:t>
+            </a:r>
+            <a:r>
+              <a:rPr lang="en-GB" dirty="0" err="1"/>
+              <a:t>notiert</a:t>
+            </a:r>
+            <a:r>
+              <a:rPr lang="en-GB" dirty="0"/>
+              <a:t> hat.</a:t>
+            </a:r>
+          </a:p>
+          <a:p>
+            <a:r>
+              <a:rPr lang="en-GB" dirty="0"/>
+              <a:t>Eine Episode </a:t>
+            </a:r>
+            <a:r>
+              <a:rPr lang="en-GB" dirty="0" err="1"/>
+              <a:t>dauert</a:t>
+            </a:r>
+            <a:r>
+              <a:rPr lang="en-GB" dirty="0"/>
+              <a:t> </a:t>
+            </a:r>
+            <a:r>
+              <a:rPr lang="en-GB" dirty="0" err="1"/>
+              <a:t>üblicherweise</a:t>
+            </a:r>
+            <a:r>
+              <a:rPr lang="en-GB" dirty="0"/>
+              <a:t> 56 </a:t>
+            </a:r>
+            <a:r>
+              <a:rPr lang="en-GB" dirty="0" err="1"/>
+              <a:t>Tage</a:t>
+            </a:r>
+            <a:r>
+              <a:rPr lang="en-GB" dirty="0"/>
+              <a:t>/ 8 </a:t>
+            </a:r>
+            <a:r>
+              <a:rPr lang="en-GB" dirty="0" err="1"/>
+              <a:t>Wochen</a:t>
+            </a:r>
+            <a:endParaRPr lang="en-GB" dirty="0"/>
+          </a:p>
+          <a:p>
+            <a:r>
+              <a:rPr lang="en-GB" dirty="0"/>
+              <a:t>Falls </a:t>
+            </a:r>
+            <a:r>
+              <a:rPr lang="en-GB" dirty="0" err="1"/>
+              <a:t>ein</a:t>
+            </a:r>
+            <a:r>
+              <a:rPr lang="en-GB" dirty="0"/>
+              <a:t> </a:t>
+            </a:r>
+            <a:r>
+              <a:rPr lang="en-GB" dirty="0" err="1"/>
+              <a:t>Arzt</a:t>
+            </a:r>
+            <a:r>
+              <a:rPr lang="en-GB" dirty="0"/>
+              <a:t> </a:t>
+            </a:r>
+            <a:r>
+              <a:rPr lang="en-GB" dirty="0" err="1"/>
+              <a:t>mehrfach</a:t>
+            </a:r>
+            <a:r>
+              <a:rPr lang="en-GB" dirty="0"/>
+              <a:t> </a:t>
+            </a:r>
+            <a:r>
+              <a:rPr lang="en-GB" dirty="0" err="1"/>
+              <a:t>Husten</a:t>
+            </a:r>
+            <a:r>
+              <a:rPr lang="en-GB" dirty="0"/>
+              <a:t> </a:t>
+            </a:r>
+            <a:r>
+              <a:rPr lang="en-GB" dirty="0" err="1"/>
+              <a:t>innerhalb</a:t>
+            </a:r>
+            <a:r>
+              <a:rPr lang="en-GB" dirty="0"/>
+              <a:t> von 56 </a:t>
+            </a:r>
+            <a:r>
+              <a:rPr lang="en-GB" dirty="0" err="1"/>
+              <a:t>Tagen</a:t>
+            </a:r>
+            <a:r>
+              <a:rPr lang="en-GB" dirty="0"/>
+              <a:t> </a:t>
+            </a:r>
+            <a:r>
+              <a:rPr lang="en-GB" dirty="0" err="1"/>
+              <a:t>notiert</a:t>
+            </a:r>
+            <a:r>
+              <a:rPr lang="en-GB" dirty="0"/>
+              <a:t>, gilt dies </a:t>
+            </a:r>
+            <a:r>
+              <a:rPr lang="en-GB" dirty="0" err="1"/>
+              <a:t>als</a:t>
+            </a:r>
+            <a:r>
+              <a:rPr lang="en-GB" dirty="0"/>
+              <a:t> </a:t>
+            </a:r>
+            <a:r>
+              <a:rPr lang="en-GB" dirty="0" err="1"/>
+              <a:t>eine</a:t>
+            </a:r>
+            <a:r>
+              <a:rPr lang="en-GB" dirty="0"/>
+              <a:t> Episode.</a:t>
+            </a:r>
+            <a:endParaRPr lang="LID4096" dirty="0"/>
+          </a:p>
+        </p:txBody>
+      </p:sp>
+      <p:sp>
+        <p:nvSpPr>
+          <p:cNvPr id="5" name="Text Placeholder 4">
+            <a:extLst>
+              <a:ext uri="{FF2B5EF4-FFF2-40B4-BE49-F238E27FC236}">
+                <a16:creationId xmlns:a16="http://schemas.microsoft.com/office/drawing/2014/main" id="{BD573B33-F486-AF1B-DAE9-FC6E963CC987}"/>
+              </a:ext>
+            </a:extLst>
+          </p:cNvPr>
+          <p:cNvSpPr>
+            <a:spLocks noGrp="1"/>
+          </p:cNvSpPr>
+          <p:nvPr>
+            <p:ph type="body" sz="quarter" idx="3"/>
+          </p:nvPr>
+        </p:nvSpPr>
+        <p:spPr/>
+        <p:txBody>
+          <a:bodyPr/>
+          <a:lstStyle/>
+          <a:p>
+            <a:r>
+              <a:rPr lang="en-GB" dirty="0"/>
+              <a:t>Regel 2</a:t>
+            </a:r>
+            <a:endParaRPr lang="LID4096" dirty="0"/>
+          </a:p>
+        </p:txBody>
+      </p:sp>
+      <p:sp>
+        <p:nvSpPr>
+          <p:cNvPr id="6" name="Content Placeholder 5">
+            <a:extLst>
+              <a:ext uri="{FF2B5EF4-FFF2-40B4-BE49-F238E27FC236}">
+                <a16:creationId xmlns:a16="http://schemas.microsoft.com/office/drawing/2014/main" id="{EB39611C-8A7A-3D09-D5FB-C97C4541BB82}"/>
+              </a:ext>
+            </a:extLst>
+          </p:cNvPr>
+          <p:cNvSpPr>
+            <a:spLocks noGrp="1"/>
+          </p:cNvSpPr>
+          <p:nvPr>
+            <p:ph sz="quarter" idx="4"/>
+          </p:nvPr>
+        </p:nvSpPr>
+        <p:spPr/>
+        <p:txBody>
+          <a:bodyPr>
+            <a:normAutofit fontScale="92500"/>
+          </a:bodyPr>
+          <a:lstStyle/>
+          <a:p>
+            <a:r>
+              <a:rPr lang="en-GB" dirty="0"/>
+              <a:t>Eine Episode </a:t>
+            </a:r>
+            <a:r>
+              <a:rPr lang="en-GB" dirty="0" err="1"/>
+              <a:t>beginnt</a:t>
+            </a:r>
+            <a:r>
+              <a:rPr lang="en-GB" dirty="0"/>
+              <a:t>, wenn der </a:t>
+            </a:r>
+            <a:r>
+              <a:rPr lang="en-GB" dirty="0" err="1"/>
+              <a:t>Arzt</a:t>
+            </a:r>
+            <a:r>
+              <a:rPr lang="en-GB" dirty="0"/>
+              <a:t> </a:t>
+            </a:r>
+            <a:r>
+              <a:rPr lang="en-GB" dirty="0" err="1"/>
+              <a:t>husten</a:t>
+            </a:r>
+            <a:r>
+              <a:rPr lang="en-GB" dirty="0"/>
+              <a:t> </a:t>
+            </a:r>
+            <a:r>
+              <a:rPr lang="en-GB" dirty="0" err="1"/>
+              <a:t>notiert</a:t>
+            </a:r>
+            <a:r>
+              <a:rPr lang="en-GB" dirty="0"/>
+              <a:t> hat.</a:t>
+            </a:r>
+          </a:p>
+          <a:p>
+            <a:r>
+              <a:rPr lang="en-GB" dirty="0"/>
+              <a:t>Eine Episode </a:t>
+            </a:r>
+            <a:r>
+              <a:rPr lang="en-GB" dirty="0" err="1"/>
+              <a:t>dauert</a:t>
+            </a:r>
+            <a:r>
+              <a:rPr lang="en-GB" dirty="0"/>
+              <a:t> </a:t>
+            </a:r>
+            <a:r>
+              <a:rPr lang="en-GB" dirty="0" err="1"/>
+              <a:t>üblicherweise</a:t>
+            </a:r>
+            <a:r>
+              <a:rPr lang="en-GB" dirty="0"/>
+              <a:t> 56 </a:t>
+            </a:r>
+            <a:r>
+              <a:rPr lang="en-GB" dirty="0" err="1"/>
+              <a:t>Tage</a:t>
+            </a:r>
+            <a:r>
+              <a:rPr lang="en-GB" dirty="0"/>
+              <a:t>/ 8 </a:t>
+            </a:r>
+            <a:r>
+              <a:rPr lang="en-GB" dirty="0" err="1"/>
+              <a:t>Wochen</a:t>
+            </a:r>
+            <a:endParaRPr lang="en-GB" dirty="0"/>
+          </a:p>
+          <a:p>
+            <a:r>
+              <a:rPr lang="en-GB" dirty="0"/>
+              <a:t>Falls </a:t>
+            </a:r>
+            <a:r>
+              <a:rPr lang="en-GB" dirty="0" err="1"/>
+              <a:t>ein</a:t>
+            </a:r>
+            <a:r>
+              <a:rPr lang="en-GB" dirty="0"/>
+              <a:t> </a:t>
+            </a:r>
+            <a:r>
+              <a:rPr lang="en-GB" dirty="0" err="1"/>
+              <a:t>Arzt</a:t>
+            </a:r>
+            <a:r>
+              <a:rPr lang="en-GB" dirty="0"/>
+              <a:t> </a:t>
+            </a:r>
+            <a:r>
+              <a:rPr lang="en-GB" dirty="0" err="1"/>
+              <a:t>mehrfach</a:t>
+            </a:r>
+            <a:r>
+              <a:rPr lang="en-GB" dirty="0"/>
+              <a:t> </a:t>
+            </a:r>
+            <a:r>
+              <a:rPr lang="en-GB" dirty="0" err="1"/>
+              <a:t>Husten</a:t>
+            </a:r>
+            <a:r>
+              <a:rPr lang="en-GB" dirty="0"/>
+              <a:t> </a:t>
+            </a:r>
+            <a:r>
+              <a:rPr lang="en-GB" dirty="0" err="1"/>
+              <a:t>innerhalb</a:t>
+            </a:r>
+            <a:r>
+              <a:rPr lang="en-GB" dirty="0"/>
+              <a:t> von 56 </a:t>
+            </a:r>
+            <a:r>
+              <a:rPr lang="en-GB" dirty="0" err="1"/>
+              <a:t>Tagen</a:t>
+            </a:r>
+            <a:r>
+              <a:rPr lang="en-GB" dirty="0"/>
+              <a:t> </a:t>
+            </a:r>
+            <a:r>
+              <a:rPr lang="en-GB" dirty="0" err="1"/>
+              <a:t>notiert</a:t>
+            </a:r>
+            <a:r>
+              <a:rPr lang="en-GB" dirty="0"/>
+              <a:t>, </a:t>
+            </a:r>
+            <a:r>
+              <a:rPr lang="en-GB" dirty="0" err="1"/>
+              <a:t>endet</a:t>
+            </a:r>
+            <a:r>
+              <a:rPr lang="en-GB" dirty="0"/>
+              <a:t> die </a:t>
+            </a:r>
+            <a:r>
+              <a:rPr lang="en-GB" dirty="0" err="1"/>
+              <a:t>erste</a:t>
+            </a:r>
+            <a:r>
+              <a:rPr lang="en-GB" dirty="0"/>
+              <a:t> Episode am Tag bevor der </a:t>
+            </a:r>
+            <a:r>
+              <a:rPr lang="en-GB" dirty="0" err="1"/>
+              <a:t>Arzt</a:t>
+            </a:r>
+            <a:r>
+              <a:rPr lang="en-GB" dirty="0"/>
+              <a:t> das </a:t>
+            </a:r>
+            <a:r>
+              <a:rPr lang="en-GB" dirty="0" err="1"/>
+              <a:t>zweite</a:t>
+            </a:r>
+            <a:r>
+              <a:rPr lang="en-GB" dirty="0"/>
+              <a:t> Mal </a:t>
+            </a:r>
+            <a:r>
+              <a:rPr lang="en-GB" dirty="0" err="1"/>
+              <a:t>Husten</a:t>
+            </a:r>
+            <a:r>
+              <a:rPr lang="en-GB" dirty="0"/>
+              <a:t> </a:t>
+            </a:r>
+            <a:r>
+              <a:rPr lang="en-GB" dirty="0" err="1"/>
+              <a:t>notiert</a:t>
+            </a:r>
+            <a:r>
+              <a:rPr lang="en-GB" dirty="0"/>
+              <a:t>.</a:t>
+            </a:r>
+            <a:endParaRPr lang="LID4096" dirty="0"/>
+          </a:p>
+          <a:p>
+            <a:endParaRPr lang="LID4096" dirty="0"/>
+          </a:p>
+        </p:txBody>
+      </p:sp>
+    </p:spTree>
+    <p:extLst>
+      <p:ext uri="{BB962C8B-B14F-4D97-AF65-F5344CB8AC3E}">
+        <p14:creationId xmlns:p14="http://schemas.microsoft.com/office/powerpoint/2010/main" val="2071489444"/>
+      </p:ext>
+    </p:extLst>
+  </p:cSld>
+  <p:clrMapOvr>
+    <a:masterClrMapping/>
+  </p:clrMapOvr>
+</p:sld>
+</file>
+
+<file path=ppt/slides/slide5.xml><?xml version="1.0" encoding="utf-8"?>
+<p:sld xmlns:a="http://schemas.openxmlformats.org/drawingml/2006/main" xmlns:r="http://schemas.openxmlformats.org/officeDocument/2006/relationships" xmlns:p="http://schemas.openxmlformats.org/presentationml/2006/main">
+  <p:cSld>
+    <p:spTree>
+      <p:nvGrpSpPr>
+        <p:cNvPr id="1" name=""/>
+        <p:cNvGrpSpPr/>
+        <p:nvPr/>
+      </p:nvGrpSpPr>
+      <p:grpSpPr>
+        <a:xfrm>
+          <a:off x="0" y="0"/>
+          <a:ext cx="0" cy="0"/>
+          <a:chOff x="0" y="0"/>
+          <a:chExt cx="0" cy="0"/>
+        </a:xfrm>
+      </p:grpSpPr>
+      <p:sp>
+        <p:nvSpPr>
+          <p:cNvPr id="2" name="Title 1">
+            <a:extLst>
+              <a:ext uri="{FF2B5EF4-FFF2-40B4-BE49-F238E27FC236}">
+                <a16:creationId xmlns:a16="http://schemas.microsoft.com/office/drawing/2014/main" id="{1EC104CA-2742-9BAD-BD2B-4D0718921DCE}"/>
+              </a:ext>
+            </a:extLst>
+          </p:cNvPr>
+          <p:cNvSpPr>
+            <a:spLocks noGrp="1"/>
+          </p:cNvSpPr>
+          <p:nvPr>
+            <p:ph type="title"/>
+          </p:nvPr>
+        </p:nvSpPr>
+        <p:spPr/>
+        <p:txBody>
+          <a:bodyPr/>
+          <a:lstStyle/>
+          <a:p>
+            <a:r>
+              <a:rPr lang="de-DE" dirty="0"/>
+              <a:t>Heuristiken zur Erstellung von Episoden: Beispiel</a:t>
+            </a:r>
+            <a:endParaRPr lang="LID4096" dirty="0"/>
+          </a:p>
+        </p:txBody>
+      </p:sp>
+      <p:sp>
+        <p:nvSpPr>
+          <p:cNvPr id="3" name="Text Placeholder 2">
+            <a:extLst>
+              <a:ext uri="{FF2B5EF4-FFF2-40B4-BE49-F238E27FC236}">
+                <a16:creationId xmlns:a16="http://schemas.microsoft.com/office/drawing/2014/main" id="{7892BDA2-A70A-11C9-E248-2C1314FD947F}"/>
+              </a:ext>
+            </a:extLst>
+          </p:cNvPr>
+          <p:cNvSpPr>
+            <a:spLocks noGrp="1"/>
+          </p:cNvSpPr>
+          <p:nvPr>
+            <p:ph type="body" idx="1"/>
+          </p:nvPr>
+        </p:nvSpPr>
+        <p:spPr/>
+        <p:txBody>
+          <a:bodyPr/>
+          <a:lstStyle/>
+          <a:p>
+            <a:r>
+              <a:rPr lang="en-GB" dirty="0"/>
+              <a:t>Regel 1</a:t>
+            </a:r>
+            <a:endParaRPr lang="LID4096" dirty="0"/>
+          </a:p>
+        </p:txBody>
+      </p:sp>
+      <p:sp>
+        <p:nvSpPr>
+          <p:cNvPr id="5" name="Text Placeholder 4">
+            <a:extLst>
+              <a:ext uri="{FF2B5EF4-FFF2-40B4-BE49-F238E27FC236}">
+                <a16:creationId xmlns:a16="http://schemas.microsoft.com/office/drawing/2014/main" id="{BD573B33-F486-AF1B-DAE9-FC6E963CC987}"/>
+              </a:ext>
+            </a:extLst>
+          </p:cNvPr>
+          <p:cNvSpPr>
+            <a:spLocks noGrp="1"/>
+          </p:cNvSpPr>
+          <p:nvPr>
+            <p:ph type="body" sz="quarter" idx="3"/>
+          </p:nvPr>
+        </p:nvSpPr>
+        <p:spPr/>
+        <p:txBody>
+          <a:bodyPr/>
+          <a:lstStyle/>
+          <a:p>
+            <a:r>
+              <a:rPr lang="en-GB" dirty="0"/>
+              <a:t>Regel 2</a:t>
+            </a:r>
+            <a:endParaRPr lang="LID4096" dirty="0"/>
+          </a:p>
+        </p:txBody>
+      </p:sp>
+      <p:cxnSp>
+        <p:nvCxnSpPr>
+          <p:cNvPr id="12" name="Straight Arrow Connector 11">
+            <a:extLst>
+              <a:ext uri="{FF2B5EF4-FFF2-40B4-BE49-F238E27FC236}">
+                <a16:creationId xmlns:a16="http://schemas.microsoft.com/office/drawing/2014/main" id="{8E8AE2C4-CF00-025E-6045-CF4E85FF1642}"/>
+              </a:ext>
+            </a:extLst>
+          </p:cNvPr>
+          <p:cNvCxnSpPr/>
+          <p:nvPr/>
+        </p:nvCxnSpPr>
+        <p:spPr>
+          <a:xfrm>
+            <a:off x="908799" y="3640347"/>
+            <a:ext cx="2932981" cy="0"/>
+          </a:xfrm>
+          <a:prstGeom prst="straightConnector1">
+            <a:avLst/>
+          </a:prstGeom>
+          <a:ln w="28575">
+            <a:tailEnd type="triangle"/>
+          </a:ln>
+        </p:spPr>
+        <p:style>
+          <a:lnRef idx="1">
+            <a:schemeClr val="accent1"/>
+          </a:lnRef>
+          <a:fillRef idx="0">
+            <a:schemeClr val="accent1"/>
+          </a:fillRef>
+          <a:effectRef idx="0">
+            <a:schemeClr val="accent1"/>
+          </a:effectRef>
+          <a:fontRef idx="minor">
+            <a:schemeClr val="tx1"/>
+          </a:fontRef>
+        </p:style>
+      </p:cxnSp>
+      <p:sp>
+        <p:nvSpPr>
+          <p:cNvPr id="14" name="TextBox 13">
+            <a:extLst>
+              <a:ext uri="{FF2B5EF4-FFF2-40B4-BE49-F238E27FC236}">
+                <a16:creationId xmlns:a16="http://schemas.microsoft.com/office/drawing/2014/main" id="{C7BCA3A8-6651-BE57-BDBC-C11628BA5D0C}"/>
+              </a:ext>
+            </a:extLst>
+          </p:cNvPr>
+          <p:cNvSpPr txBox="1"/>
+          <p:nvPr/>
+        </p:nvSpPr>
+        <p:spPr>
+          <a:xfrm>
+            <a:off x="908799" y="3821113"/>
+            <a:ext cx="859616" cy="276999"/>
+          </a:xfrm>
+          <a:prstGeom prst="rect">
+            <a:avLst/>
+          </a:prstGeom>
+          <a:noFill/>
+        </p:spPr>
+        <p:txBody>
+          <a:bodyPr wrap="square" rtlCol="0">
+            <a:spAutoFit/>
+          </a:bodyPr>
+          <a:lstStyle/>
+          <a:p>
+            <a:r>
+              <a:rPr lang="en-GB" sz="1200" dirty="0"/>
+              <a:t>1. </a:t>
+            </a:r>
+            <a:r>
+              <a:rPr lang="en-GB" sz="1200" dirty="0" err="1"/>
+              <a:t>Januar</a:t>
+            </a:r>
+            <a:endParaRPr lang="LID4096" dirty="0"/>
+          </a:p>
+        </p:txBody>
+      </p:sp>
+      <p:sp>
+        <p:nvSpPr>
+          <p:cNvPr id="15" name="TextBox 14">
+            <a:extLst>
+              <a:ext uri="{FF2B5EF4-FFF2-40B4-BE49-F238E27FC236}">
+                <a16:creationId xmlns:a16="http://schemas.microsoft.com/office/drawing/2014/main" id="{B514E9F9-AA57-0D0B-01D9-A7F4871F74E6}"/>
+              </a:ext>
+            </a:extLst>
+          </p:cNvPr>
+          <p:cNvSpPr txBox="1"/>
+          <p:nvPr/>
+        </p:nvSpPr>
+        <p:spPr>
+          <a:xfrm>
+            <a:off x="2375289" y="3821113"/>
+            <a:ext cx="859616" cy="276999"/>
+          </a:xfrm>
+          <a:prstGeom prst="rect">
+            <a:avLst/>
+          </a:prstGeom>
+          <a:noFill/>
+        </p:spPr>
+        <p:txBody>
+          <a:bodyPr wrap="square" rtlCol="0">
+            <a:spAutoFit/>
+          </a:bodyPr>
+          <a:lstStyle/>
+          <a:p>
+            <a:r>
+              <a:rPr lang="en-GB" sz="1200" dirty="0"/>
+              <a:t>20. </a:t>
+            </a:r>
+            <a:r>
+              <a:rPr lang="en-GB" sz="1200" dirty="0" err="1"/>
+              <a:t>Januar</a:t>
+            </a:r>
+            <a:endParaRPr lang="LID4096" dirty="0"/>
+          </a:p>
+        </p:txBody>
+      </p:sp>
+      <p:cxnSp>
+        <p:nvCxnSpPr>
+          <p:cNvPr id="17" name="Straight Connector 16">
+            <a:extLst>
+              <a:ext uri="{FF2B5EF4-FFF2-40B4-BE49-F238E27FC236}">
+                <a16:creationId xmlns:a16="http://schemas.microsoft.com/office/drawing/2014/main" id="{D2470ADD-AD53-6090-A93E-D02CBBD3E723}"/>
+              </a:ext>
+            </a:extLst>
+          </p:cNvPr>
+          <p:cNvCxnSpPr>
+            <a:stCxn id="14" idx="0"/>
+            <a:endCxn id="14" idx="0"/>
+          </p:cNvCxnSpPr>
+          <p:nvPr/>
+        </p:nvCxnSpPr>
+        <p:spPr>
+          <a:xfrm>
+            <a:off x="1338607" y="3821113"/>
+            <a:ext cx="0" cy="0"/>
+          </a:xfrm>
+          <a:prstGeom prst="line">
+            <a:avLst/>
+          </a:prstGeom>
+        </p:spPr>
+        <p:style>
+          <a:lnRef idx="1">
+            <a:schemeClr val="accent1"/>
+          </a:lnRef>
+          <a:fillRef idx="0">
+            <a:schemeClr val="accent1"/>
+          </a:fillRef>
+          <a:effectRef idx="0">
+            <a:schemeClr val="accent1"/>
+          </a:effectRef>
+          <a:fontRef idx="minor">
+            <a:schemeClr val="tx1"/>
+          </a:fontRef>
+        </p:style>
+      </p:cxnSp>
+      <p:cxnSp>
+        <p:nvCxnSpPr>
+          <p:cNvPr id="20" name="Straight Connector 19">
+            <a:extLst>
+              <a:ext uri="{FF2B5EF4-FFF2-40B4-BE49-F238E27FC236}">
+                <a16:creationId xmlns:a16="http://schemas.microsoft.com/office/drawing/2014/main" id="{2040E255-F8EB-DF5E-CE2B-7344A3522B38}"/>
+              </a:ext>
+            </a:extLst>
+          </p:cNvPr>
+          <p:cNvCxnSpPr>
+            <a:stCxn id="14" idx="0"/>
+          </p:cNvCxnSpPr>
+          <p:nvPr/>
+        </p:nvCxnSpPr>
+        <p:spPr>
+          <a:xfrm flipV="1">
+            <a:off x="1338607" y="3640347"/>
+            <a:ext cx="0" cy="180766"/>
+          </a:xfrm>
+          <a:prstGeom prst="line">
+            <a:avLst/>
+          </a:prstGeom>
+          <a:ln w="28575"/>
+        </p:spPr>
+        <p:style>
+          <a:lnRef idx="1">
+            <a:schemeClr val="accent1"/>
+          </a:lnRef>
+          <a:fillRef idx="0">
+            <a:schemeClr val="accent1"/>
+          </a:fillRef>
+          <a:effectRef idx="0">
+            <a:schemeClr val="accent1"/>
+          </a:effectRef>
+          <a:fontRef idx="minor">
+            <a:schemeClr val="tx1"/>
+          </a:fontRef>
+        </p:style>
+      </p:cxnSp>
+      <p:cxnSp>
+        <p:nvCxnSpPr>
+          <p:cNvPr id="21" name="Straight Connector 20">
+            <a:extLst>
+              <a:ext uri="{FF2B5EF4-FFF2-40B4-BE49-F238E27FC236}">
+                <a16:creationId xmlns:a16="http://schemas.microsoft.com/office/drawing/2014/main" id="{6A435960-AE0C-91C2-FD7E-5F09BF08FE9A}"/>
+              </a:ext>
+            </a:extLst>
+          </p:cNvPr>
+          <p:cNvCxnSpPr>
+            <a:cxnSpLocks/>
+            <a:stCxn id="15" idx="0"/>
+          </p:cNvCxnSpPr>
+          <p:nvPr/>
+        </p:nvCxnSpPr>
+        <p:spPr>
+          <a:xfrm flipV="1">
+            <a:off x="2805097" y="3640347"/>
+            <a:ext cx="0" cy="180766"/>
+          </a:xfrm>
+          <a:prstGeom prst="line">
+            <a:avLst/>
+          </a:prstGeom>
+          <a:ln w="28575"/>
+        </p:spPr>
+        <p:style>
+          <a:lnRef idx="1">
+            <a:schemeClr val="accent1"/>
+          </a:lnRef>
+          <a:fillRef idx="0">
+            <a:schemeClr val="accent1"/>
+          </a:fillRef>
+          <a:effectRef idx="0">
+            <a:schemeClr val="accent1"/>
+          </a:effectRef>
+          <a:fontRef idx="minor">
+            <a:schemeClr val="tx1"/>
+          </a:fontRef>
+        </p:style>
+      </p:cxnSp>
+      <p:sp>
+        <p:nvSpPr>
+          <p:cNvPr id="23" name="Right Brace 22">
+            <a:extLst>
+              <a:ext uri="{FF2B5EF4-FFF2-40B4-BE49-F238E27FC236}">
+                <a16:creationId xmlns:a16="http://schemas.microsoft.com/office/drawing/2014/main" id="{806C9D6D-C256-2385-A5DB-B368DAEECAA3}"/>
+              </a:ext>
+            </a:extLst>
+          </p:cNvPr>
+          <p:cNvSpPr/>
+          <p:nvPr/>
+        </p:nvSpPr>
+        <p:spPr>
+          <a:xfrm rot="16200000">
+            <a:off x="1830313" y="2665561"/>
+            <a:ext cx="483077" cy="1466487"/>
+          </a:xfrm>
+          <a:prstGeom prst="rightBrace">
+            <a:avLst/>
+          </a:prstGeom>
+        </p:spPr>
+        <p:style>
+          <a:lnRef idx="1">
+            <a:schemeClr val="accent1"/>
+          </a:lnRef>
+          <a:fillRef idx="0">
+            <a:schemeClr val="accent1"/>
+          </a:fillRef>
+          <a:effectRef idx="0">
+            <a:schemeClr val="accent1"/>
+          </a:effectRef>
+          <a:fontRef idx="minor">
+            <a:schemeClr val="tx1"/>
+          </a:fontRef>
+        </p:style>
+        <p:txBody>
+          <a:bodyPr rtlCol="0" anchor="ctr"/>
+          <a:lstStyle/>
+          <a:p>
+            <a:pPr algn="ctr"/>
+            <a:endParaRPr lang="LID4096"/>
+          </a:p>
+        </p:txBody>
+      </p:sp>
+      <p:sp>
+        <p:nvSpPr>
+          <p:cNvPr id="24" name="TextBox 23">
+            <a:extLst>
+              <a:ext uri="{FF2B5EF4-FFF2-40B4-BE49-F238E27FC236}">
+                <a16:creationId xmlns:a16="http://schemas.microsoft.com/office/drawing/2014/main" id="{F9C37F0B-A525-55B2-41E4-7D80B5BB9AA5}"/>
+              </a:ext>
+            </a:extLst>
+          </p:cNvPr>
+          <p:cNvSpPr txBox="1"/>
+          <p:nvPr/>
+        </p:nvSpPr>
+        <p:spPr>
+          <a:xfrm>
+            <a:off x="1338607" y="2907102"/>
+            <a:ext cx="1466488" cy="276999"/>
+          </a:xfrm>
+          <a:prstGeom prst="rect">
+            <a:avLst/>
+          </a:prstGeom>
+          <a:noFill/>
+        </p:spPr>
+        <p:txBody>
+          <a:bodyPr wrap="square" rtlCol="0">
+            <a:spAutoFit/>
+          </a:bodyPr>
+          <a:lstStyle/>
+          <a:p>
+            <a:pPr algn="ctr"/>
+            <a:r>
+              <a:rPr lang="en-GB" sz="1200" dirty="0" err="1"/>
+              <a:t>Differenz</a:t>
+            </a:r>
+            <a:r>
+              <a:rPr lang="en-GB" sz="1200" dirty="0"/>
+              <a:t>: 19 </a:t>
+            </a:r>
+            <a:r>
+              <a:rPr lang="en-GB" sz="1200" dirty="0" err="1"/>
+              <a:t>Tage</a:t>
+            </a:r>
+            <a:endParaRPr lang="LID4096" dirty="0"/>
+          </a:p>
+        </p:txBody>
+      </p:sp>
+      <p:sp>
+        <p:nvSpPr>
+          <p:cNvPr id="25" name="TextBox 24">
+            <a:extLst>
+              <a:ext uri="{FF2B5EF4-FFF2-40B4-BE49-F238E27FC236}">
+                <a16:creationId xmlns:a16="http://schemas.microsoft.com/office/drawing/2014/main" id="{F7DAA2AD-0E7F-C0AC-20E3-5033BC704FD7}"/>
+              </a:ext>
+            </a:extLst>
+          </p:cNvPr>
+          <p:cNvSpPr txBox="1"/>
+          <p:nvPr/>
+        </p:nvSpPr>
+        <p:spPr>
+          <a:xfrm>
+            <a:off x="908799" y="4364966"/>
+            <a:ext cx="2932981" cy="923330"/>
+          </a:xfrm>
+          <a:prstGeom prst="rect">
+            <a:avLst/>
+          </a:prstGeom>
+          <a:noFill/>
+        </p:spPr>
+        <p:txBody>
+          <a:bodyPr wrap="square" rtlCol="0">
+            <a:spAutoFit/>
+          </a:bodyPr>
+          <a:lstStyle/>
+          <a:p>
+            <a:pPr algn="ctr"/>
+            <a:r>
+              <a:rPr lang="en-GB" dirty="0"/>
+              <a:t>-&gt; Eine Episode, die </a:t>
+            </a:r>
+            <a:r>
+              <a:rPr lang="en-GB" dirty="0" err="1"/>
+              <a:t>vom</a:t>
+            </a:r>
+            <a:r>
+              <a:rPr lang="en-GB" dirty="0"/>
+              <a:t> 1. </a:t>
+            </a:r>
+            <a:r>
+              <a:rPr lang="en-GB" dirty="0" err="1"/>
+              <a:t>Januar</a:t>
+            </a:r>
+            <a:r>
+              <a:rPr lang="en-GB" dirty="0"/>
+              <a:t> bis </a:t>
+            </a:r>
+            <a:r>
+              <a:rPr lang="en-GB" dirty="0" err="1"/>
+              <a:t>zum</a:t>
+            </a:r>
+            <a:r>
+              <a:rPr lang="en-GB" dirty="0"/>
+              <a:t> 20. </a:t>
+            </a:r>
+            <a:r>
+              <a:rPr lang="en-GB" dirty="0" err="1"/>
+              <a:t>Januar</a:t>
+            </a:r>
+            <a:r>
+              <a:rPr lang="en-GB" dirty="0"/>
+              <a:t> + 56 </a:t>
+            </a:r>
+            <a:r>
+              <a:rPr lang="en-GB" dirty="0" err="1"/>
+              <a:t>Tage</a:t>
+            </a:r>
+            <a:r>
+              <a:rPr lang="en-GB" dirty="0"/>
+              <a:t> </a:t>
+            </a:r>
+            <a:r>
+              <a:rPr lang="en-GB" dirty="0" err="1"/>
+              <a:t>reicht</a:t>
+            </a:r>
+            <a:endParaRPr lang="LID4096" dirty="0"/>
+          </a:p>
+        </p:txBody>
+      </p:sp>
+      <p:cxnSp>
+        <p:nvCxnSpPr>
+          <p:cNvPr id="26" name="Straight Arrow Connector 25">
+            <a:extLst>
+              <a:ext uri="{FF2B5EF4-FFF2-40B4-BE49-F238E27FC236}">
+                <a16:creationId xmlns:a16="http://schemas.microsoft.com/office/drawing/2014/main" id="{1FDE2467-3900-EC24-F977-53B94F6F4258}"/>
+              </a:ext>
+            </a:extLst>
+          </p:cNvPr>
+          <p:cNvCxnSpPr/>
+          <p:nvPr/>
+        </p:nvCxnSpPr>
+        <p:spPr>
+          <a:xfrm>
+            <a:off x="5997575" y="3640347"/>
+            <a:ext cx="2932981" cy="0"/>
+          </a:xfrm>
+          <a:prstGeom prst="straightConnector1">
+            <a:avLst/>
+          </a:prstGeom>
+          <a:ln w="28575">
+            <a:tailEnd type="triangle"/>
+          </a:ln>
+        </p:spPr>
+        <p:style>
+          <a:lnRef idx="1">
+            <a:schemeClr val="accent1"/>
+          </a:lnRef>
+          <a:fillRef idx="0">
+            <a:schemeClr val="accent1"/>
+          </a:fillRef>
+          <a:effectRef idx="0">
+            <a:schemeClr val="accent1"/>
+          </a:effectRef>
+          <a:fontRef idx="minor">
+            <a:schemeClr val="tx1"/>
+          </a:fontRef>
+        </p:style>
+      </p:cxnSp>
+      <p:sp>
+        <p:nvSpPr>
+          <p:cNvPr id="27" name="TextBox 26">
+            <a:extLst>
+              <a:ext uri="{FF2B5EF4-FFF2-40B4-BE49-F238E27FC236}">
+                <a16:creationId xmlns:a16="http://schemas.microsoft.com/office/drawing/2014/main" id="{ED65F540-E795-196E-B375-046C1B673527}"/>
+              </a:ext>
+            </a:extLst>
+          </p:cNvPr>
+          <p:cNvSpPr txBox="1"/>
+          <p:nvPr/>
+        </p:nvSpPr>
+        <p:spPr>
+          <a:xfrm>
+            <a:off x="5997575" y="3821113"/>
+            <a:ext cx="859616" cy="276999"/>
+          </a:xfrm>
+          <a:prstGeom prst="rect">
+            <a:avLst/>
+          </a:prstGeom>
+          <a:noFill/>
+        </p:spPr>
+        <p:txBody>
+          <a:bodyPr wrap="square" rtlCol="0">
+            <a:spAutoFit/>
+          </a:bodyPr>
+          <a:lstStyle/>
+          <a:p>
+            <a:r>
+              <a:rPr lang="en-GB" sz="1200" dirty="0"/>
+              <a:t>1. </a:t>
+            </a:r>
+            <a:r>
+              <a:rPr lang="en-GB" sz="1200" dirty="0" err="1"/>
+              <a:t>Januar</a:t>
+            </a:r>
+            <a:endParaRPr lang="LID4096" dirty="0"/>
+          </a:p>
+        </p:txBody>
+      </p:sp>
+      <p:sp>
+        <p:nvSpPr>
+          <p:cNvPr id="28" name="TextBox 27">
+            <a:extLst>
+              <a:ext uri="{FF2B5EF4-FFF2-40B4-BE49-F238E27FC236}">
+                <a16:creationId xmlns:a16="http://schemas.microsoft.com/office/drawing/2014/main" id="{6284C4BF-6D8B-2C0F-B5D7-23683E9D0710}"/>
+              </a:ext>
+            </a:extLst>
+          </p:cNvPr>
+          <p:cNvSpPr txBox="1"/>
+          <p:nvPr/>
+        </p:nvSpPr>
+        <p:spPr>
+          <a:xfrm>
+            <a:off x="7464065" y="3821113"/>
+            <a:ext cx="859616" cy="276999"/>
+          </a:xfrm>
+          <a:prstGeom prst="rect">
+            <a:avLst/>
+          </a:prstGeom>
+          <a:noFill/>
+        </p:spPr>
+        <p:txBody>
+          <a:bodyPr wrap="square" rtlCol="0">
+            <a:spAutoFit/>
+          </a:bodyPr>
+          <a:lstStyle/>
+          <a:p>
+            <a:r>
+              <a:rPr lang="en-GB" sz="1200" dirty="0"/>
+              <a:t>20. </a:t>
+            </a:r>
+            <a:r>
+              <a:rPr lang="en-GB" sz="1200" dirty="0" err="1"/>
+              <a:t>Januar</a:t>
+            </a:r>
+            <a:endParaRPr lang="LID4096" dirty="0"/>
+          </a:p>
+        </p:txBody>
+      </p:sp>
+      <p:cxnSp>
+        <p:nvCxnSpPr>
+          <p:cNvPr id="29" name="Straight Connector 28">
+            <a:extLst>
+              <a:ext uri="{FF2B5EF4-FFF2-40B4-BE49-F238E27FC236}">
+                <a16:creationId xmlns:a16="http://schemas.microsoft.com/office/drawing/2014/main" id="{769CB420-ED24-DFEB-7059-2A4ACB54FB97}"/>
+              </a:ext>
+            </a:extLst>
+          </p:cNvPr>
+          <p:cNvCxnSpPr>
+            <a:stCxn id="27" idx="0"/>
+            <a:endCxn id="27" idx="0"/>
+          </p:cNvCxnSpPr>
+          <p:nvPr/>
+        </p:nvCxnSpPr>
+        <p:spPr>
+          <a:xfrm>
+            <a:off x="6427383" y="3821113"/>
+            <a:ext cx="0" cy="0"/>
+          </a:xfrm>
+          <a:prstGeom prst="line">
+            <a:avLst/>
+          </a:prstGeom>
+        </p:spPr>
+        <p:style>
+          <a:lnRef idx="1">
+            <a:schemeClr val="accent1"/>
+          </a:lnRef>
+          <a:fillRef idx="0">
+            <a:schemeClr val="accent1"/>
+          </a:fillRef>
+          <a:effectRef idx="0">
+            <a:schemeClr val="accent1"/>
+          </a:effectRef>
+          <a:fontRef idx="minor">
+            <a:schemeClr val="tx1"/>
+          </a:fontRef>
+        </p:style>
+      </p:cxnSp>
+      <p:cxnSp>
+        <p:nvCxnSpPr>
+          <p:cNvPr id="30" name="Straight Connector 29">
+            <a:extLst>
+              <a:ext uri="{FF2B5EF4-FFF2-40B4-BE49-F238E27FC236}">
+                <a16:creationId xmlns:a16="http://schemas.microsoft.com/office/drawing/2014/main" id="{117707A5-9F7F-1751-11D5-0190E4503BF4}"/>
+              </a:ext>
+            </a:extLst>
+          </p:cNvPr>
+          <p:cNvCxnSpPr>
+            <a:stCxn id="27" idx="0"/>
+          </p:cNvCxnSpPr>
+          <p:nvPr/>
+        </p:nvCxnSpPr>
+        <p:spPr>
+          <a:xfrm flipV="1">
+            <a:off x="6427383" y="3640347"/>
+            <a:ext cx="0" cy="180766"/>
+          </a:xfrm>
+          <a:prstGeom prst="line">
+            <a:avLst/>
+          </a:prstGeom>
+          <a:ln w="28575"/>
+        </p:spPr>
+        <p:style>
+          <a:lnRef idx="1">
+            <a:schemeClr val="accent1"/>
+          </a:lnRef>
+          <a:fillRef idx="0">
+            <a:schemeClr val="accent1"/>
+          </a:fillRef>
+          <a:effectRef idx="0">
+            <a:schemeClr val="accent1"/>
+          </a:effectRef>
+          <a:fontRef idx="minor">
+            <a:schemeClr val="tx1"/>
+          </a:fontRef>
+        </p:style>
+      </p:cxnSp>
+      <p:cxnSp>
+        <p:nvCxnSpPr>
+          <p:cNvPr id="31" name="Straight Connector 30">
+            <a:extLst>
+              <a:ext uri="{FF2B5EF4-FFF2-40B4-BE49-F238E27FC236}">
+                <a16:creationId xmlns:a16="http://schemas.microsoft.com/office/drawing/2014/main" id="{91B9A95D-2772-5FE3-F696-CC99337C74C8}"/>
+              </a:ext>
+            </a:extLst>
+          </p:cNvPr>
+          <p:cNvCxnSpPr>
+            <a:cxnSpLocks/>
+            <a:stCxn id="28" idx="0"/>
+          </p:cNvCxnSpPr>
+          <p:nvPr/>
+        </p:nvCxnSpPr>
+        <p:spPr>
+          <a:xfrm flipV="1">
+            <a:off x="7893873" y="3640347"/>
+            <a:ext cx="0" cy="180766"/>
+          </a:xfrm>
+          <a:prstGeom prst="line">
+            <a:avLst/>
+          </a:prstGeom>
+          <a:ln w="28575"/>
+        </p:spPr>
+        <p:style>
+          <a:lnRef idx="1">
+            <a:schemeClr val="accent1"/>
+          </a:lnRef>
+          <a:fillRef idx="0">
+            <a:schemeClr val="accent1"/>
+          </a:fillRef>
+          <a:effectRef idx="0">
+            <a:schemeClr val="accent1"/>
+          </a:effectRef>
+          <a:fontRef idx="minor">
+            <a:schemeClr val="tx1"/>
+          </a:fontRef>
+        </p:style>
+      </p:cxnSp>
+      <p:sp>
+        <p:nvSpPr>
+          <p:cNvPr id="32" name="Right Brace 31">
+            <a:extLst>
+              <a:ext uri="{FF2B5EF4-FFF2-40B4-BE49-F238E27FC236}">
+                <a16:creationId xmlns:a16="http://schemas.microsoft.com/office/drawing/2014/main" id="{D7FE7617-C083-AF77-3C5B-C438FA867788}"/>
+              </a:ext>
+            </a:extLst>
+          </p:cNvPr>
+          <p:cNvSpPr/>
+          <p:nvPr/>
+        </p:nvSpPr>
+        <p:spPr>
+          <a:xfrm rot="16200000">
+            <a:off x="6919089" y="2665561"/>
+            <a:ext cx="483077" cy="1466487"/>
+          </a:xfrm>
+          <a:prstGeom prst="rightBrace">
+            <a:avLst/>
+          </a:prstGeom>
+        </p:spPr>
+        <p:style>
+          <a:lnRef idx="1">
+            <a:schemeClr val="accent1"/>
+          </a:lnRef>
+          <a:fillRef idx="0">
+            <a:schemeClr val="accent1"/>
+          </a:fillRef>
+          <a:effectRef idx="0">
+            <a:schemeClr val="accent1"/>
+          </a:effectRef>
+          <a:fontRef idx="minor">
+            <a:schemeClr val="tx1"/>
+          </a:fontRef>
+        </p:style>
+        <p:txBody>
+          <a:bodyPr rtlCol="0" anchor="ctr"/>
+          <a:lstStyle/>
+          <a:p>
+            <a:pPr algn="ctr"/>
+            <a:endParaRPr lang="LID4096"/>
+          </a:p>
+        </p:txBody>
+      </p:sp>
+      <p:sp>
+        <p:nvSpPr>
+          <p:cNvPr id="33" name="TextBox 32">
+            <a:extLst>
+              <a:ext uri="{FF2B5EF4-FFF2-40B4-BE49-F238E27FC236}">
+                <a16:creationId xmlns:a16="http://schemas.microsoft.com/office/drawing/2014/main" id="{B1ECC641-A050-06E3-CA5D-8B50FAE421CF}"/>
+              </a:ext>
+            </a:extLst>
+          </p:cNvPr>
+          <p:cNvSpPr txBox="1"/>
+          <p:nvPr/>
+        </p:nvSpPr>
+        <p:spPr>
+          <a:xfrm>
+            <a:off x="6427383" y="2907102"/>
+            <a:ext cx="1466488" cy="276999"/>
+          </a:xfrm>
+          <a:prstGeom prst="rect">
+            <a:avLst/>
+          </a:prstGeom>
+          <a:noFill/>
+        </p:spPr>
+        <p:txBody>
+          <a:bodyPr wrap="square" rtlCol="0">
+            <a:spAutoFit/>
+          </a:bodyPr>
+          <a:lstStyle/>
+          <a:p>
+            <a:pPr algn="ctr"/>
+            <a:r>
+              <a:rPr lang="en-GB" sz="1200" dirty="0" err="1"/>
+              <a:t>Differenz</a:t>
+            </a:r>
+            <a:r>
+              <a:rPr lang="en-GB" sz="1200" dirty="0"/>
+              <a:t>: 19 </a:t>
+            </a:r>
+            <a:r>
+              <a:rPr lang="en-GB" sz="1200" dirty="0" err="1"/>
+              <a:t>Tage</a:t>
+            </a:r>
+            <a:endParaRPr lang="LID4096" dirty="0"/>
+          </a:p>
+        </p:txBody>
+      </p:sp>
+      <p:sp>
+        <p:nvSpPr>
+          <p:cNvPr id="34" name="TextBox 33">
+            <a:extLst>
+              <a:ext uri="{FF2B5EF4-FFF2-40B4-BE49-F238E27FC236}">
+                <a16:creationId xmlns:a16="http://schemas.microsoft.com/office/drawing/2014/main" id="{8ED2465C-9B28-19D0-CA95-787946D80734}"/>
+              </a:ext>
+            </a:extLst>
+          </p:cNvPr>
+          <p:cNvSpPr txBox="1"/>
+          <p:nvPr/>
+        </p:nvSpPr>
+        <p:spPr>
+          <a:xfrm>
+            <a:off x="5997575" y="4364966"/>
+            <a:ext cx="2932981" cy="1200329"/>
+          </a:xfrm>
+          <a:prstGeom prst="rect">
+            <a:avLst/>
+          </a:prstGeom>
+          <a:noFill/>
+        </p:spPr>
+        <p:txBody>
+          <a:bodyPr wrap="square" rtlCol="0">
+            <a:spAutoFit/>
+          </a:bodyPr>
+          <a:lstStyle/>
+          <a:p>
+            <a:pPr algn="ctr"/>
+            <a:r>
+              <a:rPr lang="en-GB" dirty="0"/>
+              <a:t>-&gt; Zwei </a:t>
+            </a:r>
+            <a:r>
+              <a:rPr lang="en-GB" dirty="0" err="1"/>
+              <a:t>Episoden</a:t>
+            </a:r>
+            <a:r>
+              <a:rPr lang="en-GB" dirty="0"/>
+              <a:t>, die </a:t>
+            </a:r>
+            <a:r>
+              <a:rPr lang="en-GB" dirty="0" err="1"/>
+              <a:t>vom</a:t>
+            </a:r>
+            <a:r>
+              <a:rPr lang="en-GB" dirty="0"/>
+              <a:t> 1. </a:t>
+            </a:r>
+            <a:r>
+              <a:rPr lang="en-GB" dirty="0" err="1"/>
+              <a:t>Januar</a:t>
+            </a:r>
+            <a:r>
+              <a:rPr lang="en-GB" dirty="0"/>
+              <a:t> bis </a:t>
+            </a:r>
+            <a:r>
+              <a:rPr lang="en-GB" dirty="0" err="1"/>
+              <a:t>zum</a:t>
+            </a:r>
+            <a:r>
+              <a:rPr lang="en-GB" dirty="0"/>
+              <a:t> 19. </a:t>
+            </a:r>
+            <a:r>
+              <a:rPr lang="en-GB" dirty="0" err="1"/>
+              <a:t>Januar</a:t>
+            </a:r>
+            <a:r>
+              <a:rPr lang="en-GB" dirty="0"/>
+              <a:t> und </a:t>
+            </a:r>
+            <a:r>
+              <a:rPr lang="en-GB" dirty="0" err="1"/>
+              <a:t>vom</a:t>
+            </a:r>
+            <a:r>
+              <a:rPr lang="en-GB" dirty="0"/>
+              <a:t> 20. </a:t>
+            </a:r>
+            <a:r>
+              <a:rPr lang="en-GB" dirty="0" err="1"/>
+              <a:t>Januar</a:t>
+            </a:r>
+            <a:r>
+              <a:rPr lang="en-GB" dirty="0"/>
+              <a:t> bis </a:t>
+            </a:r>
+            <a:r>
+              <a:rPr lang="en-GB" dirty="0" err="1"/>
+              <a:t>zum</a:t>
+            </a:r>
+            <a:r>
+              <a:rPr lang="en-GB" dirty="0"/>
+              <a:t> 20. </a:t>
+            </a:r>
+            <a:r>
+              <a:rPr lang="en-GB" dirty="0" err="1"/>
+              <a:t>Januar</a:t>
+            </a:r>
+            <a:r>
+              <a:rPr lang="en-GB" dirty="0"/>
+              <a:t> + 56 </a:t>
+            </a:r>
+            <a:r>
+              <a:rPr lang="en-GB" dirty="0" err="1"/>
+              <a:t>Tage</a:t>
+            </a:r>
+            <a:r>
+              <a:rPr lang="en-GB" dirty="0"/>
+              <a:t> </a:t>
+            </a:r>
+            <a:r>
+              <a:rPr lang="en-GB" dirty="0" err="1"/>
+              <a:t>reichen</a:t>
+            </a:r>
+            <a:endParaRPr lang="LID4096" dirty="0"/>
+          </a:p>
+        </p:txBody>
+      </p:sp>
+    </p:spTree>
+    <p:extLst>
+      <p:ext uri="{BB962C8B-B14F-4D97-AF65-F5344CB8AC3E}">
+        <p14:creationId xmlns:p14="http://schemas.microsoft.com/office/powerpoint/2010/main" val="2943169224"/>
+      </p:ext>
+    </p:extLst>
+  </p:cSld>
+  <p:clrMapOvr>
+    <a:masterClrMapping/>
+  </p:clrMapOvr>
+</p:sld>
+</file>
+
+<file path=ppt/slides/slide6.xml><?xml version="1.0" encoding="utf-8"?>
 <p:sld xmlns:a="http://schemas.openxmlformats.org/drawingml/2006/main" xmlns:r="http://schemas.openxmlformats.org/officeDocument/2006/relationships" xmlns:p="http://schemas.openxmlformats.org/presentationml/2006/main">
   <p:cSld>
     <p:spTree>
@@ -4646,7 +10571,7 @@
 </p:sld>
 </file>
 
-<file path=ppt/slides/slide5.xml><?xml version="1.0" encoding="utf-8"?>
+<file path=ppt/slides/slide7.xml><?xml version="1.0" encoding="utf-8"?>
 <p:sld xmlns:a="http://schemas.openxmlformats.org/drawingml/2006/main" xmlns:r="http://schemas.openxmlformats.org/officeDocument/2006/relationships" xmlns:p="http://schemas.openxmlformats.org/presentationml/2006/main">
   <p:cSld>
     <p:spTree>
@@ -4707,7 +10632,7 @@
             <p:ph idx="1"/>
             <p:extLst>
               <p:ext uri="{D42A27DB-BD31-4B8C-83A1-F6EECF244321}">
-                <p14:modId xmlns:p14="http://schemas.microsoft.com/office/powerpoint/2010/main" val="2961328814"/>
+                <p14:modId xmlns:p14="http://schemas.microsoft.com/office/powerpoint/2010/main" val="2389065581"/>
               </p:ext>
             </p:extLst>
           </p:nvPr>
@@ -4901,13 +10826,13 @@
                       </a:r>
                     </a:p>
                     <a:p>
+                      <a:endParaRPr lang="de-DE" dirty="0"/>
+                    </a:p>
+                    <a:p>
                       <a:r>
                         <a:rPr lang="de-DE" dirty="0"/>
                         <a:t>3%</a:t>
                       </a:r>
-                    </a:p>
-                    <a:p>
-                      <a:endParaRPr lang="de-DE" dirty="0"/>
                     </a:p>
                     <a:p>
                       <a:r>
@@ -4962,13 +10887,13 @@
                       </a:r>
                     </a:p>
                     <a:p>
+                      <a:endParaRPr lang="de-DE" dirty="0"/>
+                    </a:p>
+                    <a:p>
                       <a:r>
                         <a:rPr lang="de-DE" dirty="0"/>
                         <a:t>3%</a:t>
                       </a:r>
-                    </a:p>
-                    <a:p>
-                      <a:endParaRPr lang="de-DE" dirty="0"/>
                     </a:p>
                     <a:p>
                       <a:r>
@@ -5001,384 +10926,6 @@
           </a:graphicData>
         </a:graphic>
       </p:graphicFrame>
-      <p:grpSp>
-        <p:nvGrpSpPr>
-          <p:cNvPr id="9" name="Gruppieren 8">
-            <a:extLst>
-              <a:ext uri="{FF2B5EF4-FFF2-40B4-BE49-F238E27FC236}">
-                <a16:creationId xmlns:a16="http://schemas.microsoft.com/office/drawing/2014/main" id="{5F80F439-6691-A467-17F1-986DDAD1D9B4}"/>
-              </a:ext>
-            </a:extLst>
-          </p:cNvPr>
-          <p:cNvGrpSpPr/>
-          <p:nvPr/>
-        </p:nvGrpSpPr>
-        <p:grpSpPr>
-          <a:xfrm>
-            <a:off x="1243584" y="5471280"/>
-            <a:ext cx="3727080" cy="1021680"/>
-            <a:chOff x="1243584" y="5471280"/>
-            <a:chExt cx="3727080" cy="1021680"/>
-          </a:xfrm>
-        </p:grpSpPr>
-        <mc:AlternateContent xmlns:mc="http://schemas.openxmlformats.org/markup-compatibility/2006" xmlns:p14="http://schemas.microsoft.com/office/powerpoint/2010/main">
-          <mc:Choice Requires="p14">
-            <p:contentPart p14:bwMode="auto" r:id="rId2">
-              <p14:nvContentPartPr>
-                <p14:cNvPr id="3" name="Freihand 2">
-                  <a:extLst>
-                    <a:ext uri="{FF2B5EF4-FFF2-40B4-BE49-F238E27FC236}">
-                      <a16:creationId xmlns:a16="http://schemas.microsoft.com/office/drawing/2014/main" id="{44CDD89A-D172-8295-1E02-993E98B3D9D4}"/>
-                    </a:ext>
-                  </a:extLst>
-                </p14:cNvPr>
-                <p14:cNvContentPartPr/>
-                <p14:nvPr/>
-              </p14:nvContentPartPr>
-              <p14:xfrm>
-                <a:off x="1487664" y="5717520"/>
-                <a:ext cx="45000" cy="554400"/>
-              </p14:xfrm>
-            </p:contentPart>
-          </mc:Choice>
-          <mc:Fallback xmlns="">
-            <p:pic>
-              <p:nvPicPr>
-                <p:cNvPr id="3" name="Freihand 2">
-                  <a:extLst>
-                    <a:ext uri="{FF2B5EF4-FFF2-40B4-BE49-F238E27FC236}">
-                      <a16:creationId xmlns:a16="http://schemas.microsoft.com/office/drawing/2014/main" id="{44CDD89A-D172-8295-1E02-993E98B3D9D4}"/>
-                    </a:ext>
-                  </a:extLst>
-                </p:cNvPr>
-                <p:cNvPicPr/>
-                <p:nvPr/>
-              </p:nvPicPr>
-              <p:blipFill>
-                <a:blip r:embed="rId3"/>
-                <a:stretch>
-                  <a:fillRect/>
-                </a:stretch>
-              </p:blipFill>
-              <p:spPr>
-                <a:xfrm>
-                  <a:off x="1478664" y="5708520"/>
-                  <a:ext cx="62640" cy="572040"/>
-                </a:xfrm>
-                <a:prstGeom prst="rect">
-                  <a:avLst/>
-                </a:prstGeom>
-              </p:spPr>
-            </p:pic>
-          </mc:Fallback>
-        </mc:AlternateContent>
-        <mc:AlternateContent xmlns:mc="http://schemas.openxmlformats.org/markup-compatibility/2006" xmlns:p14="http://schemas.microsoft.com/office/powerpoint/2010/main">
-          <mc:Choice Requires="p14">
-            <p:contentPart p14:bwMode="auto" r:id="rId4">
-              <p14:nvContentPartPr>
-                <p14:cNvPr id="5" name="Freihand 4">
-                  <a:extLst>
-                    <a:ext uri="{FF2B5EF4-FFF2-40B4-BE49-F238E27FC236}">
-                      <a16:creationId xmlns:a16="http://schemas.microsoft.com/office/drawing/2014/main" id="{E43C8563-4E08-C21B-7CA6-5A94E130FFA7}"/>
-                    </a:ext>
-                  </a:extLst>
-                </p14:cNvPr>
-                <p14:cNvContentPartPr/>
-                <p14:nvPr/>
-              </p14:nvContentPartPr>
-              <p14:xfrm>
-                <a:off x="1243584" y="5521680"/>
-                <a:ext cx="726120" cy="508680"/>
-              </p14:xfrm>
-            </p:contentPart>
-          </mc:Choice>
-          <mc:Fallback xmlns="">
-            <p:pic>
-              <p:nvPicPr>
-                <p:cNvPr id="5" name="Freihand 4">
-                  <a:extLst>
-                    <a:ext uri="{FF2B5EF4-FFF2-40B4-BE49-F238E27FC236}">
-                      <a16:creationId xmlns:a16="http://schemas.microsoft.com/office/drawing/2014/main" id="{E43C8563-4E08-C21B-7CA6-5A94E130FFA7}"/>
-                    </a:ext>
-                  </a:extLst>
-                </p:cNvPr>
-                <p:cNvPicPr/>
-                <p:nvPr/>
-              </p:nvPicPr>
-              <p:blipFill>
-                <a:blip r:embed="rId5"/>
-                <a:stretch>
-                  <a:fillRect/>
-                </a:stretch>
-              </p:blipFill>
-              <p:spPr>
-                <a:xfrm>
-                  <a:off x="1234584" y="5513040"/>
-                  <a:ext cx="743760" cy="526320"/>
-                </a:xfrm>
-                <a:prstGeom prst="rect">
-                  <a:avLst/>
-                </a:prstGeom>
-              </p:spPr>
-            </p:pic>
-          </mc:Fallback>
-        </mc:AlternateContent>
-        <mc:AlternateContent xmlns:mc="http://schemas.openxmlformats.org/markup-compatibility/2006" xmlns:p14="http://schemas.microsoft.com/office/powerpoint/2010/main">
-          <mc:Choice Requires="p14">
-            <p:contentPart p14:bwMode="auto" r:id="rId6">
-              <p14:nvContentPartPr>
-                <p14:cNvPr id="6" name="Freihand 5">
-                  <a:extLst>
-                    <a:ext uri="{FF2B5EF4-FFF2-40B4-BE49-F238E27FC236}">
-                      <a16:creationId xmlns:a16="http://schemas.microsoft.com/office/drawing/2014/main" id="{A30F1D8D-AD19-20F0-B9D7-71E74E4F49AB}"/>
-                    </a:ext>
-                  </a:extLst>
-                </p14:cNvPr>
-                <p14:cNvContentPartPr/>
-                <p14:nvPr/>
-              </p14:nvContentPartPr>
-              <p14:xfrm>
-                <a:off x="2326104" y="5471280"/>
-                <a:ext cx="402120" cy="1021680"/>
-              </p14:xfrm>
-            </p:contentPart>
-          </mc:Choice>
-          <mc:Fallback xmlns="">
-            <p:pic>
-              <p:nvPicPr>
-                <p:cNvPr id="6" name="Freihand 5">
-                  <a:extLst>
-                    <a:ext uri="{FF2B5EF4-FFF2-40B4-BE49-F238E27FC236}">
-                      <a16:creationId xmlns:a16="http://schemas.microsoft.com/office/drawing/2014/main" id="{A30F1D8D-AD19-20F0-B9D7-71E74E4F49AB}"/>
-                    </a:ext>
-                  </a:extLst>
-                </p:cNvPr>
-                <p:cNvPicPr/>
-                <p:nvPr/>
-              </p:nvPicPr>
-              <p:blipFill>
-                <a:blip r:embed="rId7"/>
-                <a:stretch>
-                  <a:fillRect/>
-                </a:stretch>
-              </p:blipFill>
-              <p:spPr>
-                <a:xfrm>
-                  <a:off x="2317104" y="5462280"/>
-                  <a:ext cx="419760" cy="1039320"/>
-                </a:xfrm>
-                <a:prstGeom prst="rect">
-                  <a:avLst/>
-                </a:prstGeom>
-              </p:spPr>
-            </p:pic>
-          </mc:Fallback>
-        </mc:AlternateContent>
-        <mc:AlternateContent xmlns:mc="http://schemas.openxmlformats.org/markup-compatibility/2006" xmlns:p14="http://schemas.microsoft.com/office/powerpoint/2010/main">
-          <mc:Choice Requires="p14">
-            <p:contentPart p14:bwMode="auto" r:id="rId8">
-              <p14:nvContentPartPr>
-                <p14:cNvPr id="7" name="Freihand 6">
-                  <a:extLst>
-                    <a:ext uri="{FF2B5EF4-FFF2-40B4-BE49-F238E27FC236}">
-                      <a16:creationId xmlns:a16="http://schemas.microsoft.com/office/drawing/2014/main" id="{A779E920-31F8-C607-CE8C-95804F49BA5B}"/>
-                    </a:ext>
-                  </a:extLst>
-                </p14:cNvPr>
-                <p14:cNvContentPartPr/>
-                <p14:nvPr/>
-              </p14:nvContentPartPr>
-              <p14:xfrm>
-                <a:off x="2663064" y="5471280"/>
-                <a:ext cx="808560" cy="809640"/>
-              </p14:xfrm>
-            </p:contentPart>
-          </mc:Choice>
-          <mc:Fallback xmlns="">
-            <p:pic>
-              <p:nvPicPr>
-                <p:cNvPr id="7" name="Freihand 6">
-                  <a:extLst>
-                    <a:ext uri="{FF2B5EF4-FFF2-40B4-BE49-F238E27FC236}">
-                      <a16:creationId xmlns:a16="http://schemas.microsoft.com/office/drawing/2014/main" id="{A779E920-31F8-C607-CE8C-95804F49BA5B}"/>
-                    </a:ext>
-                  </a:extLst>
-                </p:cNvPr>
-                <p:cNvPicPr/>
-                <p:nvPr/>
-              </p:nvPicPr>
-              <p:blipFill>
-                <a:blip r:embed="rId9"/>
-                <a:stretch>
-                  <a:fillRect/>
-                </a:stretch>
-              </p:blipFill>
-              <p:spPr>
-                <a:xfrm>
-                  <a:off x="2654064" y="5462280"/>
-                  <a:ext cx="826200" cy="827280"/>
-                </a:xfrm>
-                <a:prstGeom prst="rect">
-                  <a:avLst/>
-                </a:prstGeom>
-              </p:spPr>
-            </p:pic>
-          </mc:Fallback>
-        </mc:AlternateContent>
-        <mc:AlternateContent xmlns:mc="http://schemas.openxmlformats.org/markup-compatibility/2006" xmlns:p14="http://schemas.microsoft.com/office/powerpoint/2010/main">
-          <mc:Choice Requires="p14">
-            <p:contentPart p14:bwMode="auto" r:id="rId10">
-              <p14:nvContentPartPr>
-                <p14:cNvPr id="8" name="Freihand 7">
-                  <a:extLst>
-                    <a:ext uri="{FF2B5EF4-FFF2-40B4-BE49-F238E27FC236}">
-                      <a16:creationId xmlns:a16="http://schemas.microsoft.com/office/drawing/2014/main" id="{102149CC-3D83-5706-82E5-A3BA93642E72}"/>
-                    </a:ext>
-                  </a:extLst>
-                </p14:cNvPr>
-                <p14:cNvContentPartPr/>
-                <p14:nvPr/>
-              </p14:nvContentPartPr>
-              <p14:xfrm>
-                <a:off x="3866184" y="5625000"/>
-                <a:ext cx="1104480" cy="847800"/>
-              </p14:xfrm>
-            </p:contentPart>
-          </mc:Choice>
-          <mc:Fallback xmlns="">
-            <p:pic>
-              <p:nvPicPr>
-                <p:cNvPr id="8" name="Freihand 7">
-                  <a:extLst>
-                    <a:ext uri="{FF2B5EF4-FFF2-40B4-BE49-F238E27FC236}">
-                      <a16:creationId xmlns:a16="http://schemas.microsoft.com/office/drawing/2014/main" id="{102149CC-3D83-5706-82E5-A3BA93642E72}"/>
-                    </a:ext>
-                  </a:extLst>
-                </p:cNvPr>
-                <p:cNvPicPr/>
-                <p:nvPr/>
-              </p:nvPicPr>
-              <p:blipFill>
-                <a:blip r:embed="rId11"/>
-                <a:stretch>
-                  <a:fillRect/>
-                </a:stretch>
-              </p:blipFill>
-              <p:spPr>
-                <a:xfrm>
-                  <a:off x="3857544" y="5616000"/>
-                  <a:ext cx="1122120" cy="865440"/>
-                </a:xfrm>
-                <a:prstGeom prst="rect">
-                  <a:avLst/>
-                </a:prstGeom>
-              </p:spPr>
-            </p:pic>
-          </mc:Fallback>
-        </mc:AlternateContent>
-      </p:grpSp>
-      <mc:AlternateContent xmlns:mc="http://schemas.openxmlformats.org/markup-compatibility/2006" xmlns:p14="http://schemas.microsoft.com/office/powerpoint/2010/main">
-        <mc:Choice Requires="p14">
-          <p:contentPart p14:bwMode="auto" r:id="rId12">
-            <p14:nvContentPartPr>
-              <p14:cNvPr id="10" name="Freihand 9">
-                <a:extLst>
-                  <a:ext uri="{FF2B5EF4-FFF2-40B4-BE49-F238E27FC236}">
-                    <a16:creationId xmlns:a16="http://schemas.microsoft.com/office/drawing/2014/main" id="{1BA6EF0F-DA7C-018B-A274-7CCC58719A32}"/>
-                  </a:ext>
-                </a:extLst>
-              </p14:cNvPr>
-              <p14:cNvContentPartPr/>
-              <p14:nvPr/>
-            </p14:nvContentPartPr>
-            <p14:xfrm>
-              <a:off x="5586264" y="5272200"/>
-              <a:ext cx="328680" cy="639720"/>
-            </p14:xfrm>
-          </p:contentPart>
-        </mc:Choice>
-        <mc:Fallback xmlns="">
-          <p:pic>
-            <p:nvPicPr>
-              <p:cNvPr id="10" name="Freihand 9">
-                <a:extLst>
-                  <a:ext uri="{FF2B5EF4-FFF2-40B4-BE49-F238E27FC236}">
-                    <a16:creationId xmlns:a16="http://schemas.microsoft.com/office/drawing/2014/main" id="{1BA6EF0F-DA7C-018B-A274-7CCC58719A32}"/>
-                  </a:ext>
-                </a:extLst>
-              </p:cNvPr>
-              <p:cNvPicPr/>
-              <p:nvPr/>
-            </p:nvPicPr>
-            <p:blipFill>
-              <a:blip r:embed="rId13"/>
-              <a:stretch>
-                <a:fillRect/>
-              </a:stretch>
-            </p:blipFill>
-            <p:spPr>
-              <a:xfrm>
-                <a:off x="5577624" y="5263560"/>
-                <a:ext cx="346320" cy="657360"/>
-              </a:xfrm>
-              <a:prstGeom prst="rect">
-                <a:avLst/>
-              </a:prstGeom>
-            </p:spPr>
-          </p:pic>
-        </mc:Fallback>
-      </mc:AlternateContent>
-      <mc:AlternateContent xmlns:mc="http://schemas.openxmlformats.org/markup-compatibility/2006" xmlns:p14="http://schemas.microsoft.com/office/powerpoint/2010/main">
-        <mc:Choice Requires="p14">
-          <p:contentPart p14:bwMode="auto" r:id="rId14">
-            <p14:nvContentPartPr>
-              <p14:cNvPr id="11" name="Freihand 10">
-                <a:extLst>
-                  <a:ext uri="{FF2B5EF4-FFF2-40B4-BE49-F238E27FC236}">
-                    <a16:creationId xmlns:a16="http://schemas.microsoft.com/office/drawing/2014/main" id="{E6B20BAE-EFC2-2EB7-B37C-85F144BCC5AB}"/>
-                  </a:ext>
-                </a:extLst>
-              </p14:cNvPr>
-              <p14:cNvContentPartPr/>
-              <p14:nvPr/>
-            </p14:nvContentPartPr>
-            <p14:xfrm>
-              <a:off x="5256864" y="6526440"/>
-              <a:ext cx="1080" cy="1800"/>
-            </p14:xfrm>
-          </p:contentPart>
-        </mc:Choice>
-        <mc:Fallback xmlns="">
-          <p:pic>
-            <p:nvPicPr>
-              <p:cNvPr id="11" name="Freihand 10">
-                <a:extLst>
-                  <a:ext uri="{FF2B5EF4-FFF2-40B4-BE49-F238E27FC236}">
-                    <a16:creationId xmlns:a16="http://schemas.microsoft.com/office/drawing/2014/main" id="{E6B20BAE-EFC2-2EB7-B37C-85F144BCC5AB}"/>
-                  </a:ext>
-                </a:extLst>
-              </p:cNvPr>
-              <p:cNvPicPr/>
-              <p:nvPr/>
-            </p:nvPicPr>
-            <p:blipFill>
-              <a:blip r:embed="rId15"/>
-              <a:stretch>
-                <a:fillRect/>
-              </a:stretch>
-            </p:blipFill>
-            <p:spPr>
-              <a:xfrm>
-                <a:off x="5247864" y="6517800"/>
-                <a:ext cx="18720" cy="19440"/>
-              </a:xfrm>
-              <a:prstGeom prst="rect">
-                <a:avLst/>
-              </a:prstGeom>
-            </p:spPr>
-          </p:pic>
-        </mc:Fallback>
-      </mc:AlternateContent>
     </p:spTree>
     <p:extLst>
       <p:ext uri="{BB962C8B-B14F-4D97-AF65-F5344CB8AC3E}">
@@ -5392,7 +10939,297 @@
 </p:sld>
 </file>
 
-<file path=ppt/slides/slide6.xml><?xml version="1.0" encoding="utf-8"?>
+<file path=ppt/slides/slide8.xml><?xml version="1.0" encoding="utf-8"?>
+<p:sld xmlns:a="http://schemas.openxmlformats.org/drawingml/2006/main" xmlns:r="http://schemas.openxmlformats.org/officeDocument/2006/relationships" xmlns:p="http://schemas.openxmlformats.org/presentationml/2006/main">
+  <p:cSld>
+    <p:spTree>
+      <p:nvGrpSpPr>
+        <p:cNvPr id="1" name=""/>
+        <p:cNvGrpSpPr/>
+        <p:nvPr/>
+      </p:nvGrpSpPr>
+      <p:grpSpPr>
+        <a:xfrm>
+          <a:off x="0" y="0"/>
+          <a:ext cx="0" cy="0"/>
+          <a:chOff x="0" y="0"/>
+          <a:chExt cx="0" cy="0"/>
+        </a:xfrm>
+      </p:grpSpPr>
+      <p:sp>
+        <p:nvSpPr>
+          <p:cNvPr id="2" name="Title 1">
+            <a:extLst>
+              <a:ext uri="{FF2B5EF4-FFF2-40B4-BE49-F238E27FC236}">
+                <a16:creationId xmlns:a16="http://schemas.microsoft.com/office/drawing/2014/main" id="{7D71A301-B271-63C4-953D-1B1B97220822}"/>
+              </a:ext>
+            </a:extLst>
+          </p:cNvPr>
+          <p:cNvSpPr>
+            <a:spLocks noGrp="1"/>
+          </p:cNvSpPr>
+          <p:nvPr>
+            <p:ph type="title"/>
+          </p:nvPr>
+        </p:nvSpPr>
+        <p:spPr/>
+        <p:txBody>
+          <a:bodyPr/>
+          <a:lstStyle/>
+          <a:p>
+            <a:r>
+              <a:rPr lang="en-GB" dirty="0" err="1"/>
+              <a:t>Altersverteilung</a:t>
+            </a:r>
+            <a:r>
+              <a:rPr lang="en-GB" dirty="0"/>
+              <a:t> der </a:t>
+            </a:r>
+            <a:r>
+              <a:rPr lang="en-GB" dirty="0" err="1"/>
+              <a:t>Hustenpatienten</a:t>
+            </a:r>
+            <a:endParaRPr lang="LID4096" dirty="0"/>
+          </a:p>
+        </p:txBody>
+      </p:sp>
+      <p:pic>
+        <p:nvPicPr>
+          <p:cNvPr id="6" name="Content Placeholder 5" descr="A graph of a graph showing the growth of a patient&#10;&#10;Description automatically generated">
+            <a:extLst>
+              <a:ext uri="{FF2B5EF4-FFF2-40B4-BE49-F238E27FC236}">
+                <a16:creationId xmlns:a16="http://schemas.microsoft.com/office/drawing/2014/main" id="{2044FC4D-FEE5-9FE6-D8D3-54F0C3CC7DAD}"/>
+              </a:ext>
+            </a:extLst>
+          </p:cNvPr>
+          <p:cNvPicPr>
+            <a:picLocks noGrp="1" noChangeAspect="1"/>
+          </p:cNvPicPr>
+          <p:nvPr>
+            <p:ph sz="half" idx="1"/>
+          </p:nvPr>
+        </p:nvPicPr>
+        <p:blipFill>
+          <a:blip r:embed="rId2">
+            <a:extLst>
+              <a:ext uri="{28A0092B-C50C-407E-A947-70E740481C1C}">
+                <a14:useLocalDpi xmlns:a14="http://schemas.microsoft.com/office/drawing/2010/main" val="0"/>
+              </a:ext>
+            </a:extLst>
+          </a:blip>
+          <a:stretch>
+            <a:fillRect/>
+          </a:stretch>
+        </p:blipFill>
+        <p:spPr>
+          <a:xfrm>
+            <a:off x="1253331" y="1825625"/>
+            <a:ext cx="4351338" cy="4351338"/>
+          </a:xfrm>
+        </p:spPr>
+      </p:pic>
+      <p:pic>
+        <p:nvPicPr>
+          <p:cNvPr id="8" name="Content Placeholder 7" descr="A graph of a graph&#10;&#10;Description automatically generated">
+            <a:extLst>
+              <a:ext uri="{FF2B5EF4-FFF2-40B4-BE49-F238E27FC236}">
+                <a16:creationId xmlns:a16="http://schemas.microsoft.com/office/drawing/2014/main" id="{3DA61BC3-81CA-8A4A-81F2-6535946643F6}"/>
+              </a:ext>
+            </a:extLst>
+          </p:cNvPr>
+          <p:cNvPicPr>
+            <a:picLocks noGrp="1" noChangeAspect="1"/>
+          </p:cNvPicPr>
+          <p:nvPr>
+            <p:ph sz="half" idx="2"/>
+          </p:nvPr>
+        </p:nvPicPr>
+        <p:blipFill>
+          <a:blip r:embed="rId3">
+            <a:extLst>
+              <a:ext uri="{28A0092B-C50C-407E-A947-70E740481C1C}">
+                <a14:useLocalDpi xmlns:a14="http://schemas.microsoft.com/office/drawing/2010/main" val="0"/>
+              </a:ext>
+            </a:extLst>
+          </a:blip>
+          <a:stretch>
+            <a:fillRect/>
+          </a:stretch>
+        </p:blipFill>
+        <p:spPr>
+          <a:xfrm>
+            <a:off x="6587331" y="1825625"/>
+            <a:ext cx="4351338" cy="4351338"/>
+          </a:xfrm>
+        </p:spPr>
+      </p:pic>
+      <p:sp>
+        <p:nvSpPr>
+          <p:cNvPr id="9" name="TextBox 8">
+            <a:extLst>
+              <a:ext uri="{FF2B5EF4-FFF2-40B4-BE49-F238E27FC236}">
+                <a16:creationId xmlns:a16="http://schemas.microsoft.com/office/drawing/2014/main" id="{ECD555CE-27BC-2AEF-BA13-71B8BA29F0DB}"/>
+              </a:ext>
+            </a:extLst>
+          </p:cNvPr>
+          <p:cNvSpPr txBox="1"/>
+          <p:nvPr/>
+        </p:nvSpPr>
+        <p:spPr>
+          <a:xfrm>
+            <a:off x="1253331" y="6176963"/>
+            <a:ext cx="9685338" cy="646331"/>
+          </a:xfrm>
+          <a:prstGeom prst="rect">
+            <a:avLst/>
+          </a:prstGeom>
+          <a:noFill/>
+        </p:spPr>
+        <p:txBody>
+          <a:bodyPr wrap="square" rtlCol="0">
+            <a:spAutoFit/>
+          </a:bodyPr>
+          <a:lstStyle/>
+          <a:p>
+            <a:pPr algn="ctr"/>
+            <a:r>
+              <a:rPr lang="en-GB" dirty="0" err="1"/>
+              <a:t>Jüngere</a:t>
+            </a:r>
+            <a:r>
+              <a:rPr lang="en-GB" dirty="0"/>
+              <a:t> </a:t>
+            </a:r>
+            <a:r>
+              <a:rPr lang="en-GB" dirty="0" err="1"/>
+              <a:t>Patienten</a:t>
+            </a:r>
+            <a:r>
+              <a:rPr lang="en-GB" dirty="0"/>
+              <a:t> </a:t>
+            </a:r>
+            <a:r>
+              <a:rPr lang="en-GB" dirty="0" err="1"/>
+              <a:t>sind</a:t>
+            </a:r>
+            <a:r>
+              <a:rPr lang="en-GB" dirty="0"/>
+              <a:t> </a:t>
+            </a:r>
+            <a:r>
+              <a:rPr lang="en-GB" dirty="0" err="1"/>
+              <a:t>unter</a:t>
+            </a:r>
+            <a:r>
+              <a:rPr lang="en-GB" dirty="0"/>
+              <a:t>-, </a:t>
+            </a:r>
+            <a:r>
+              <a:rPr lang="en-GB" dirty="0" err="1"/>
+              <a:t>ältere</a:t>
+            </a:r>
+            <a:r>
+              <a:rPr lang="en-GB" dirty="0"/>
+              <a:t> </a:t>
+            </a:r>
+            <a:r>
+              <a:rPr lang="en-GB" dirty="0" err="1"/>
+              <a:t>Patienten</a:t>
+            </a:r>
+            <a:r>
+              <a:rPr lang="en-GB" dirty="0"/>
+              <a:t> </a:t>
+            </a:r>
+            <a:r>
+              <a:rPr lang="en-GB" dirty="0" err="1"/>
+              <a:t>sind</a:t>
+            </a:r>
+            <a:r>
+              <a:rPr lang="en-GB" dirty="0"/>
+              <a:t> </a:t>
+            </a:r>
+            <a:r>
+              <a:rPr lang="en-GB" dirty="0" err="1"/>
+              <a:t>bei</a:t>
+            </a:r>
+            <a:r>
+              <a:rPr lang="en-GB" dirty="0"/>
+              <a:t> </a:t>
+            </a:r>
+            <a:r>
+              <a:rPr lang="en-GB" dirty="0" err="1"/>
+              <a:t>Husten</a:t>
+            </a:r>
+            <a:r>
+              <a:rPr lang="en-GB" dirty="0"/>
+              <a:t> </a:t>
+            </a:r>
+            <a:r>
+              <a:rPr lang="en-GB" dirty="0" err="1"/>
+              <a:t>überrepräsentiert</a:t>
+            </a:r>
+            <a:r>
+              <a:rPr lang="en-GB" dirty="0"/>
+              <a:t>. Aber: Kein Alter </a:t>
+            </a:r>
+            <a:r>
+              <a:rPr lang="en-GB" dirty="0" err="1"/>
+              <a:t>bleibt</a:t>
+            </a:r>
+            <a:r>
+              <a:rPr lang="en-GB" dirty="0"/>
+              <a:t> von </a:t>
+            </a:r>
+            <a:r>
+              <a:rPr lang="en-GB" dirty="0" err="1"/>
+              <a:t>Husten</a:t>
+            </a:r>
+            <a:r>
+              <a:rPr lang="en-GB" dirty="0"/>
+              <a:t> </a:t>
+            </a:r>
+            <a:r>
+              <a:rPr lang="en-GB" dirty="0" err="1"/>
+              <a:t>verschont</a:t>
+            </a:r>
+            <a:r>
+              <a:rPr lang="en-GB" dirty="0"/>
+              <a:t>, von 1 </a:t>
+            </a:r>
+            <a:r>
+              <a:rPr lang="en-GB" dirty="0" err="1"/>
+              <a:t>Jahr</a:t>
+            </a:r>
+            <a:r>
+              <a:rPr lang="en-GB" dirty="0"/>
+              <a:t> bis </a:t>
+            </a:r>
+            <a:r>
+              <a:rPr lang="en-GB" dirty="0" err="1"/>
+              <a:t>über</a:t>
+            </a:r>
+            <a:r>
+              <a:rPr lang="en-GB" dirty="0"/>
+              <a:t> 100 Jahre!</a:t>
+            </a:r>
+            <a:endParaRPr lang="LID4096" dirty="0"/>
+          </a:p>
+        </p:txBody>
+      </p:sp>
+    </p:spTree>
+    <p:extLst>
+      <p:ext uri="{BB962C8B-B14F-4D97-AF65-F5344CB8AC3E}">
+        <p14:creationId xmlns:p14="http://schemas.microsoft.com/office/powerpoint/2010/main" val="539406537"/>
+      </p:ext>
+    </p:extLst>
+  </p:cSld>
+  <p:clrMapOvr>
+    <a:masterClrMapping/>
+  </p:clrMapOvr>
+</p:sld>
+</file>
+
+<file path=ppt/slides/slide9.xml><?xml version="1.0" encoding="utf-8"?>
 <p:sld xmlns:a="http://schemas.openxmlformats.org/drawingml/2006/main" xmlns:r="http://schemas.openxmlformats.org/officeDocument/2006/relationships" xmlns:p="http://schemas.openxmlformats.org/presentationml/2006/main">
   <p:cSld>
     <p:spTree>

--- a/presentation Steinhaeuser 20_12_23.pptx
+++ b/presentation Steinhaeuser 20_12_23.pptx
@@ -593,7 +593,7 @@
           <a:p>
             <a:fld id="{198C50A6-AF85-45B9-9072-8483994B30B8}" type="slidenum">
               <a:rPr lang="de-DE" smtClean="0"/>
-              <a:t>‹#›</a:t>
+              <a:t>‹Nr.›</a:t>
             </a:fld>
             <a:endParaRPr lang="de-DE"/>
           </a:p>
@@ -791,7 +791,7 @@
           <a:p>
             <a:fld id="{198C50A6-AF85-45B9-9072-8483994B30B8}" type="slidenum">
               <a:rPr lang="de-DE" smtClean="0"/>
-              <a:t>‹#›</a:t>
+              <a:t>‹Nr.›</a:t>
             </a:fld>
             <a:endParaRPr lang="de-DE"/>
           </a:p>
@@ -999,7 +999,7 @@
           <a:p>
             <a:fld id="{198C50A6-AF85-45B9-9072-8483994B30B8}" type="slidenum">
               <a:rPr lang="de-DE" smtClean="0"/>
-              <a:t>‹#›</a:t>
+              <a:t>‹Nr.›</a:t>
             </a:fld>
             <a:endParaRPr lang="de-DE"/>
           </a:p>
@@ -1197,7 +1197,7 @@
           <a:p>
             <a:fld id="{198C50A6-AF85-45B9-9072-8483994B30B8}" type="slidenum">
               <a:rPr lang="de-DE" smtClean="0"/>
-              <a:t>‹#›</a:t>
+              <a:t>‹Nr.›</a:t>
             </a:fld>
             <a:endParaRPr lang="de-DE"/>
           </a:p>
@@ -1472,7 +1472,7 @@
           <a:p>
             <a:fld id="{198C50A6-AF85-45B9-9072-8483994B30B8}" type="slidenum">
               <a:rPr lang="de-DE" smtClean="0"/>
-              <a:t>‹#›</a:t>
+              <a:t>‹Nr.›</a:t>
             </a:fld>
             <a:endParaRPr lang="de-DE"/>
           </a:p>
@@ -1737,7 +1737,7 @@
           <a:p>
             <a:fld id="{198C50A6-AF85-45B9-9072-8483994B30B8}" type="slidenum">
               <a:rPr lang="de-DE" smtClean="0"/>
-              <a:t>‹#›</a:t>
+              <a:t>‹Nr.›</a:t>
             </a:fld>
             <a:endParaRPr lang="de-DE"/>
           </a:p>
@@ -2149,7 +2149,7 @@
           <a:p>
             <a:fld id="{198C50A6-AF85-45B9-9072-8483994B30B8}" type="slidenum">
               <a:rPr lang="de-DE" smtClean="0"/>
-              <a:t>‹#›</a:t>
+              <a:t>‹Nr.›</a:t>
             </a:fld>
             <a:endParaRPr lang="de-DE"/>
           </a:p>
@@ -2290,7 +2290,7 @@
           <a:p>
             <a:fld id="{198C50A6-AF85-45B9-9072-8483994B30B8}" type="slidenum">
               <a:rPr lang="de-DE" smtClean="0"/>
-              <a:t>‹#›</a:t>
+              <a:t>‹Nr.›</a:t>
             </a:fld>
             <a:endParaRPr lang="de-DE"/>
           </a:p>
@@ -2403,7 +2403,7 @@
           <a:p>
             <a:fld id="{198C50A6-AF85-45B9-9072-8483994B30B8}" type="slidenum">
               <a:rPr lang="de-DE" smtClean="0"/>
-              <a:t>‹#›</a:t>
+              <a:t>‹Nr.›</a:t>
             </a:fld>
             <a:endParaRPr lang="de-DE"/>
           </a:p>
@@ -2714,7 +2714,7 @@
           <a:p>
             <a:fld id="{198C50A6-AF85-45B9-9072-8483994B30B8}" type="slidenum">
               <a:rPr lang="de-DE" smtClean="0"/>
-              <a:t>‹#›</a:t>
+              <a:t>‹Nr.›</a:t>
             </a:fld>
             <a:endParaRPr lang="de-DE"/>
           </a:p>
@@ -3002,7 +3002,7 @@
           <a:p>
             <a:fld id="{198C50A6-AF85-45B9-9072-8483994B30B8}" type="slidenum">
               <a:rPr lang="de-DE" smtClean="0"/>
-              <a:t>‹#›</a:t>
+              <a:t>‹Nr.›</a:t>
             </a:fld>
             <a:endParaRPr lang="de-DE"/>
           </a:p>
@@ -3279,7 +3279,7 @@
           <a:p>
             <a:fld id="{198C50A6-AF85-45B9-9072-8483994B30B8}" type="slidenum">
               <a:rPr lang="de-DE" smtClean="0"/>
-              <a:t>‹#›</a:t>
+              <a:t>‹Nr.›</a:t>
             </a:fld>
             <a:endParaRPr lang="de-DE"/>
           </a:p>
@@ -3867,7 +3867,7 @@
           </p:nvPr>
         </p:nvPicPr>
         <p:blipFill>
-          <a:blip r:embed="rId2">
+          <a:blip r:embed="rId2" cstate="hqprint">
             <a:extLst>
               <a:ext uri="{28A0092B-C50C-407E-A947-70E740481C1C}">
                 <a14:useLocalDpi xmlns:a14="http://schemas.microsoft.com/office/drawing/2010/main" val="0"/>
@@ -3902,7 +3902,7 @@
           </p:nvPr>
         </p:nvPicPr>
         <p:blipFill>
-          <a:blip r:embed="rId3">
+          <a:blip r:embed="rId3" cstate="hqprint">
             <a:extLst>
               <a:ext uri="{28A0092B-C50C-407E-A947-70E740481C1C}">
                 <a14:useLocalDpi xmlns:a14="http://schemas.microsoft.com/office/drawing/2010/main" val="0"/>
@@ -4032,7 +4032,7 @@
           </p:nvPr>
         </p:nvPicPr>
         <p:blipFill>
-          <a:blip r:embed="rId2">
+          <a:blip r:embed="rId2" cstate="hqprint">
             <a:extLst>
               <a:ext uri="{28A0092B-C50C-407E-A947-70E740481C1C}">
                 <a14:useLocalDpi xmlns:a14="http://schemas.microsoft.com/office/drawing/2010/main" val="0"/>
@@ -4067,7 +4067,7 @@
           </p:nvPr>
         </p:nvPicPr>
         <p:blipFill>
-          <a:blip r:embed="rId3">
+          <a:blip r:embed="rId3" cstate="hqprint">
             <a:extLst>
               <a:ext uri="{28A0092B-C50C-407E-A947-70E740481C1C}">
                 <a14:useLocalDpi xmlns:a14="http://schemas.microsoft.com/office/drawing/2010/main" val="0"/>
@@ -4171,7 +4171,7 @@
           <p:nvPr/>
         </p:nvPicPr>
         <p:blipFill>
-          <a:blip r:embed="rId2">
+          <a:blip r:embed="rId2" cstate="hqprint">
             <a:extLst>
               <a:ext uri="{28A0092B-C50C-407E-A947-70E740481C1C}">
                 <a14:useLocalDpi xmlns:a14="http://schemas.microsoft.com/office/drawing/2010/main" val="0"/>
@@ -4207,7 +4207,7 @@
           <p:nvPr/>
         </p:nvPicPr>
         <p:blipFill>
-          <a:blip r:embed="rId3">
+          <a:blip r:embed="rId3" cstate="hqprint">
             <a:extLst>
               <a:ext uri="{28A0092B-C50C-407E-A947-70E740481C1C}">
                 <a14:useLocalDpi xmlns:a14="http://schemas.microsoft.com/office/drawing/2010/main" val="0"/>
@@ -4243,7 +4243,7 @@
           <p:nvPr/>
         </p:nvPicPr>
         <p:blipFill>
-          <a:blip r:embed="rId4">
+          <a:blip r:embed="rId4" cstate="hqprint">
             <a:extLst>
               <a:ext uri="{28A0092B-C50C-407E-A947-70E740481C1C}">
                 <a14:useLocalDpi xmlns:a14="http://schemas.microsoft.com/office/drawing/2010/main" val="0"/>
@@ -4279,7 +4279,7 @@
           <p:nvPr/>
         </p:nvPicPr>
         <p:blipFill>
-          <a:blip r:embed="rId5">
+          <a:blip r:embed="rId5" cstate="hqprint">
             <a:extLst>
               <a:ext uri="{28A0092B-C50C-407E-A947-70E740481C1C}">
                 <a14:useLocalDpi xmlns:a14="http://schemas.microsoft.com/office/drawing/2010/main" val="0"/>
@@ -4317,7 +4317,7 @@
           </p:nvPr>
         </p:nvPicPr>
         <p:blipFill>
-          <a:blip r:embed="rId6">
+          <a:blip r:embed="rId6" cstate="hqprint">
             <a:extLst>
               <a:ext uri="{28A0092B-C50C-407E-A947-70E740481C1C}">
                 <a14:useLocalDpi xmlns:a14="http://schemas.microsoft.com/office/drawing/2010/main" val="0"/>
@@ -4350,7 +4350,7 @@
           <p:nvPr/>
         </p:nvPicPr>
         <p:blipFill>
-          <a:blip r:embed="rId7">
+          <a:blip r:embed="rId7" cstate="hqprint">
             <a:extLst>
               <a:ext uri="{28A0092B-C50C-407E-A947-70E740481C1C}">
                 <a14:useLocalDpi xmlns:a14="http://schemas.microsoft.com/office/drawing/2010/main" val="0"/>
@@ -4386,7 +4386,7 @@
           <p:nvPr/>
         </p:nvPicPr>
         <p:blipFill>
-          <a:blip r:embed="rId8">
+          <a:blip r:embed="rId8" cstate="hqprint">
             <a:extLst>
               <a:ext uri="{28A0092B-C50C-407E-A947-70E740481C1C}">
                 <a14:useLocalDpi xmlns:a14="http://schemas.microsoft.com/office/drawing/2010/main" val="0"/>
@@ -4422,7 +4422,7 @@
           <p:nvPr/>
         </p:nvPicPr>
         <p:blipFill>
-          <a:blip r:embed="rId9">
+          <a:blip r:embed="rId9" cstate="hqprint">
             <a:extLst>
               <a:ext uri="{28A0092B-C50C-407E-A947-70E740481C1C}">
                 <a14:useLocalDpi xmlns:a14="http://schemas.microsoft.com/office/drawing/2010/main" val="0"/>
@@ -4531,7 +4531,7 @@
           </p:nvPr>
         </p:nvPicPr>
         <p:blipFill>
-          <a:blip r:embed="rId2">
+          <a:blip r:embed="rId2" cstate="hqprint">
             <a:extLst>
               <a:ext uri="{28A0092B-C50C-407E-A947-70E740481C1C}">
                 <a14:useLocalDpi xmlns:a14="http://schemas.microsoft.com/office/drawing/2010/main" val="0"/>
@@ -4566,7 +4566,7 @@
           </p:nvPr>
         </p:nvPicPr>
         <p:blipFill>
-          <a:blip r:embed="rId3">
+          <a:blip r:embed="rId3" cstate="hqprint">
             <a:extLst>
               <a:ext uri="{28A0092B-C50C-407E-A947-70E740481C1C}">
                 <a14:useLocalDpi xmlns:a14="http://schemas.microsoft.com/office/drawing/2010/main" val="0"/>
@@ -4672,7 +4672,7 @@
           </p:nvPr>
         </p:nvPicPr>
         <p:blipFill>
-          <a:blip r:embed="rId2">
+          <a:blip r:embed="rId2" cstate="hqprint">
             <a:extLst>
               <a:ext uri="{28A0092B-C50C-407E-A947-70E740481C1C}">
                 <a14:useLocalDpi xmlns:a14="http://schemas.microsoft.com/office/drawing/2010/main" val="0"/>
@@ -4707,7 +4707,7 @@
           </p:nvPr>
         </p:nvPicPr>
         <p:blipFill>
-          <a:blip r:embed="rId3">
+          <a:blip r:embed="rId3" cstate="hqprint">
             <a:extLst>
               <a:ext uri="{28A0092B-C50C-407E-A947-70E740481C1C}">
                 <a14:useLocalDpi xmlns:a14="http://schemas.microsoft.com/office/drawing/2010/main" val="0"/>
@@ -4821,7 +4821,7 @@
           </p:nvPr>
         </p:nvPicPr>
         <p:blipFill>
-          <a:blip r:embed="rId2">
+          <a:blip r:embed="rId2" cstate="hqprint">
             <a:extLst>
               <a:ext uri="{28A0092B-C50C-407E-A947-70E740481C1C}">
                 <a14:useLocalDpi xmlns:a14="http://schemas.microsoft.com/office/drawing/2010/main" val="0"/>
@@ -4856,7 +4856,7 @@
           </p:nvPr>
         </p:nvPicPr>
         <p:blipFill>
-          <a:blip r:embed="rId3">
+          <a:blip r:embed="rId3" cstate="hqprint">
             <a:extLst>
               <a:ext uri="{28A0092B-C50C-407E-A947-70E740481C1C}">
                 <a14:useLocalDpi xmlns:a14="http://schemas.microsoft.com/office/drawing/2010/main" val="0"/>
@@ -4970,7 +4970,7 @@
           </p:nvPr>
         </p:nvPicPr>
         <p:blipFill>
-          <a:blip r:embed="rId2">
+          <a:blip r:embed="rId2" cstate="hqprint">
             <a:extLst>
               <a:ext uri="{28A0092B-C50C-407E-A947-70E740481C1C}">
                 <a14:useLocalDpi xmlns:a14="http://schemas.microsoft.com/office/drawing/2010/main" val="0"/>
@@ -5005,7 +5005,7 @@
           </p:nvPr>
         </p:nvPicPr>
         <p:blipFill>
-          <a:blip r:embed="rId3">
+          <a:blip r:embed="rId3" cstate="hqprint">
             <a:extLst>
               <a:ext uri="{28A0092B-C50C-407E-A947-70E740481C1C}">
                 <a14:useLocalDpi xmlns:a14="http://schemas.microsoft.com/office/drawing/2010/main" val="0"/>
@@ -5215,7 +5215,7 @@
           </p:nvPr>
         </p:nvPicPr>
         <p:blipFill>
-          <a:blip r:embed="rId2">
+          <a:blip r:embed="rId2" cstate="hqprint">
             <a:extLst>
               <a:ext uri="{28A0092B-C50C-407E-A947-70E740481C1C}">
                 <a14:useLocalDpi xmlns:a14="http://schemas.microsoft.com/office/drawing/2010/main" val="0"/>
@@ -5250,7 +5250,7 @@
           </p:nvPr>
         </p:nvPicPr>
         <p:blipFill>
-          <a:blip r:embed="rId3">
+          <a:blip r:embed="rId3" cstate="hqprint">
             <a:extLst>
               <a:ext uri="{28A0092B-C50C-407E-A947-70E740481C1C}">
                 <a14:useLocalDpi xmlns:a14="http://schemas.microsoft.com/office/drawing/2010/main" val="0"/>
@@ -5784,8 +5784,8 @@
           </a:fontRef>
         </p:style>
       </p:cxnSp>
-      <mc:AlternateContent xmlns:mc="http://schemas.openxmlformats.org/markup-compatibility/2006">
-        <mc:Choice xmlns:p14="http://schemas.microsoft.com/office/powerpoint/2010/main" Requires="p14">
+      <mc:AlternateContent xmlns:mc="http://schemas.openxmlformats.org/markup-compatibility/2006" xmlns:p14="http://schemas.microsoft.com/office/powerpoint/2010/main">
+        <mc:Choice Requires="p14">
           <p:contentPart p14:bwMode="auto" r:id="rId2">
             <p14:nvContentPartPr>
               <p14:cNvPr id="11" name="Ink 10">
@@ -5804,7 +5804,7 @@
             </p14:xfrm>
           </p:contentPart>
         </mc:Choice>
-        <mc:Fallback>
+        <mc:Fallback xmlns="">
           <p:pic>
             <p:nvPicPr>
               <p:cNvPr id="11" name="Ink 10">
@@ -5835,8 +5835,8 @@
           </p:pic>
         </mc:Fallback>
       </mc:AlternateContent>
-      <mc:AlternateContent xmlns:mc="http://schemas.openxmlformats.org/markup-compatibility/2006">
-        <mc:Choice xmlns:p14="http://schemas.microsoft.com/office/powerpoint/2010/main" Requires="p14">
+      <mc:AlternateContent xmlns:mc="http://schemas.openxmlformats.org/markup-compatibility/2006" xmlns:p14="http://schemas.microsoft.com/office/powerpoint/2010/main">
+        <mc:Choice Requires="p14">
           <p:contentPart p14:bwMode="auto" r:id="rId4">
             <p14:nvContentPartPr>
               <p14:cNvPr id="13" name="Ink 12">
@@ -5855,7 +5855,7 @@
             </p14:xfrm>
           </p:contentPart>
         </mc:Choice>
-        <mc:Fallback>
+        <mc:Fallback xmlns="">
           <p:pic>
             <p:nvPicPr>
               <p:cNvPr id="13" name="Ink 12">
@@ -5886,8 +5886,8 @@
           </p:pic>
         </mc:Fallback>
       </mc:AlternateContent>
-      <mc:AlternateContent xmlns:mc="http://schemas.openxmlformats.org/markup-compatibility/2006">
-        <mc:Choice xmlns:p14="http://schemas.microsoft.com/office/powerpoint/2010/main" Requires="p14">
+      <mc:AlternateContent xmlns:mc="http://schemas.openxmlformats.org/markup-compatibility/2006" xmlns:p14="http://schemas.microsoft.com/office/powerpoint/2010/main">
+        <mc:Choice Requires="p14">
           <p:contentPart p14:bwMode="auto" r:id="rId6">
             <p14:nvContentPartPr>
               <p14:cNvPr id="18" name="Ink 17">
@@ -5906,7 +5906,7 @@
             </p14:xfrm>
           </p:contentPart>
         </mc:Choice>
-        <mc:Fallback>
+        <mc:Fallback xmlns="">
           <p:pic>
             <p:nvPicPr>
               <p:cNvPr id="18" name="Ink 17">
@@ -5937,8 +5937,8 @@
           </p:pic>
         </mc:Fallback>
       </mc:AlternateContent>
-      <mc:AlternateContent xmlns:mc="http://schemas.openxmlformats.org/markup-compatibility/2006">
-        <mc:Choice xmlns:p14="http://schemas.microsoft.com/office/powerpoint/2010/main" Requires="p14">
+      <mc:AlternateContent xmlns:mc="http://schemas.openxmlformats.org/markup-compatibility/2006" xmlns:p14="http://schemas.microsoft.com/office/powerpoint/2010/main">
+        <mc:Choice Requires="p14">
           <p:contentPart p14:bwMode="auto" r:id="rId8">
             <p14:nvContentPartPr>
               <p14:cNvPr id="20" name="Ink 19">
@@ -5957,7 +5957,7 @@
             </p14:xfrm>
           </p:contentPart>
         </mc:Choice>
-        <mc:Fallback>
+        <mc:Fallback xmlns="">
           <p:pic>
             <p:nvPicPr>
               <p:cNvPr id="20" name="Ink 19">
@@ -5988,8 +5988,8 @@
           </p:pic>
         </mc:Fallback>
       </mc:AlternateContent>
-      <mc:AlternateContent xmlns:mc="http://schemas.openxmlformats.org/markup-compatibility/2006">
-        <mc:Choice xmlns:p14="http://schemas.microsoft.com/office/powerpoint/2010/main" Requires="p14">
+      <mc:AlternateContent xmlns:mc="http://schemas.openxmlformats.org/markup-compatibility/2006" xmlns:p14="http://schemas.microsoft.com/office/powerpoint/2010/main">
+        <mc:Choice Requires="p14">
           <p:contentPart p14:bwMode="auto" r:id="rId10">
             <p14:nvContentPartPr>
               <p14:cNvPr id="21" name="Ink 20">
@@ -6008,7 +6008,7 @@
             </p14:xfrm>
           </p:contentPart>
         </mc:Choice>
-        <mc:Fallback>
+        <mc:Fallback xmlns="">
           <p:pic>
             <p:nvPicPr>
               <p:cNvPr id="21" name="Ink 20">
@@ -6039,8 +6039,8 @@
           </p:pic>
         </mc:Fallback>
       </mc:AlternateContent>
-      <mc:AlternateContent xmlns:mc="http://schemas.openxmlformats.org/markup-compatibility/2006">
-        <mc:Choice xmlns:p14="http://schemas.microsoft.com/office/powerpoint/2010/main" Requires="p14">
+      <mc:AlternateContent xmlns:mc="http://schemas.openxmlformats.org/markup-compatibility/2006" xmlns:p14="http://schemas.microsoft.com/office/powerpoint/2010/main">
+        <mc:Choice Requires="p14">
           <p:contentPart p14:bwMode="auto" r:id="rId12">
             <p14:nvContentPartPr>
               <p14:cNvPr id="23" name="Ink 22">
@@ -6059,7 +6059,7 @@
             </p14:xfrm>
           </p:contentPart>
         </mc:Choice>
-        <mc:Fallback>
+        <mc:Fallback xmlns="">
           <p:pic>
             <p:nvPicPr>
               <p:cNvPr id="23" name="Ink 22">
@@ -6090,8 +6090,8 @@
           </p:pic>
         </mc:Fallback>
       </mc:AlternateContent>
-      <mc:AlternateContent xmlns:mc="http://schemas.openxmlformats.org/markup-compatibility/2006">
-        <mc:Choice xmlns:p14="http://schemas.microsoft.com/office/powerpoint/2010/main" Requires="p14">
+      <mc:AlternateContent xmlns:mc="http://schemas.openxmlformats.org/markup-compatibility/2006" xmlns:p14="http://schemas.microsoft.com/office/powerpoint/2010/main">
+        <mc:Choice Requires="p14">
           <p:contentPart p14:bwMode="auto" r:id="rId14">
             <p14:nvContentPartPr>
               <p14:cNvPr id="24" name="Ink 23">
@@ -6110,7 +6110,7 @@
             </p14:xfrm>
           </p:contentPart>
         </mc:Choice>
-        <mc:Fallback>
+        <mc:Fallback xmlns="">
           <p:pic>
             <p:nvPicPr>
               <p:cNvPr id="24" name="Ink 23">
@@ -6141,8 +6141,8 @@
           </p:pic>
         </mc:Fallback>
       </mc:AlternateContent>
-      <mc:AlternateContent xmlns:mc="http://schemas.openxmlformats.org/markup-compatibility/2006">
-        <mc:Choice xmlns:p14="http://schemas.microsoft.com/office/powerpoint/2010/main" Requires="p14">
+      <mc:AlternateContent xmlns:mc="http://schemas.openxmlformats.org/markup-compatibility/2006" xmlns:p14="http://schemas.microsoft.com/office/powerpoint/2010/main">
+        <mc:Choice Requires="p14">
           <p:contentPart p14:bwMode="auto" r:id="rId16">
             <p14:nvContentPartPr>
               <p14:cNvPr id="27" name="Ink 26">
@@ -6161,7 +6161,7 @@
             </p14:xfrm>
           </p:contentPart>
         </mc:Choice>
-        <mc:Fallback>
+        <mc:Fallback xmlns="">
           <p:pic>
             <p:nvPicPr>
               <p:cNvPr id="27" name="Ink 26">
@@ -6192,8 +6192,8 @@
           </p:pic>
         </mc:Fallback>
       </mc:AlternateContent>
-      <mc:AlternateContent xmlns:mc="http://schemas.openxmlformats.org/markup-compatibility/2006">
-        <mc:Choice xmlns:p14="http://schemas.microsoft.com/office/powerpoint/2010/main" Requires="p14">
+      <mc:AlternateContent xmlns:mc="http://schemas.openxmlformats.org/markup-compatibility/2006" xmlns:p14="http://schemas.microsoft.com/office/powerpoint/2010/main">
+        <mc:Choice Requires="p14">
           <p:contentPart p14:bwMode="auto" r:id="rId18">
             <p14:nvContentPartPr>
               <p14:cNvPr id="28" name="Ink 27">
@@ -6212,7 +6212,7 @@
             </p14:xfrm>
           </p:contentPart>
         </mc:Choice>
-        <mc:Fallback>
+        <mc:Fallback xmlns="">
           <p:pic>
             <p:nvPicPr>
               <p:cNvPr id="28" name="Ink 27">
@@ -6441,7 +6441,7 @@
           </p:nvPr>
         </p:nvPicPr>
         <p:blipFill>
-          <a:blip r:embed="rId2">
+          <a:blip r:embed="rId2" cstate="hqprint">
             <a:extLst>
               <a:ext uri="{28A0092B-C50C-407E-A947-70E740481C1C}">
                 <a14:useLocalDpi xmlns:a14="http://schemas.microsoft.com/office/drawing/2010/main" val="0"/>
@@ -6476,7 +6476,7 @@
           </p:nvPr>
         </p:nvPicPr>
         <p:blipFill>
-          <a:blip r:embed="rId3">
+          <a:blip r:embed="rId3" cstate="hqprint">
             <a:extLst>
               <a:ext uri="{28A0092B-C50C-407E-A947-70E740481C1C}">
                 <a14:useLocalDpi xmlns:a14="http://schemas.microsoft.com/office/drawing/2010/main" val="0"/>
@@ -6658,7 +6658,7 @@
           </p:nvPr>
         </p:nvPicPr>
         <p:blipFill>
-          <a:blip r:embed="rId2">
+          <a:blip r:embed="rId2" cstate="hqprint">
             <a:extLst>
               <a:ext uri="{28A0092B-C50C-407E-A947-70E740481C1C}">
                 <a14:useLocalDpi xmlns:a14="http://schemas.microsoft.com/office/drawing/2010/main" val="0"/>
@@ -6693,7 +6693,7 @@
           </p:nvPr>
         </p:nvPicPr>
         <p:blipFill>
-          <a:blip r:embed="rId3">
+          <a:blip r:embed="rId3" cstate="hqprint">
             <a:extLst>
               <a:ext uri="{28A0092B-C50C-407E-A947-70E740481C1C}">
                 <a14:useLocalDpi xmlns:a14="http://schemas.microsoft.com/office/drawing/2010/main" val="0"/>
@@ -6875,7 +6875,7 @@
           </p:nvPr>
         </p:nvPicPr>
         <p:blipFill>
-          <a:blip r:embed="rId2">
+          <a:blip r:embed="rId2" cstate="hqprint">
             <a:extLst>
               <a:ext uri="{28A0092B-C50C-407E-A947-70E740481C1C}">
                 <a14:useLocalDpi xmlns:a14="http://schemas.microsoft.com/office/drawing/2010/main" val="0"/>
@@ -6910,7 +6910,7 @@
           </p:nvPr>
         </p:nvPicPr>
         <p:blipFill>
-          <a:blip r:embed="rId3">
+          <a:blip r:embed="rId3" cstate="hqprint">
             <a:extLst>
               <a:ext uri="{28A0092B-C50C-407E-A947-70E740481C1C}">
                 <a14:useLocalDpi xmlns:a14="http://schemas.microsoft.com/office/drawing/2010/main" val="0"/>
@@ -7100,7 +7100,7 @@
           </p:nvPr>
         </p:nvPicPr>
         <p:blipFill>
-          <a:blip r:embed="rId2">
+          <a:blip r:embed="rId2" cstate="hqprint">
             <a:extLst>
               <a:ext uri="{28A0092B-C50C-407E-A947-70E740481C1C}">
                 <a14:useLocalDpi xmlns:a14="http://schemas.microsoft.com/office/drawing/2010/main" val="0"/>
@@ -7135,7 +7135,7 @@
           </p:nvPr>
         </p:nvPicPr>
         <p:blipFill>
-          <a:blip r:embed="rId3">
+          <a:blip r:embed="rId3" cstate="hqprint">
             <a:extLst>
               <a:ext uri="{28A0092B-C50C-407E-A947-70E740481C1C}">
                 <a14:useLocalDpi xmlns:a14="http://schemas.microsoft.com/office/drawing/2010/main" val="0"/>
@@ -7273,7 +7273,7 @@
           </p:nvPr>
         </p:nvPicPr>
         <p:blipFill>
-          <a:blip r:embed="rId2">
+          <a:blip r:embed="rId2" cstate="hqprint">
             <a:extLst>
               <a:ext uri="{28A0092B-C50C-407E-A947-70E740481C1C}">
                 <a14:useLocalDpi xmlns:a14="http://schemas.microsoft.com/office/drawing/2010/main" val="0"/>
@@ -7308,7 +7308,7 @@
           </p:nvPr>
         </p:nvPicPr>
         <p:blipFill>
-          <a:blip r:embed="rId3">
+          <a:blip r:embed="rId3" cstate="hqprint">
             <a:extLst>
               <a:ext uri="{28A0092B-C50C-407E-A947-70E740481C1C}">
                 <a14:useLocalDpi xmlns:a14="http://schemas.microsoft.com/office/drawing/2010/main" val="0"/>
@@ -7466,7 +7466,7 @@
           </p:nvPr>
         </p:nvPicPr>
         <p:blipFill>
-          <a:blip r:embed="rId2">
+          <a:blip r:embed="rId2" cstate="hqprint">
             <a:extLst>
               <a:ext uri="{28A0092B-C50C-407E-A947-70E740481C1C}">
                 <a14:useLocalDpi xmlns:a14="http://schemas.microsoft.com/office/drawing/2010/main" val="0"/>
@@ -7501,7 +7501,7 @@
           </p:nvPr>
         </p:nvPicPr>
         <p:blipFill>
-          <a:blip r:embed="rId3">
+          <a:blip r:embed="rId3" cstate="hqprint">
             <a:extLst>
               <a:ext uri="{28A0092B-C50C-407E-A947-70E740481C1C}">
                 <a14:useLocalDpi xmlns:a14="http://schemas.microsoft.com/office/drawing/2010/main" val="0"/>
@@ -7687,7 +7687,7 @@
           </p:nvPr>
         </p:nvPicPr>
         <p:blipFill>
-          <a:blip r:embed="rId2">
+          <a:blip r:embed="rId2" cstate="hqprint">
             <a:extLst>
               <a:ext uri="{28A0092B-C50C-407E-A947-70E740481C1C}">
                 <a14:useLocalDpi xmlns:a14="http://schemas.microsoft.com/office/drawing/2010/main" val="0"/>
@@ -7722,7 +7722,7 @@
           </p:nvPr>
         </p:nvPicPr>
         <p:blipFill>
-          <a:blip r:embed="rId3">
+          <a:blip r:embed="rId3" cstate="hqprint">
             <a:extLst>
               <a:ext uri="{28A0092B-C50C-407E-A947-70E740481C1C}">
                 <a14:useLocalDpi xmlns:a14="http://schemas.microsoft.com/office/drawing/2010/main" val="0"/>
@@ -7888,7 +7888,7 @@
           </p:nvPr>
         </p:nvPicPr>
         <p:blipFill>
-          <a:blip r:embed="rId2">
+          <a:blip r:embed="rId2" cstate="hqprint">
             <a:extLst>
               <a:ext uri="{28A0092B-C50C-407E-A947-70E740481C1C}">
                 <a14:useLocalDpi xmlns:a14="http://schemas.microsoft.com/office/drawing/2010/main" val="0"/>
@@ -7923,7 +7923,7 @@
           </p:nvPr>
         </p:nvPicPr>
         <p:blipFill>
-          <a:blip r:embed="rId3">
+          <a:blip r:embed="rId3" cstate="hqprint">
             <a:extLst>
               <a:ext uri="{28A0092B-C50C-407E-A947-70E740481C1C}">
                 <a14:useLocalDpi xmlns:a14="http://schemas.microsoft.com/office/drawing/2010/main" val="0"/>
@@ -8100,7 +8100,7 @@
           </p:nvPr>
         </p:nvPicPr>
         <p:blipFill>
-          <a:blip r:embed="rId2">
+          <a:blip r:embed="rId2" cstate="hqprint">
             <a:extLst>
               <a:ext uri="{28A0092B-C50C-407E-A947-70E740481C1C}">
                 <a14:useLocalDpi xmlns:a14="http://schemas.microsoft.com/office/drawing/2010/main" val="0"/>
@@ -8134,7 +8134,7 @@
           </p:nvPr>
         </p:nvPicPr>
         <p:blipFill>
-          <a:blip r:embed="rId3">
+          <a:blip r:embed="rId3" cstate="hqprint">
             <a:extLst>
               <a:ext uri="{28A0092B-C50C-407E-A947-70E740481C1C}">
                 <a14:useLocalDpi xmlns:a14="http://schemas.microsoft.com/office/drawing/2010/main" val="0"/>
@@ -8639,7 +8639,7 @@
         <p:spPr/>
         <p:txBody>
           <a:bodyPr>
-            <a:normAutofit fontScale="92500"/>
+            <a:normAutofit/>
           </a:bodyPr>
           <a:lstStyle/>
           <a:p>
@@ -10081,7 +10081,7 @@
             <p:ph idx="1"/>
             <p:extLst>
               <p:ext uri="{D42A27DB-BD31-4B8C-83A1-F6EECF244321}">
-                <p14:modId xmlns:p14="http://schemas.microsoft.com/office/powerpoint/2010/main" val="82373408"/>
+                <p14:modId xmlns:p14="http://schemas.microsoft.com/office/powerpoint/2010/main" val="119578047"/>
               </p:ext>
             </p:extLst>
           </p:nvPr>
@@ -10533,6 +10533,14 @@
                     <a:bodyPr/>
                     <a:lstStyle/>
                     <a:p>
+                      <a:r>
+                        <a:rPr lang="de-DE" dirty="0" smtClean="0"/>
+                        <a:t>117</a:t>
+                      </a:r>
+                      <a:r>
+                        <a:rPr lang="de-DE" baseline="0" dirty="0" smtClean="0"/>
+                        <a:t> (1.2%)</a:t>
+                      </a:r>
                       <a:endParaRPr lang="de-DE" dirty="0"/>
                     </a:p>
                   </a:txBody>
@@ -10543,6 +10551,14 @@
                     <a:bodyPr/>
                     <a:lstStyle/>
                     <a:p>
+                      <a:r>
+                        <a:rPr lang="de-DE" dirty="0" smtClean="0"/>
+                        <a:t>201</a:t>
+                      </a:r>
+                      <a:r>
+                        <a:rPr lang="de-DE" baseline="0" dirty="0" smtClean="0"/>
+                        <a:t> (1.3%)</a:t>
+                      </a:r>
                       <a:endParaRPr lang="de-DE" dirty="0"/>
                     </a:p>
                   </a:txBody>
@@ -11010,7 +11026,7 @@
           </p:nvPr>
         </p:nvPicPr>
         <p:blipFill>
-          <a:blip r:embed="rId2">
+          <a:blip r:embed="rId2" cstate="hqprint">
             <a:extLst>
               <a:ext uri="{28A0092B-C50C-407E-A947-70E740481C1C}">
                 <a14:useLocalDpi xmlns:a14="http://schemas.microsoft.com/office/drawing/2010/main" val="0"/>
@@ -11045,7 +11061,7 @@
           </p:nvPr>
         </p:nvPicPr>
         <p:blipFill>
-          <a:blip r:embed="rId3">
+          <a:blip r:embed="rId3" cstate="hqprint">
             <a:extLst>
               <a:ext uri="{28A0092B-C50C-407E-A947-70E740481C1C}">
                 <a14:useLocalDpi xmlns:a14="http://schemas.microsoft.com/office/drawing/2010/main" val="0"/>
